--- a/docs/part2os/07_Synch/OS_Lecture_07.pptx
+++ b/docs/part2os/07_Synch/OS_Lecture_07.pptx
@@ -153,7 +153,7 @@
   </p:defaultTextStyle>
   <p:extLst>
     <p:ext uri="{EFAFB233-063F-42B5-8137-9DF3F51BA10A}">
-      <p15:sldGuideLst xmlns:p15="http://schemas.microsoft.com/office/powerpoint/2012/main">
+      <p15:sldGuideLst xmlns:p15="http://schemas.microsoft.com/office/powerpoint/2012/main" xmlns="">
         <p15:guide id="1" orient="horz" pos="2160">
           <p15:clr>
             <a:srgbClr val="A4A3A4"/>
@@ -167,7 +167,7 @@
       </p15:sldGuideLst>
     </p:ext>
     <p:ext uri="{2D200454-40CA-4A62-9FC3-DE9A4176ACB9}">
-      <p15:notesGuideLst xmlns:p15="http://schemas.microsoft.com/office/powerpoint/2012/main">
+      <p15:notesGuideLst xmlns:p15="http://schemas.microsoft.com/office/powerpoint/2012/main" xmlns="">
         <p15:guide id="1" orient="horz" pos="2880">
           <p15:clr>
             <a:srgbClr val="A4A3A4"/>
@@ -351,7 +351,7 @@
     </p:spTree>
     <p:extLst>
       <p:ext uri="{BB962C8B-B14F-4D97-AF65-F5344CB8AC3E}">
-        <p14:creationId xmlns:p14="http://schemas.microsoft.com/office/powerpoint/2010/main" val="827279973"/>
+        <p14:creationId xmlns:p14="http://schemas.microsoft.com/office/powerpoint/2010/main" xmlns="" val="827279973"/>
       </p:ext>
     </p:extLst>
   </p:cSld>
@@ -612,7 +612,7 @@
     </p:spTree>
     <p:extLst>
       <p:ext uri="{BB962C8B-B14F-4D97-AF65-F5344CB8AC3E}">
-        <p14:creationId xmlns:p14="http://schemas.microsoft.com/office/powerpoint/2010/main" val="3865021395"/>
+        <p14:creationId xmlns:p14="http://schemas.microsoft.com/office/powerpoint/2010/main" xmlns="" val="3865021395"/>
       </p:ext>
     </p:extLst>
   </p:cSld>
@@ -826,7 +826,7 @@
     </p:spTree>
     <p:extLst>
       <p:ext uri="{BB962C8B-B14F-4D97-AF65-F5344CB8AC3E}">
-        <p14:creationId xmlns:p14="http://schemas.microsoft.com/office/powerpoint/2010/main" val="2381791527"/>
+        <p14:creationId xmlns:p14="http://schemas.microsoft.com/office/powerpoint/2010/main" xmlns="" val="2381791527"/>
       </p:ext>
     </p:extLst>
   </p:cSld>
@@ -889,7 +889,7 @@
     </p:spTree>
     <p:extLst>
       <p:ext uri="{BB962C8B-B14F-4D97-AF65-F5344CB8AC3E}">
-        <p14:creationId xmlns:p14="http://schemas.microsoft.com/office/powerpoint/2010/main" val="782761629"/>
+        <p14:creationId xmlns:p14="http://schemas.microsoft.com/office/powerpoint/2010/main" xmlns="" val="782761629"/>
       </p:ext>
     </p:extLst>
   </p:cSld>
@@ -952,7 +952,7 @@
     </p:spTree>
     <p:extLst>
       <p:ext uri="{BB962C8B-B14F-4D97-AF65-F5344CB8AC3E}">
-        <p14:creationId xmlns:p14="http://schemas.microsoft.com/office/powerpoint/2010/main" val="4014326334"/>
+        <p14:creationId xmlns:p14="http://schemas.microsoft.com/office/powerpoint/2010/main" xmlns="" val="4014326334"/>
       </p:ext>
     </p:extLst>
   </p:cSld>
@@ -1015,7 +1015,7 @@
     </p:spTree>
     <p:extLst>
       <p:ext uri="{BB962C8B-B14F-4D97-AF65-F5344CB8AC3E}">
-        <p14:creationId xmlns:p14="http://schemas.microsoft.com/office/powerpoint/2010/main" val="2899734279"/>
+        <p14:creationId xmlns:p14="http://schemas.microsoft.com/office/powerpoint/2010/main" xmlns="" val="2899734279"/>
       </p:ext>
     </p:extLst>
   </p:cSld>
@@ -1078,7 +1078,7 @@
     </p:spTree>
     <p:extLst>
       <p:ext uri="{BB962C8B-B14F-4D97-AF65-F5344CB8AC3E}">
-        <p14:creationId xmlns:p14="http://schemas.microsoft.com/office/powerpoint/2010/main" val="1396266262"/>
+        <p14:creationId xmlns:p14="http://schemas.microsoft.com/office/powerpoint/2010/main" xmlns="" val="1396266262"/>
       </p:ext>
     </p:extLst>
   </p:cSld>
@@ -1141,7 +1141,7 @@
     </p:spTree>
     <p:extLst>
       <p:ext uri="{BB962C8B-B14F-4D97-AF65-F5344CB8AC3E}">
-        <p14:creationId xmlns:p14="http://schemas.microsoft.com/office/powerpoint/2010/main" val="4150847395"/>
+        <p14:creationId xmlns:p14="http://schemas.microsoft.com/office/powerpoint/2010/main" xmlns="" val="4150847395"/>
       </p:ext>
     </p:extLst>
   </p:cSld>
@@ -1204,7 +1204,7 @@
     </p:spTree>
     <p:extLst>
       <p:ext uri="{BB962C8B-B14F-4D97-AF65-F5344CB8AC3E}">
-        <p14:creationId xmlns:p14="http://schemas.microsoft.com/office/powerpoint/2010/main" val="779336750"/>
+        <p14:creationId xmlns:p14="http://schemas.microsoft.com/office/powerpoint/2010/main" xmlns="" val="779336750"/>
       </p:ext>
     </p:extLst>
   </p:cSld>
@@ -1267,7 +1267,7 @@
     </p:spTree>
     <p:extLst>
       <p:ext uri="{BB962C8B-B14F-4D97-AF65-F5344CB8AC3E}">
-        <p14:creationId xmlns:p14="http://schemas.microsoft.com/office/powerpoint/2010/main" val="776916701"/>
+        <p14:creationId xmlns:p14="http://schemas.microsoft.com/office/powerpoint/2010/main" xmlns="" val="776916701"/>
       </p:ext>
     </p:extLst>
   </p:cSld>
@@ -1330,7 +1330,7 @@
     </p:spTree>
     <p:extLst>
       <p:ext uri="{BB962C8B-B14F-4D97-AF65-F5344CB8AC3E}">
-        <p14:creationId xmlns:p14="http://schemas.microsoft.com/office/powerpoint/2010/main" val="2225705685"/>
+        <p14:creationId xmlns:p14="http://schemas.microsoft.com/office/powerpoint/2010/main" xmlns="" val="2225705685"/>
       </p:ext>
     </p:extLst>
   </p:cSld>
@@ -1393,7 +1393,7 @@
     </p:spTree>
     <p:extLst>
       <p:ext uri="{BB962C8B-B14F-4D97-AF65-F5344CB8AC3E}">
-        <p14:creationId xmlns:p14="http://schemas.microsoft.com/office/powerpoint/2010/main" val="4136895022"/>
+        <p14:creationId xmlns:p14="http://schemas.microsoft.com/office/powerpoint/2010/main" xmlns="" val="4136895022"/>
       </p:ext>
     </p:extLst>
   </p:cSld>
@@ -1456,7 +1456,7 @@
     </p:spTree>
     <p:extLst>
       <p:ext uri="{BB962C8B-B14F-4D97-AF65-F5344CB8AC3E}">
-        <p14:creationId xmlns:p14="http://schemas.microsoft.com/office/powerpoint/2010/main" val="3792434479"/>
+        <p14:creationId xmlns:p14="http://schemas.microsoft.com/office/powerpoint/2010/main" xmlns="" val="3792434479"/>
       </p:ext>
     </p:extLst>
   </p:cSld>
@@ -1519,7 +1519,7 @@
     </p:spTree>
     <p:extLst>
       <p:ext uri="{BB962C8B-B14F-4D97-AF65-F5344CB8AC3E}">
-        <p14:creationId xmlns:p14="http://schemas.microsoft.com/office/powerpoint/2010/main" val="3665674512"/>
+        <p14:creationId xmlns:p14="http://schemas.microsoft.com/office/powerpoint/2010/main" xmlns="" val="3665674512"/>
       </p:ext>
     </p:extLst>
   </p:cSld>
@@ -1582,7 +1582,7 @@
     </p:spTree>
     <p:extLst>
       <p:ext uri="{BB962C8B-B14F-4D97-AF65-F5344CB8AC3E}">
-        <p14:creationId xmlns:p14="http://schemas.microsoft.com/office/powerpoint/2010/main" val="3376036129"/>
+        <p14:creationId xmlns:p14="http://schemas.microsoft.com/office/powerpoint/2010/main" xmlns="" val="3376036129"/>
       </p:ext>
     </p:extLst>
   </p:cSld>
@@ -1645,7 +1645,7 @@
     </p:spTree>
     <p:extLst>
       <p:ext uri="{BB962C8B-B14F-4D97-AF65-F5344CB8AC3E}">
-        <p14:creationId xmlns:p14="http://schemas.microsoft.com/office/powerpoint/2010/main" val="2769294460"/>
+        <p14:creationId xmlns:p14="http://schemas.microsoft.com/office/powerpoint/2010/main" xmlns="" val="2769294460"/>
       </p:ext>
     </p:extLst>
   </p:cSld>
@@ -1708,7 +1708,7 @@
     </p:spTree>
     <p:extLst>
       <p:ext uri="{BB962C8B-B14F-4D97-AF65-F5344CB8AC3E}">
-        <p14:creationId xmlns:p14="http://schemas.microsoft.com/office/powerpoint/2010/main" val="4004988724"/>
+        <p14:creationId xmlns:p14="http://schemas.microsoft.com/office/powerpoint/2010/main" xmlns="" val="4004988724"/>
       </p:ext>
     </p:extLst>
   </p:cSld>
@@ -1771,7 +1771,7 @@
     </p:spTree>
     <p:extLst>
       <p:ext uri="{BB962C8B-B14F-4D97-AF65-F5344CB8AC3E}">
-        <p14:creationId xmlns:p14="http://schemas.microsoft.com/office/powerpoint/2010/main" val="1110243570"/>
+        <p14:creationId xmlns:p14="http://schemas.microsoft.com/office/powerpoint/2010/main" xmlns="" val="1110243570"/>
       </p:ext>
     </p:extLst>
   </p:cSld>
@@ -1834,7 +1834,7 @@
     </p:spTree>
     <p:extLst>
       <p:ext uri="{BB962C8B-B14F-4D97-AF65-F5344CB8AC3E}">
-        <p14:creationId xmlns:p14="http://schemas.microsoft.com/office/powerpoint/2010/main" val="3310816490"/>
+        <p14:creationId xmlns:p14="http://schemas.microsoft.com/office/powerpoint/2010/main" xmlns="" val="3310816490"/>
       </p:ext>
     </p:extLst>
   </p:cSld>
@@ -1897,7 +1897,7 @@
     </p:spTree>
     <p:extLst>
       <p:ext uri="{BB962C8B-B14F-4D97-AF65-F5344CB8AC3E}">
-        <p14:creationId xmlns:p14="http://schemas.microsoft.com/office/powerpoint/2010/main" val="1491729324"/>
+        <p14:creationId xmlns:p14="http://schemas.microsoft.com/office/powerpoint/2010/main" xmlns="" val="1491729324"/>
       </p:ext>
     </p:extLst>
   </p:cSld>
@@ -1960,7 +1960,7 @@
     </p:spTree>
     <p:extLst>
       <p:ext uri="{BB962C8B-B14F-4D97-AF65-F5344CB8AC3E}">
-        <p14:creationId xmlns:p14="http://schemas.microsoft.com/office/powerpoint/2010/main" val="3596763574"/>
+        <p14:creationId xmlns:p14="http://schemas.microsoft.com/office/powerpoint/2010/main" xmlns="" val="3596763574"/>
       </p:ext>
     </p:extLst>
   </p:cSld>
@@ -2023,7 +2023,7 @@
     </p:spTree>
     <p:extLst>
       <p:ext uri="{BB962C8B-B14F-4D97-AF65-F5344CB8AC3E}">
-        <p14:creationId xmlns:p14="http://schemas.microsoft.com/office/powerpoint/2010/main" val="758820100"/>
+        <p14:creationId xmlns:p14="http://schemas.microsoft.com/office/powerpoint/2010/main" xmlns="" val="758820100"/>
       </p:ext>
     </p:extLst>
   </p:cSld>
@@ -2086,7 +2086,7 @@
     </p:spTree>
     <p:extLst>
       <p:ext uri="{BB962C8B-B14F-4D97-AF65-F5344CB8AC3E}">
-        <p14:creationId xmlns:p14="http://schemas.microsoft.com/office/powerpoint/2010/main" val="1083502907"/>
+        <p14:creationId xmlns:p14="http://schemas.microsoft.com/office/powerpoint/2010/main" xmlns="" val="1083502907"/>
       </p:ext>
     </p:extLst>
   </p:cSld>
@@ -2149,7 +2149,7 @@
     </p:spTree>
     <p:extLst>
       <p:ext uri="{BB962C8B-B14F-4D97-AF65-F5344CB8AC3E}">
-        <p14:creationId xmlns:p14="http://schemas.microsoft.com/office/powerpoint/2010/main" val="2286402175"/>
+        <p14:creationId xmlns:p14="http://schemas.microsoft.com/office/powerpoint/2010/main" xmlns="" val="2286402175"/>
       </p:ext>
     </p:extLst>
   </p:cSld>
@@ -2212,7 +2212,7 @@
     </p:spTree>
     <p:extLst>
       <p:ext uri="{BB962C8B-B14F-4D97-AF65-F5344CB8AC3E}">
-        <p14:creationId xmlns:p14="http://schemas.microsoft.com/office/powerpoint/2010/main" val="2034412166"/>
+        <p14:creationId xmlns:p14="http://schemas.microsoft.com/office/powerpoint/2010/main" xmlns="" val="2034412166"/>
       </p:ext>
     </p:extLst>
   </p:cSld>
@@ -2275,7 +2275,7 @@
     </p:spTree>
     <p:extLst>
       <p:ext uri="{BB962C8B-B14F-4D97-AF65-F5344CB8AC3E}">
-        <p14:creationId xmlns:p14="http://schemas.microsoft.com/office/powerpoint/2010/main" val="766126608"/>
+        <p14:creationId xmlns:p14="http://schemas.microsoft.com/office/powerpoint/2010/main" xmlns="" val="766126608"/>
       </p:ext>
     </p:extLst>
   </p:cSld>
@@ -2338,7 +2338,7 @@
     </p:spTree>
     <p:extLst>
       <p:ext uri="{BB962C8B-B14F-4D97-AF65-F5344CB8AC3E}">
-        <p14:creationId xmlns:p14="http://schemas.microsoft.com/office/powerpoint/2010/main" val="2182420489"/>
+        <p14:creationId xmlns:p14="http://schemas.microsoft.com/office/powerpoint/2010/main" xmlns="" val="2182420489"/>
       </p:ext>
     </p:extLst>
   </p:cSld>
@@ -2401,7 +2401,7 @@
     </p:spTree>
     <p:extLst>
       <p:ext uri="{BB962C8B-B14F-4D97-AF65-F5344CB8AC3E}">
-        <p14:creationId xmlns:p14="http://schemas.microsoft.com/office/powerpoint/2010/main" val="3408446887"/>
+        <p14:creationId xmlns:p14="http://schemas.microsoft.com/office/powerpoint/2010/main" xmlns="" val="3408446887"/>
       </p:ext>
     </p:extLst>
   </p:cSld>
@@ -2464,7 +2464,7 @@
     </p:spTree>
     <p:extLst>
       <p:ext uri="{BB962C8B-B14F-4D97-AF65-F5344CB8AC3E}">
-        <p14:creationId xmlns:p14="http://schemas.microsoft.com/office/powerpoint/2010/main" val="2618625757"/>
+        <p14:creationId xmlns:p14="http://schemas.microsoft.com/office/powerpoint/2010/main" xmlns="" val="2618625757"/>
       </p:ext>
     </p:extLst>
   </p:cSld>
@@ -2527,7 +2527,7 @@
     </p:spTree>
     <p:extLst>
       <p:ext uri="{BB962C8B-B14F-4D97-AF65-F5344CB8AC3E}">
-        <p14:creationId xmlns:p14="http://schemas.microsoft.com/office/powerpoint/2010/main" val="158313500"/>
+        <p14:creationId xmlns:p14="http://schemas.microsoft.com/office/powerpoint/2010/main" xmlns="" val="158313500"/>
       </p:ext>
     </p:extLst>
   </p:cSld>
@@ -2650,7 +2650,7 @@
     </p:spTree>
     <p:extLst>
       <p:ext uri="{BB962C8B-B14F-4D97-AF65-F5344CB8AC3E}">
-        <p14:creationId xmlns:p14="http://schemas.microsoft.com/office/powerpoint/2010/main" val="1915950851"/>
+        <p14:creationId xmlns:p14="http://schemas.microsoft.com/office/powerpoint/2010/main" xmlns="" val="1915950851"/>
       </p:ext>
     </p:extLst>
   </p:cSld>
@@ -2692,14 +2692,14 @@
           <a:ln/>
           <a:extLst>
             <a:ext uri="{909E8E84-426E-40DD-AFC4-6F175D3DCCD1}">
-              <a14:hiddenFill xmlns:a14="http://schemas.microsoft.com/office/drawing/2010/main">
+              <a14:hiddenFill xmlns:a14="http://schemas.microsoft.com/office/drawing/2010/main" xmlns="">
                 <a:solidFill>
                   <a:srgbClr val="FFFFFF"/>
                 </a:solidFill>
               </a14:hiddenFill>
             </a:ext>
             <a:ext uri="{91240B29-F687-4F45-9708-019B960494DF}">
-              <a14:hiddenLine xmlns:a14="http://schemas.microsoft.com/office/drawing/2010/main" w="9525">
+              <a14:hiddenLine xmlns:a14="http://schemas.microsoft.com/office/drawing/2010/main" xmlns="" w="9525">
                 <a:solidFill>
                   <a:srgbClr val="000000"/>
                 </a:solidFill>
@@ -2837,7 +2837,7 @@
         <p:nvSpPr>
           <p:cNvPr id="15363" name="Rectangle 2"/>
           <p:cNvSpPr>
-            <a:spLocks noRot="1" noChangeArrowheads="1" noTextEdit="1"/>
+            <a:spLocks noGrp="1" noRot="1" noChangeAspect="1" noChangeArrowheads="1" noTextEdit="1"/>
           </p:cNvSpPr>
           <p:nvPr>
             <p:ph type="sldImg"/>
@@ -2862,14 +2862,14 @@
           <a:ln/>
           <a:extLst>
             <a:ext uri="{909E8E84-426E-40DD-AFC4-6F175D3DCCD1}">
-              <a14:hiddenFill xmlns:a14="http://schemas.microsoft.com/office/drawing/2010/main">
+              <a14:hiddenFill xmlns:a14="http://schemas.microsoft.com/office/drawing/2010/main" xmlns="">
                 <a:solidFill>
                   <a:srgbClr val="FFFFFF"/>
                 </a:solidFill>
               </a14:hiddenFill>
             </a:ext>
             <a:ext uri="{91240B29-F687-4F45-9708-019B960494DF}">
-              <a14:hiddenLine xmlns:a14="http://schemas.microsoft.com/office/drawing/2010/main" w="9525">
+              <a14:hiddenLine xmlns:a14="http://schemas.microsoft.com/office/drawing/2010/main" xmlns="" w="9525">
                 <a:solidFill>
                   <a:srgbClr val="000000"/>
                 </a:solidFill>
@@ -2894,7 +2894,7 @@
     </p:spTree>
     <p:extLst>
       <p:ext uri="{BB962C8B-B14F-4D97-AF65-F5344CB8AC3E}">
-        <p14:creationId xmlns:p14="http://schemas.microsoft.com/office/powerpoint/2010/main" val="3619023813"/>
+        <p14:creationId xmlns:p14="http://schemas.microsoft.com/office/powerpoint/2010/main" xmlns="" val="3619023813"/>
       </p:ext>
     </p:extLst>
   </p:cSld>
@@ -2936,14 +2936,14 @@
           <a:ln/>
           <a:extLst>
             <a:ext uri="{909E8E84-426E-40DD-AFC4-6F175D3DCCD1}">
-              <a14:hiddenFill xmlns:a14="http://schemas.microsoft.com/office/drawing/2010/main">
+              <a14:hiddenFill xmlns:a14="http://schemas.microsoft.com/office/drawing/2010/main" xmlns="">
                 <a:solidFill>
                   <a:srgbClr val="FFFFFF"/>
                 </a:solidFill>
               </a14:hiddenFill>
             </a:ext>
             <a:ext uri="{91240B29-F687-4F45-9708-019B960494DF}">
-              <a14:hiddenLine xmlns:a14="http://schemas.microsoft.com/office/drawing/2010/main" w="9525">
+              <a14:hiddenLine xmlns:a14="http://schemas.microsoft.com/office/drawing/2010/main" xmlns="" w="9525">
                 <a:solidFill>
                   <a:srgbClr val="000000"/>
                 </a:solidFill>
@@ -3081,7 +3081,7 @@
         <p:nvSpPr>
           <p:cNvPr id="17411" name="Rectangle 2"/>
           <p:cNvSpPr>
-            <a:spLocks noRot="1" noChangeArrowheads="1" noTextEdit="1"/>
+            <a:spLocks noGrp="1" noRot="1" noChangeAspect="1" noChangeArrowheads="1" noTextEdit="1"/>
           </p:cNvSpPr>
           <p:nvPr>
             <p:ph type="sldImg"/>
@@ -3106,14 +3106,14 @@
           <a:ln/>
           <a:extLst>
             <a:ext uri="{909E8E84-426E-40DD-AFC4-6F175D3DCCD1}">
-              <a14:hiddenFill xmlns:a14="http://schemas.microsoft.com/office/drawing/2010/main">
+              <a14:hiddenFill xmlns:a14="http://schemas.microsoft.com/office/drawing/2010/main" xmlns="">
                 <a:solidFill>
                   <a:srgbClr val="FFFFFF"/>
                 </a:solidFill>
               </a14:hiddenFill>
             </a:ext>
             <a:ext uri="{91240B29-F687-4F45-9708-019B960494DF}">
-              <a14:hiddenLine xmlns:a14="http://schemas.microsoft.com/office/drawing/2010/main" w="9525">
+              <a14:hiddenLine xmlns:a14="http://schemas.microsoft.com/office/drawing/2010/main" xmlns="" w="9525">
                 <a:solidFill>
                   <a:srgbClr val="000000"/>
                 </a:solidFill>
@@ -3138,7 +3138,7 @@
     </p:spTree>
     <p:extLst>
       <p:ext uri="{BB962C8B-B14F-4D97-AF65-F5344CB8AC3E}">
-        <p14:creationId xmlns:p14="http://schemas.microsoft.com/office/powerpoint/2010/main" val="2900596731"/>
+        <p14:creationId xmlns:p14="http://schemas.microsoft.com/office/powerpoint/2010/main" xmlns="" val="2900596731"/>
       </p:ext>
     </p:extLst>
   </p:cSld>
@@ -3201,7 +3201,7 @@
     </p:spTree>
     <p:extLst>
       <p:ext uri="{BB962C8B-B14F-4D97-AF65-F5344CB8AC3E}">
-        <p14:creationId xmlns:p14="http://schemas.microsoft.com/office/powerpoint/2010/main" val="1371667235"/>
+        <p14:creationId xmlns:p14="http://schemas.microsoft.com/office/powerpoint/2010/main" xmlns="" val="1371667235"/>
       </p:ext>
     </p:extLst>
   </p:cSld>
@@ -3264,7 +3264,7 @@
     </p:spTree>
     <p:extLst>
       <p:ext uri="{BB962C8B-B14F-4D97-AF65-F5344CB8AC3E}">
-        <p14:creationId xmlns:p14="http://schemas.microsoft.com/office/powerpoint/2010/main" val="2605135365"/>
+        <p14:creationId xmlns:p14="http://schemas.microsoft.com/office/powerpoint/2010/main" xmlns="" val="2605135365"/>
       </p:ext>
     </p:extLst>
   </p:cSld>
@@ -3327,7 +3327,7 @@
     </p:spTree>
     <p:extLst>
       <p:ext uri="{BB962C8B-B14F-4D97-AF65-F5344CB8AC3E}">
-        <p14:creationId xmlns:p14="http://schemas.microsoft.com/office/powerpoint/2010/main" val="2251365461"/>
+        <p14:creationId xmlns:p14="http://schemas.microsoft.com/office/powerpoint/2010/main" xmlns="" val="2251365461"/>
       </p:ext>
     </p:extLst>
   </p:cSld>
@@ -3390,7 +3390,7 @@
     </p:spTree>
     <p:extLst>
       <p:ext uri="{BB962C8B-B14F-4D97-AF65-F5344CB8AC3E}">
-        <p14:creationId xmlns:p14="http://schemas.microsoft.com/office/powerpoint/2010/main" val="1427470132"/>
+        <p14:creationId xmlns:p14="http://schemas.microsoft.com/office/powerpoint/2010/main" xmlns="" val="1427470132"/>
       </p:ext>
     </p:extLst>
   </p:cSld>
@@ -3650,7 +3650,7 @@
     </p:spTree>
     <p:extLst>
       <p:ext uri="{BB962C8B-B14F-4D97-AF65-F5344CB8AC3E}">
-        <p14:creationId xmlns:p14="http://schemas.microsoft.com/office/powerpoint/2010/main" val="322455162"/>
+        <p14:creationId xmlns:p14="http://schemas.microsoft.com/office/powerpoint/2010/main" xmlns="" val="322455162"/>
       </p:ext>
     </p:extLst>
   </p:cSld>
@@ -3824,7 +3824,7 @@
     </p:spTree>
     <p:extLst>
       <p:ext uri="{BB962C8B-B14F-4D97-AF65-F5344CB8AC3E}">
-        <p14:creationId xmlns:p14="http://schemas.microsoft.com/office/powerpoint/2010/main" val="971117636"/>
+        <p14:creationId xmlns:p14="http://schemas.microsoft.com/office/powerpoint/2010/main" xmlns="" val="971117636"/>
       </p:ext>
     </p:extLst>
   </p:cSld>
@@ -4001,7 +4001,7 @@
     </p:spTree>
     <p:extLst>
       <p:ext uri="{BB962C8B-B14F-4D97-AF65-F5344CB8AC3E}">
-        <p14:creationId xmlns:p14="http://schemas.microsoft.com/office/powerpoint/2010/main" val="3348877825"/>
+        <p14:creationId xmlns:p14="http://schemas.microsoft.com/office/powerpoint/2010/main" xmlns="" val="3348877825"/>
       </p:ext>
     </p:extLst>
   </p:cSld>
@@ -4326,7 +4326,7 @@
     </p:spTree>
     <p:extLst>
       <p:ext uri="{BB962C8B-B14F-4D97-AF65-F5344CB8AC3E}">
-        <p14:creationId xmlns:p14="http://schemas.microsoft.com/office/powerpoint/2010/main" val="3256953994"/>
+        <p14:creationId xmlns:p14="http://schemas.microsoft.com/office/powerpoint/2010/main" xmlns="" val="3256953994"/>
       </p:ext>
     </p:extLst>
   </p:cSld>
@@ -4576,7 +4576,7 @@
     </p:spTree>
     <p:extLst>
       <p:ext uri="{BB962C8B-B14F-4D97-AF65-F5344CB8AC3E}">
-        <p14:creationId xmlns:p14="http://schemas.microsoft.com/office/powerpoint/2010/main" val="3067076846"/>
+        <p14:creationId xmlns:p14="http://schemas.microsoft.com/office/powerpoint/2010/main" xmlns="" val="3067076846"/>
       </p:ext>
     </p:extLst>
   </p:cSld>
@@ -4812,7 +4812,7 @@
     </p:spTree>
     <p:extLst>
       <p:ext uri="{BB962C8B-B14F-4D97-AF65-F5344CB8AC3E}">
-        <p14:creationId xmlns:p14="http://schemas.microsoft.com/office/powerpoint/2010/main" val="3710015975"/>
+        <p14:creationId xmlns:p14="http://schemas.microsoft.com/office/powerpoint/2010/main" xmlns="" val="3710015975"/>
       </p:ext>
     </p:extLst>
   </p:cSld>
@@ -5183,7 +5183,7 @@
     </p:spTree>
     <p:extLst>
       <p:ext uri="{BB962C8B-B14F-4D97-AF65-F5344CB8AC3E}">
-        <p14:creationId xmlns:p14="http://schemas.microsoft.com/office/powerpoint/2010/main" val="4075590966"/>
+        <p14:creationId xmlns:p14="http://schemas.microsoft.com/office/powerpoint/2010/main" xmlns="" val="4075590966"/>
       </p:ext>
     </p:extLst>
   </p:cSld>
@@ -5305,7 +5305,7 @@
     </p:spTree>
     <p:extLst>
       <p:ext uri="{BB962C8B-B14F-4D97-AF65-F5344CB8AC3E}">
-        <p14:creationId xmlns:p14="http://schemas.microsoft.com/office/powerpoint/2010/main" val="2889604898"/>
+        <p14:creationId xmlns:p14="http://schemas.microsoft.com/office/powerpoint/2010/main" xmlns="" val="2889604898"/>
       </p:ext>
     </p:extLst>
   </p:cSld>
@@ -5404,7 +5404,7 @@
     </p:spTree>
     <p:extLst>
       <p:ext uri="{BB962C8B-B14F-4D97-AF65-F5344CB8AC3E}">
-        <p14:creationId xmlns:p14="http://schemas.microsoft.com/office/powerpoint/2010/main" val="152384765"/>
+        <p14:creationId xmlns:p14="http://schemas.microsoft.com/office/powerpoint/2010/main" xmlns="" val="152384765"/>
       </p:ext>
     </p:extLst>
   </p:cSld>
@@ -5685,7 +5685,7 @@
     </p:spTree>
     <p:extLst>
       <p:ext uri="{BB962C8B-B14F-4D97-AF65-F5344CB8AC3E}">
-        <p14:creationId xmlns:p14="http://schemas.microsoft.com/office/powerpoint/2010/main" val="2127791886"/>
+        <p14:creationId xmlns:p14="http://schemas.microsoft.com/office/powerpoint/2010/main" xmlns="" val="2127791886"/>
       </p:ext>
     </p:extLst>
   </p:cSld>
@@ -5942,7 +5942,7 @@
     </p:spTree>
     <p:extLst>
       <p:ext uri="{BB962C8B-B14F-4D97-AF65-F5344CB8AC3E}">
-        <p14:creationId xmlns:p14="http://schemas.microsoft.com/office/powerpoint/2010/main" val="1752705130"/>
+        <p14:creationId xmlns:p14="http://schemas.microsoft.com/office/powerpoint/2010/main" xmlns="" val="1752705130"/>
       </p:ext>
     </p:extLst>
   </p:cSld>
@@ -6195,7 +6195,7 @@
     </p:spTree>
     <p:extLst>
       <p:ext uri="{BB962C8B-B14F-4D97-AF65-F5344CB8AC3E}">
-        <p14:creationId xmlns:p14="http://schemas.microsoft.com/office/powerpoint/2010/main" val="968833914"/>
+        <p14:creationId xmlns:p14="http://schemas.microsoft.com/office/powerpoint/2010/main" xmlns="" val="968833914"/>
       </p:ext>
     </p:extLst>
   </p:cSld>
@@ -6574,11 +6574,7 @@
             </a:br>
             <a:r>
               <a:rPr lang="en-US" b="1" dirty="0" smtClean="0"/>
-              <a:t>Lecture 7: </a:t>
-            </a:r>
-            <a:r>
-              <a:rPr lang="en-US" b="1" dirty="0" smtClean="0"/>
-              <a:t>I/O and Files</a:t>
+              <a:t>Lecture 7: I/O and Files</a:t>
             </a:r>
             <a:endParaRPr lang="en-US" b="1" dirty="0"/>
           </a:p>
@@ -6681,7 +6677,7 @@
     </p:spTree>
     <p:extLst>
       <p:ext uri="{BB962C8B-B14F-4D97-AF65-F5344CB8AC3E}">
-        <p14:creationId xmlns:p14="http://schemas.microsoft.com/office/powerpoint/2010/main" val="2492894732"/>
+        <p14:creationId xmlns:p14="http://schemas.microsoft.com/office/powerpoint/2010/main" xmlns="" val="2492894732"/>
       </p:ext>
     </p:extLst>
   </p:cSld>
@@ -6727,19 +6723,19 @@
         </p:nvSpPr>
         <p:spPr>
           <a:xfrm>
-            <a:off x="2689225" y="182563"/>
-            <a:ext cx="6743700" cy="576262"/>
+            <a:off x="866274" y="156411"/>
+            <a:ext cx="10515600" cy="782052"/>
           </a:xfrm>
         </p:spPr>
         <p:txBody>
           <a:bodyPr>
-            <a:normAutofit fontScale="90000"/>
+            <a:normAutofit/>
           </a:bodyPr>
           <a:lstStyle/>
           <a:p>
             <a:pPr eaLnBrk="1" hangingPunct="1"/>
             <a:r>
-              <a:rPr lang="en-US" altLang="en-US" smtClean="0"/>
+              <a:rPr lang="en-US" altLang="en-US" dirty="0" smtClean="0"/>
               <a:t>Virtual File Systems</a:t>
             </a:r>
           </a:p>
@@ -6758,12 +6754,12 @@
         <p:spPr>
           <a:xfrm>
             <a:off x="859536" y="1161288"/>
-            <a:ext cx="10607040" cy="5001768"/>
+            <a:ext cx="10607040" cy="5359828"/>
           </a:xfrm>
         </p:spPr>
         <p:txBody>
           <a:bodyPr>
-            <a:normAutofit fontScale="92500" lnSpcReduction="10000"/>
+            <a:normAutofit lnSpcReduction="10000"/>
           </a:bodyPr>
           <a:lstStyle/>
           <a:p>
@@ -6856,10 +6852,40 @@
           </a:p>
         </p:txBody>
       </p:sp>
+      <p:sp>
+        <p:nvSpPr>
+          <p:cNvPr id="4" name="Номер слайда 5"/>
+          <p:cNvSpPr>
+            <a:spLocks noGrp="1"/>
+          </p:cNvSpPr>
+          <p:nvPr>
+            <p:ph type="sldNum" sz="quarter" idx="12"/>
+          </p:nvPr>
+        </p:nvSpPr>
+        <p:spPr>
+          <a:xfrm>
+            <a:off x="10776031" y="6190938"/>
+            <a:ext cx="594673" cy="479419"/>
+          </a:xfrm>
+        </p:spPr>
+        <p:txBody>
+          <a:bodyPr/>
+          <a:lstStyle/>
+          <a:p>
+            <a:pPr algn="ctr"/>
+            <a:fld id="{1397BFD8-F312-4EF2-A268-44FB4BDDBBB0}" type="slidenum">
+              <a:rPr lang="ru-RU" smtClean="0"/>
+              <a:pPr algn="ctr"/>
+              <a:t>10</a:t>
+            </a:fld>
+            <a:endParaRPr lang="ru-RU" dirty="0"/>
+          </a:p>
+        </p:txBody>
+      </p:sp>
     </p:spTree>
     <p:extLst>
       <p:ext uri="{BB962C8B-B14F-4D97-AF65-F5344CB8AC3E}">
-        <p14:creationId xmlns:p14="http://schemas.microsoft.com/office/powerpoint/2010/main" val="821581420"/>
+        <p14:creationId xmlns:p14="http://schemas.microsoft.com/office/powerpoint/2010/main" xmlns="" val="821581420"/>
       </p:ext>
     </p:extLst>
   </p:cSld>
@@ -6898,13 +6924,13 @@
         </p:nvSpPr>
         <p:spPr>
           <a:xfrm>
-            <a:off x="2689225" y="182563"/>
-            <a:ext cx="6743700" cy="576262"/>
+            <a:off x="830179" y="156410"/>
+            <a:ext cx="10515600" cy="770021"/>
           </a:xfrm>
         </p:spPr>
         <p:txBody>
           <a:bodyPr>
-            <a:normAutofit fontScale="90000"/>
+            <a:noAutofit/>
           </a:bodyPr>
           <a:lstStyle/>
           <a:p>
@@ -6961,10 +6987,10 @@
           <p:nvPr/>
         </p:nvPicPr>
         <p:blipFill>
-          <a:blip r:embed="rId3">
+          <a:blip r:embed="rId3" cstate="print">
             <a:extLst>
               <a:ext uri="{28A0092B-C50C-407E-A947-70E740481C1C}">
-                <a14:useLocalDpi xmlns:a14="http://schemas.microsoft.com/office/drawing/2010/main" val="0"/>
+                <a14:useLocalDpi xmlns:a14="http://schemas.microsoft.com/office/drawing/2010/main" xmlns="" val="0"/>
               </a:ext>
             </a:extLst>
           </a:blip>
@@ -6975,8 +7001,8 @@
         </p:blipFill>
         <p:spPr bwMode="auto">
           <a:xfrm>
-            <a:off x="3700464" y="2833181"/>
-            <a:ext cx="4492625" cy="3379787"/>
+            <a:off x="3700464" y="2346159"/>
+            <a:ext cx="5311189" cy="3866810"/>
           </a:xfrm>
           <a:prstGeom prst="rect">
             <a:avLst/>
@@ -6987,14 +7013,14 @@
           </a:ln>
           <a:extLst>
             <a:ext uri="{909E8E84-426E-40DD-AFC4-6F175D3DCCD1}">
-              <a14:hiddenFill xmlns:a14="http://schemas.microsoft.com/office/drawing/2010/main">
+              <a14:hiddenFill xmlns:a14="http://schemas.microsoft.com/office/drawing/2010/main" xmlns="">
                 <a:solidFill>
                   <a:srgbClr val="FFFFFF"/>
                 </a:solidFill>
               </a14:hiddenFill>
             </a:ext>
             <a:ext uri="{91240B29-F687-4F45-9708-019B960494DF}">
-              <a14:hiddenLine xmlns:a14="http://schemas.microsoft.com/office/drawing/2010/main" w="9525">
+              <a14:hiddenLine xmlns:a14="http://schemas.microsoft.com/office/drawing/2010/main" xmlns="" w="9525">
                 <a:solidFill>
                   <a:srgbClr val="000000"/>
                 </a:solidFill>
@@ -7006,10 +7032,40 @@
           </a:extLst>
         </p:spPr>
       </p:pic>
+      <p:sp>
+        <p:nvSpPr>
+          <p:cNvPr id="5" name="Номер слайда 5"/>
+          <p:cNvSpPr>
+            <a:spLocks noGrp="1"/>
+          </p:cNvSpPr>
+          <p:nvPr>
+            <p:ph type="sldNum" sz="quarter" idx="12"/>
+          </p:nvPr>
+        </p:nvSpPr>
+        <p:spPr>
+          <a:xfrm>
+            <a:off x="10776031" y="6190938"/>
+            <a:ext cx="594673" cy="479419"/>
+          </a:xfrm>
+        </p:spPr>
+        <p:txBody>
+          <a:bodyPr/>
+          <a:lstStyle/>
+          <a:p>
+            <a:pPr algn="ctr"/>
+            <a:fld id="{1397BFD8-F312-4EF2-A268-44FB4BDDBBB0}" type="slidenum">
+              <a:rPr lang="ru-RU" smtClean="0"/>
+              <a:pPr algn="ctr"/>
+              <a:t>11</a:t>
+            </a:fld>
+            <a:endParaRPr lang="ru-RU" dirty="0"/>
+          </a:p>
+        </p:txBody>
+      </p:sp>
     </p:spTree>
     <p:extLst>
       <p:ext uri="{BB962C8B-B14F-4D97-AF65-F5344CB8AC3E}">
-        <p14:creationId xmlns:p14="http://schemas.microsoft.com/office/powerpoint/2010/main" val="1632549283"/>
+        <p14:creationId xmlns:p14="http://schemas.microsoft.com/office/powerpoint/2010/main" xmlns="" val="1632549283"/>
       </p:ext>
     </p:extLst>
   </p:cSld>
@@ -7153,22 +7209,36 @@
                 <a:latin typeface="Courier New" panose="02070309020205020404" pitchFamily="49" charset="0"/>
                 <a:cs typeface="Courier New" panose="02070309020205020404" pitchFamily="49" charset="0"/>
               </a:rPr>
-              <a:t> open</a:t>
+              <a:t> open(...)</a:t>
+            </a:r>
+            <a:r>
+              <a:rPr lang="en-US" altLang="en-US" sz="2600" dirty="0" smtClean="0"/>
+              <a:t>— Open a file</a:t>
+            </a:r>
+          </a:p>
+          <a:p>
+            <a:pPr lvl="2"/>
+            <a:r>
+              <a:rPr lang="en-US" altLang="en-US" sz="2600" dirty="0" smtClean="0"/>
+              <a:t>• </a:t>
+            </a:r>
+            <a:r>
+              <a:rPr lang="en-US" altLang="en-US" sz="2600" b="1" dirty="0" err="1" smtClean="0">
+                <a:latin typeface="Courier New" panose="02070309020205020404" pitchFamily="49" charset="0"/>
+                <a:cs typeface="Courier New" panose="02070309020205020404" pitchFamily="49" charset="0"/>
+              </a:rPr>
+              <a:t>int</a:t>
             </a:r>
             <a:r>
               <a:rPr lang="en-US" altLang="en-US" sz="2600" b="1" dirty="0" smtClean="0">
                 <a:latin typeface="Courier New" panose="02070309020205020404" pitchFamily="49" charset="0"/>
                 <a:cs typeface="Courier New" panose="02070309020205020404" pitchFamily="49" charset="0"/>
               </a:rPr>
-              <a:t>(...)</a:t>
+              <a:t> close(...)</a:t>
             </a:r>
             <a:r>
               <a:rPr lang="en-US" altLang="en-US" sz="2600" dirty="0" smtClean="0"/>
-              <a:t>— Open </a:t>
-            </a:r>
-            <a:r>
-              <a:rPr lang="en-US" altLang="en-US" sz="2600" dirty="0" smtClean="0"/>
-              <a:t>a file</a:t>
+              <a:t>— Close an already-open file</a:t>
             </a:r>
           </a:p>
           <a:p>
@@ -7182,29 +7252,43 @@
                 <a:latin typeface="Courier New" panose="02070309020205020404" pitchFamily="49" charset="0"/>
                 <a:cs typeface="Courier New" panose="02070309020205020404" pitchFamily="49" charset="0"/>
               </a:rPr>
-              <a:t>int</a:t>
+              <a:t>ssize</a:t>
             </a:r>
             <a:r>
               <a:rPr lang="en-US" altLang="en-US" sz="2600" b="1" dirty="0" smtClean="0">
                 <a:latin typeface="Courier New" panose="02070309020205020404" pitchFamily="49" charset="0"/>
                 <a:cs typeface="Courier New" panose="02070309020205020404" pitchFamily="49" charset="0"/>
               </a:rPr>
-              <a:t> close</a:t>
+              <a:t> t read(...)</a:t>
+            </a:r>
+            <a:r>
+              <a:rPr lang="en-US" altLang="en-US" sz="2600" dirty="0" smtClean="0"/>
+              <a:t>— Read from a file</a:t>
+            </a:r>
+          </a:p>
+          <a:p>
+            <a:pPr lvl="2"/>
+            <a:r>
+              <a:rPr lang="en-US" altLang="en-US" sz="2600" dirty="0" smtClean="0"/>
+              <a:t>• </a:t>
+            </a:r>
+            <a:r>
+              <a:rPr lang="en-US" altLang="en-US" sz="2600" b="1" dirty="0" err="1" smtClean="0">
+                <a:latin typeface="Courier New" panose="02070309020205020404" pitchFamily="49" charset="0"/>
+                <a:cs typeface="Courier New" panose="02070309020205020404" pitchFamily="49" charset="0"/>
+              </a:rPr>
+              <a:t>ssize</a:t>
             </a:r>
             <a:r>
               <a:rPr lang="en-US" altLang="en-US" sz="2600" b="1" dirty="0" smtClean="0">
                 <a:latin typeface="Courier New" panose="02070309020205020404" pitchFamily="49" charset="0"/>
                 <a:cs typeface="Courier New" panose="02070309020205020404" pitchFamily="49" charset="0"/>
               </a:rPr>
-              <a:t>(...)</a:t>
+              <a:t> t write(...)</a:t>
             </a:r>
             <a:r>
               <a:rPr lang="en-US" altLang="en-US" sz="2600" dirty="0" smtClean="0"/>
-              <a:t>— Close </a:t>
-            </a:r>
-            <a:r>
-              <a:rPr lang="en-US" altLang="en-US" sz="2600" dirty="0" smtClean="0"/>
-              <a:t>an already-open file</a:t>
+              <a:t>— Write to a file</a:t>
             </a:r>
           </a:p>
           <a:p>
@@ -7218,14 +7302,21 @@
                 <a:latin typeface="Courier New" panose="02070309020205020404" pitchFamily="49" charset="0"/>
                 <a:cs typeface="Courier New" panose="02070309020205020404" pitchFamily="49" charset="0"/>
               </a:rPr>
-              <a:t>ssize</a:t>
+              <a:t>int</a:t>
             </a:r>
             <a:r>
               <a:rPr lang="en-US" altLang="en-US" sz="2600" b="1" dirty="0" smtClean="0">
                 <a:latin typeface="Courier New" panose="02070309020205020404" pitchFamily="49" charset="0"/>
                 <a:cs typeface="Courier New" panose="02070309020205020404" pitchFamily="49" charset="0"/>
               </a:rPr>
-              <a:t> t read</a:t>
+              <a:t> </a:t>
+            </a:r>
+            <a:r>
+              <a:rPr lang="en-US" altLang="en-US" sz="2600" b="1" dirty="0" err="1" smtClean="0">
+                <a:latin typeface="Courier New" panose="02070309020205020404" pitchFamily="49" charset="0"/>
+                <a:cs typeface="Courier New" panose="02070309020205020404" pitchFamily="49" charset="0"/>
+              </a:rPr>
+              <a:t>mmap</a:t>
             </a:r>
             <a:r>
               <a:rPr lang="en-US" altLang="en-US" sz="2600" b="1" dirty="0" smtClean="0">
@@ -7236,90 +7327,7 @@
             </a:r>
             <a:r>
               <a:rPr lang="en-US" altLang="en-US" sz="2600" dirty="0" smtClean="0"/>
-              <a:t>— Read </a:t>
-            </a:r>
-            <a:r>
-              <a:rPr lang="en-US" altLang="en-US" sz="2600" dirty="0" smtClean="0"/>
-              <a:t>from a file</a:t>
-            </a:r>
-          </a:p>
-          <a:p>
-            <a:pPr lvl="2"/>
-            <a:r>
-              <a:rPr lang="en-US" altLang="en-US" sz="2600" dirty="0" smtClean="0"/>
-              <a:t>• </a:t>
-            </a:r>
-            <a:r>
-              <a:rPr lang="en-US" altLang="en-US" sz="2600" b="1" dirty="0" err="1" smtClean="0">
-                <a:latin typeface="Courier New" panose="02070309020205020404" pitchFamily="49" charset="0"/>
-                <a:cs typeface="Courier New" panose="02070309020205020404" pitchFamily="49" charset="0"/>
-              </a:rPr>
-              <a:t>ssize</a:t>
-            </a:r>
-            <a:r>
-              <a:rPr lang="en-US" altLang="en-US" sz="2600" b="1" dirty="0" smtClean="0">
-                <a:latin typeface="Courier New" panose="02070309020205020404" pitchFamily="49" charset="0"/>
-                <a:cs typeface="Courier New" panose="02070309020205020404" pitchFamily="49" charset="0"/>
-              </a:rPr>
-              <a:t> t write</a:t>
-            </a:r>
-            <a:r>
-              <a:rPr lang="en-US" altLang="en-US" sz="2600" b="1" dirty="0" smtClean="0">
-                <a:latin typeface="Courier New" panose="02070309020205020404" pitchFamily="49" charset="0"/>
-                <a:cs typeface="Courier New" panose="02070309020205020404" pitchFamily="49" charset="0"/>
-              </a:rPr>
-              <a:t>(...)</a:t>
-            </a:r>
-            <a:r>
-              <a:rPr lang="en-US" altLang="en-US" sz="2600" dirty="0" smtClean="0"/>
-              <a:t>— Write </a:t>
-            </a:r>
-            <a:r>
-              <a:rPr lang="en-US" altLang="en-US" sz="2600" dirty="0" smtClean="0"/>
-              <a:t>to a file</a:t>
-            </a:r>
-          </a:p>
-          <a:p>
-            <a:pPr lvl="2"/>
-            <a:r>
-              <a:rPr lang="en-US" altLang="en-US" sz="2600" dirty="0" smtClean="0"/>
-              <a:t>• </a:t>
-            </a:r>
-            <a:r>
-              <a:rPr lang="en-US" altLang="en-US" sz="2600" b="1" dirty="0" err="1" smtClean="0">
-                <a:latin typeface="Courier New" panose="02070309020205020404" pitchFamily="49" charset="0"/>
-                <a:cs typeface="Courier New" panose="02070309020205020404" pitchFamily="49" charset="0"/>
-              </a:rPr>
-              <a:t>int</a:t>
-            </a:r>
-            <a:r>
-              <a:rPr lang="en-US" altLang="en-US" sz="2600" b="1" dirty="0" smtClean="0">
-                <a:latin typeface="Courier New" panose="02070309020205020404" pitchFamily="49" charset="0"/>
-                <a:cs typeface="Courier New" panose="02070309020205020404" pitchFamily="49" charset="0"/>
-              </a:rPr>
-              <a:t> </a:t>
-            </a:r>
-            <a:r>
-              <a:rPr lang="en-US" altLang="en-US" sz="2600" b="1" dirty="0" err="1" smtClean="0">
-                <a:latin typeface="Courier New" panose="02070309020205020404" pitchFamily="49" charset="0"/>
-                <a:cs typeface="Courier New" panose="02070309020205020404" pitchFamily="49" charset="0"/>
-              </a:rPr>
-              <a:t>mmap</a:t>
-            </a:r>
-            <a:r>
-              <a:rPr lang="en-US" altLang="en-US" sz="2600" b="1" dirty="0" smtClean="0">
-                <a:latin typeface="Courier New" panose="02070309020205020404" pitchFamily="49" charset="0"/>
-                <a:cs typeface="Courier New" panose="02070309020205020404" pitchFamily="49" charset="0"/>
-              </a:rPr>
-              <a:t>(...)</a:t>
-            </a:r>
-            <a:r>
-              <a:rPr lang="en-US" altLang="en-US" sz="2600" dirty="0" smtClean="0"/>
-              <a:t>— Memory-map </a:t>
-            </a:r>
-            <a:r>
-              <a:rPr lang="en-US" altLang="en-US" sz="2600" dirty="0" smtClean="0"/>
-              <a:t>a file</a:t>
+              <a:t>— Memory-map a file</a:t>
             </a:r>
           </a:p>
           <a:p>
@@ -7329,13 +7337,43 @@
           <a:p>
             <a:pPr lvl="2"/>
             <a:endParaRPr lang="en-US" altLang="en-US" dirty="0" smtClean="0"/>
+          </a:p>
+        </p:txBody>
+      </p:sp>
+      <p:sp>
+        <p:nvSpPr>
+          <p:cNvPr id="4" name="Номер слайда 5"/>
+          <p:cNvSpPr>
+            <a:spLocks noGrp="1"/>
+          </p:cNvSpPr>
+          <p:nvPr>
+            <p:ph type="sldNum" sz="quarter" idx="12"/>
+          </p:nvPr>
+        </p:nvSpPr>
+        <p:spPr>
+          <a:xfrm>
+            <a:off x="10776031" y="6190938"/>
+            <a:ext cx="594673" cy="479419"/>
+          </a:xfrm>
+        </p:spPr>
+        <p:txBody>
+          <a:bodyPr/>
+          <a:lstStyle/>
+          <a:p>
+            <a:pPr algn="ctr"/>
+            <a:fld id="{1397BFD8-F312-4EF2-A268-44FB4BDDBBB0}" type="slidenum">
+              <a:rPr lang="ru-RU" smtClean="0"/>
+              <a:pPr algn="ctr"/>
+              <a:t>12</a:t>
+            </a:fld>
+            <a:endParaRPr lang="ru-RU" dirty="0"/>
           </a:p>
         </p:txBody>
       </p:sp>
     </p:spTree>
     <p:extLst>
       <p:ext uri="{BB962C8B-B14F-4D97-AF65-F5344CB8AC3E}">
-        <p14:creationId xmlns:p14="http://schemas.microsoft.com/office/powerpoint/2010/main" val="1750263830"/>
+        <p14:creationId xmlns:p14="http://schemas.microsoft.com/office/powerpoint/2010/main" xmlns="" val="1750263830"/>
       </p:ext>
     </p:extLst>
   </p:cSld>
@@ -7380,12 +7418,12 @@
         </p:spPr>
         <p:txBody>
           <a:bodyPr>
-            <a:normAutofit/>
+            <a:noAutofit/>
           </a:bodyPr>
           <a:lstStyle/>
           <a:p>
             <a:r>
-              <a:rPr lang="en-US" sz="4400" dirty="0"/>
+              <a:rPr lang="en-US" dirty="0"/>
               <a:t>Opening Files</a:t>
             </a:r>
           </a:p>
@@ -7747,10 +7785,40 @@
           </a:p>
         </p:txBody>
       </p:sp>
+      <p:sp>
+        <p:nvSpPr>
+          <p:cNvPr id="5" name="Номер слайда 5"/>
+          <p:cNvSpPr>
+            <a:spLocks noGrp="1"/>
+          </p:cNvSpPr>
+          <p:nvPr>
+            <p:ph type="sldNum" sz="quarter" idx="12"/>
+          </p:nvPr>
+        </p:nvSpPr>
+        <p:spPr>
+          <a:xfrm>
+            <a:off x="10776031" y="6190938"/>
+            <a:ext cx="594673" cy="479419"/>
+          </a:xfrm>
+        </p:spPr>
+        <p:txBody>
+          <a:bodyPr/>
+          <a:lstStyle/>
+          <a:p>
+            <a:pPr algn="ctr"/>
+            <a:fld id="{1397BFD8-F312-4EF2-A268-44FB4BDDBBB0}" type="slidenum">
+              <a:rPr lang="ru-RU" smtClean="0"/>
+              <a:pPr algn="ctr"/>
+              <a:t>13</a:t>
+            </a:fld>
+            <a:endParaRPr lang="ru-RU" dirty="0"/>
+          </a:p>
+        </p:txBody>
+      </p:sp>
     </p:spTree>
     <p:extLst>
       <p:ext uri="{BB962C8B-B14F-4D97-AF65-F5344CB8AC3E}">
-        <p14:creationId xmlns:p14="http://schemas.microsoft.com/office/powerpoint/2010/main" val="1481009553"/>
+        <p14:creationId xmlns:p14="http://schemas.microsoft.com/office/powerpoint/2010/main" xmlns="" val="1481009553"/>
       </p:ext>
     </p:extLst>
   </p:cSld>
@@ -8151,10 +8219,40 @@
           </a:p>
         </p:txBody>
       </p:sp>
+      <p:sp>
+        <p:nvSpPr>
+          <p:cNvPr id="5" name="Номер слайда 5"/>
+          <p:cNvSpPr>
+            <a:spLocks noGrp="1"/>
+          </p:cNvSpPr>
+          <p:nvPr>
+            <p:ph type="sldNum" sz="quarter" idx="12"/>
+          </p:nvPr>
+        </p:nvSpPr>
+        <p:spPr>
+          <a:xfrm>
+            <a:off x="10776031" y="6190938"/>
+            <a:ext cx="594673" cy="479419"/>
+          </a:xfrm>
+        </p:spPr>
+        <p:txBody>
+          <a:bodyPr/>
+          <a:lstStyle/>
+          <a:p>
+            <a:pPr algn="ctr"/>
+            <a:fld id="{1397BFD8-F312-4EF2-A268-44FB4BDDBBB0}" type="slidenum">
+              <a:rPr lang="ru-RU" smtClean="0"/>
+              <a:pPr algn="ctr"/>
+              <a:t>14</a:t>
+            </a:fld>
+            <a:endParaRPr lang="ru-RU" dirty="0"/>
+          </a:p>
+        </p:txBody>
+      </p:sp>
     </p:spTree>
     <p:extLst>
       <p:ext uri="{BB962C8B-B14F-4D97-AF65-F5344CB8AC3E}">
-        <p14:creationId xmlns:p14="http://schemas.microsoft.com/office/powerpoint/2010/main" val="3006224660"/>
+        <p14:creationId xmlns:p14="http://schemas.microsoft.com/office/powerpoint/2010/main" xmlns="" val="3006224660"/>
       </p:ext>
     </p:extLst>
   </p:cSld>
@@ -8333,13 +8431,13 @@
         </p:nvSpPr>
         <p:spPr>
           <a:xfrm>
-            <a:off x="1903414" y="1219200"/>
-            <a:ext cx="8307387" cy="5257800"/>
+            <a:off x="830181" y="1070809"/>
+            <a:ext cx="10672008" cy="5594685"/>
           </a:xfrm>
         </p:spPr>
         <p:txBody>
           <a:bodyPr>
-            <a:normAutofit fontScale="70000" lnSpcReduction="20000"/>
+            <a:noAutofit/>
           </a:bodyPr>
           <a:lstStyle/>
           <a:p>
@@ -8349,7 +8447,7 @@
               </a:lnSpc>
             </a:pPr>
             <a:r>
-              <a:rPr lang="en-US" dirty="0"/>
+              <a:rPr lang="en-US" sz="2800" dirty="0"/>
               <a:t>Reading a file copies bytes from the current file position to memory, and then updates file position</a:t>
             </a:r>
           </a:p>
@@ -8359,7 +8457,7 @@
                 <a:spcPct val="85000"/>
               </a:lnSpc>
             </a:pPr>
-            <a:endParaRPr lang="en-US" dirty="0"/>
+            <a:endParaRPr lang="en-US" sz="2800" dirty="0"/>
           </a:p>
           <a:p>
             <a:pPr>
@@ -8367,7 +8465,7 @@
                 <a:spcPct val="85000"/>
               </a:lnSpc>
             </a:pPr>
-            <a:endParaRPr lang="en-US" dirty="0"/>
+            <a:endParaRPr lang="en-US" sz="2800" dirty="0"/>
           </a:p>
           <a:p>
             <a:pPr>
@@ -8375,7 +8473,7 @@
                 <a:spcPct val="85000"/>
               </a:lnSpc>
             </a:pPr>
-            <a:endParaRPr lang="en-US" dirty="0"/>
+            <a:endParaRPr lang="en-US" sz="2800" dirty="0"/>
           </a:p>
           <a:p>
             <a:pPr>
@@ -8383,71 +8481,51 @@
                 <a:spcPct val="85000"/>
               </a:lnSpc>
             </a:pPr>
-            <a:endParaRPr lang="en-US" dirty="0"/>
+            <a:endParaRPr lang="en-US" sz="2800" dirty="0"/>
           </a:p>
           <a:p>
             <a:pPr>
               <a:lnSpc>
                 <a:spcPct val="85000"/>
               </a:lnSpc>
+              <a:buNone/>
             </a:pPr>
-            <a:endParaRPr lang="en-US" dirty="0"/>
+            <a:endParaRPr lang="en-US" sz="2800" dirty="0" smtClean="0"/>
           </a:p>
           <a:p>
             <a:pPr>
               <a:lnSpc>
                 <a:spcPct val="85000"/>
               </a:lnSpc>
+              <a:spcBef>
+                <a:spcPts val="2400"/>
+              </a:spcBef>
             </a:pPr>
-            <a:endParaRPr lang="en-US" dirty="0"/>
-          </a:p>
-          <a:p>
-            <a:pPr>
-              <a:lnSpc>
-                <a:spcPct val="85000"/>
-              </a:lnSpc>
-            </a:pPr>
-            <a:endParaRPr lang="en-US" dirty="0" smtClean="0"/>
-          </a:p>
-          <a:p>
-            <a:pPr>
-              <a:lnSpc>
-                <a:spcPct val="85000"/>
-              </a:lnSpc>
-            </a:pPr>
-            <a:endParaRPr lang="en-US" dirty="0" smtClean="0"/>
-          </a:p>
-          <a:p>
-            <a:pPr>
-              <a:lnSpc>
-                <a:spcPct val="85000"/>
-              </a:lnSpc>
-            </a:pPr>
-            <a:r>
-              <a:rPr lang="en-US" dirty="0" smtClean="0"/>
+            <a:r>
+              <a:rPr lang="en-US" sz="2800" dirty="0" smtClean="0"/>
               <a:t>Returns </a:t>
             </a:r>
             <a:r>
-              <a:rPr lang="en-US" dirty="0"/>
+              <a:rPr lang="en-US" sz="2800" dirty="0"/>
               <a:t>number of bytes read from file </a:t>
             </a:r>
             <a:r>
-              <a:rPr lang="en-US" dirty="0" err="1">
+              <a:rPr lang="en-US" sz="2800" dirty="0" err="1">
                 <a:latin typeface="Courier New" pitchFamily="49" charset="0"/>
               </a:rPr>
               <a:t>fd</a:t>
             </a:r>
             <a:r>
-              <a:rPr lang="en-US" dirty="0"/>
+              <a:rPr lang="en-US" sz="2800" dirty="0"/>
               <a:t> into </a:t>
             </a:r>
             <a:r>
-              <a:rPr lang="en-US" dirty="0" err="1">
+              <a:rPr lang="en-US" sz="2800" dirty="0" err="1">
                 <a:latin typeface="Courier New" pitchFamily="49" charset="0"/>
               </a:rPr>
               <a:t>buf</a:t>
             </a:r>
-            <a:endParaRPr lang="en-US" dirty="0">
+            <a:endParaRPr lang="en-US" sz="2800" dirty="0">
               <a:latin typeface="Courier New" pitchFamily="49" charset="0"/>
             </a:endParaRPr>
           </a:p>
@@ -8458,20 +8536,20 @@
               </a:lnSpc>
             </a:pPr>
             <a:r>
-              <a:rPr lang="en-US" dirty="0"/>
+              <a:rPr lang="en-US" sz="2400" dirty="0"/>
               <a:t>Return type </a:t>
             </a:r>
             <a:r>
-              <a:rPr lang="en-US" b="1" dirty="0" err="1">
+              <a:rPr lang="en-US" sz="2400" b="1" dirty="0" err="1">
                 <a:latin typeface="Courier New" pitchFamily="49" charset="0"/>
               </a:rPr>
               <a:t>ssize_t</a:t>
             </a:r>
             <a:r>
-              <a:rPr lang="en-US" dirty="0"/>
+              <a:rPr lang="en-US" sz="2400" dirty="0"/>
               <a:t> is signed integer</a:t>
             </a:r>
-            <a:endParaRPr lang="en-US" dirty="0">
+            <a:endParaRPr lang="en-US" sz="2400" dirty="0">
               <a:latin typeface="Courier New" pitchFamily="49" charset="0"/>
             </a:endParaRPr>
           </a:p>
@@ -8482,23 +8560,23 @@
               </a:lnSpc>
             </a:pPr>
             <a:r>
-              <a:rPr lang="en-US" b="1" dirty="0" err="1">
+              <a:rPr lang="en-US" sz="2400" b="1" dirty="0" err="1">
                 <a:latin typeface="Courier New" pitchFamily="49" charset="0"/>
               </a:rPr>
               <a:t>nbytes</a:t>
             </a:r>
             <a:r>
-              <a:rPr lang="en-US" b="1" dirty="0">
+              <a:rPr lang="en-US" sz="2400" b="1" dirty="0">
                 <a:latin typeface="Courier New" pitchFamily="49" charset="0"/>
               </a:rPr>
               <a:t> &lt; 0</a:t>
             </a:r>
             <a:r>
-              <a:rPr lang="en-US" b="1" dirty="0"/>
+              <a:rPr lang="en-US" sz="2400" b="1" dirty="0"/>
               <a:t> </a:t>
             </a:r>
             <a:r>
-              <a:rPr lang="en-US" dirty="0"/>
+              <a:rPr lang="en-US" sz="2400" dirty="0"/>
               <a:t>indicates that an error occurred</a:t>
             </a:r>
           </a:p>
@@ -8509,83 +8587,83 @@
               </a:lnSpc>
             </a:pPr>
             <a:r>
-              <a:rPr lang="en-US" b="1" i="1" dirty="0">
+              <a:rPr lang="en-US" sz="2400" b="1" i="1" dirty="0">
                 <a:solidFill>
-                  <a:srgbClr val="C00000"/>
+                  <a:srgbClr val="F7B217"/>
                 </a:solidFill>
               </a:rPr>
               <a:t>S</a:t>
             </a:r>
             <a:r>
-              <a:rPr lang="en-US" b="1" i="1" dirty="0" smtClean="0">
+              <a:rPr lang="en-US" sz="2400" b="1" i="1" dirty="0" smtClean="0">
                 <a:solidFill>
-                  <a:srgbClr val="C00000"/>
+                  <a:srgbClr val="F7B217"/>
                 </a:solidFill>
               </a:rPr>
               <a:t>hort </a:t>
             </a:r>
             <a:r>
-              <a:rPr lang="en-US" b="1" i="1" dirty="0">
+              <a:rPr lang="en-US" sz="2400" b="1" i="1" dirty="0">
                 <a:solidFill>
-                  <a:srgbClr val="C00000"/>
+                  <a:srgbClr val="F7B217"/>
                 </a:solidFill>
               </a:rPr>
               <a:t>counts</a:t>
             </a:r>
             <a:r>
-              <a:rPr lang="en-US" b="1" dirty="0">
+              <a:rPr lang="en-US" sz="2400" b="1" dirty="0">
                 <a:solidFill>
-                  <a:srgbClr val="C00000"/>
+                  <a:srgbClr val="F7B217"/>
                 </a:solidFill>
               </a:rPr>
               <a:t> </a:t>
             </a:r>
             <a:r>
-              <a:rPr lang="en-US" dirty="0"/>
+              <a:rPr lang="en-US" sz="2400" dirty="0"/>
               <a:t>(</a:t>
             </a:r>
             <a:r>
-              <a:rPr lang="en-US" b="1" dirty="0" err="1">
+              <a:rPr lang="en-US" sz="2400" b="1" dirty="0" err="1">
                 <a:latin typeface="Courier New" pitchFamily="49" charset="0"/>
               </a:rPr>
               <a:t>nbytes</a:t>
             </a:r>
             <a:r>
-              <a:rPr lang="en-US" b="1" dirty="0">
+              <a:rPr lang="en-US" sz="2400" b="1" dirty="0">
                 <a:latin typeface="Courier New" pitchFamily="49" charset="0"/>
               </a:rPr>
               <a:t> &lt; </a:t>
             </a:r>
             <a:r>
-              <a:rPr lang="en-US" b="1" dirty="0" err="1">
+              <a:rPr lang="en-US" sz="2400" b="1" dirty="0" err="1">
                 <a:latin typeface="Courier New" pitchFamily="49" charset="0"/>
               </a:rPr>
               <a:t>sizeof</a:t>
             </a:r>
             <a:r>
-              <a:rPr lang="en-US" b="1" dirty="0">
+              <a:rPr lang="en-US" sz="2400" b="1" dirty="0">
                 <a:latin typeface="Courier New" pitchFamily="49" charset="0"/>
               </a:rPr>
               <a:t>(</a:t>
             </a:r>
             <a:r>
-              <a:rPr lang="en-US" b="1" dirty="0" err="1">
+              <a:rPr lang="en-US" sz="2400" b="1" dirty="0" err="1">
                 <a:latin typeface="Courier New" pitchFamily="49" charset="0"/>
               </a:rPr>
               <a:t>buf</a:t>
             </a:r>
             <a:r>
-              <a:rPr lang="en-US" b="1" dirty="0">
+              <a:rPr lang="en-US" sz="2400" b="1" dirty="0">
                 <a:latin typeface="Courier New" pitchFamily="49" charset="0"/>
               </a:rPr>
               <a:t>)</a:t>
             </a:r>
             <a:r>
-              <a:rPr lang="en-US" b="1" dirty="0"/>
+              <a:rPr lang="en-US" sz="2400" b="1" dirty="0"/>
               <a:t> </a:t>
             </a:r>
             <a:r>
-              <a:rPr lang="en-US" dirty="0"/>
+              <a:rPr lang="en-US" sz="2400" dirty="0"/>
               <a:t>) are possible and are not errors!</a:t>
             </a:r>
           </a:p>
@@ -8601,7 +8679,7 @@
         </p:nvSpPr>
         <p:spPr bwMode="auto">
           <a:xfrm>
-            <a:off x="2358424" y="2085976"/>
+            <a:off x="3140476" y="1929565"/>
             <a:ext cx="6076950" cy="2562225"/>
           </a:xfrm>
           <a:prstGeom prst="rect">
@@ -8778,10 +8856,40 @@
           </a:p>
         </p:txBody>
       </p:sp>
+      <p:sp>
+        <p:nvSpPr>
+          <p:cNvPr id="5" name="Номер слайда 5"/>
+          <p:cNvSpPr>
+            <a:spLocks noGrp="1"/>
+          </p:cNvSpPr>
+          <p:nvPr>
+            <p:ph type="sldNum" sz="quarter" idx="12"/>
+          </p:nvPr>
+        </p:nvSpPr>
+        <p:spPr>
+          <a:xfrm>
+            <a:off x="10776031" y="6190938"/>
+            <a:ext cx="594673" cy="479419"/>
+          </a:xfrm>
+        </p:spPr>
+        <p:txBody>
+          <a:bodyPr/>
+          <a:lstStyle/>
+          <a:p>
+            <a:pPr algn="ctr"/>
+            <a:fld id="{1397BFD8-F312-4EF2-A268-44FB4BDDBBB0}" type="slidenum">
+              <a:rPr lang="ru-RU" smtClean="0"/>
+              <a:pPr algn="ctr"/>
+              <a:t>15</a:t>
+            </a:fld>
+            <a:endParaRPr lang="ru-RU" dirty="0"/>
+          </a:p>
+        </p:txBody>
+      </p:sp>
     </p:spTree>
     <p:extLst>
       <p:ext uri="{BB962C8B-B14F-4D97-AF65-F5344CB8AC3E}">
-        <p14:creationId xmlns:p14="http://schemas.microsoft.com/office/powerpoint/2010/main" val="2986626969"/>
+        <p14:creationId xmlns:p14="http://schemas.microsoft.com/office/powerpoint/2010/main" xmlns="" val="2986626969"/>
       </p:ext>
     </p:extLst>
   </p:cSld>
@@ -8824,7 +8932,7 @@
                                         <p:tgtEl>
                                           <p:spTgt spid="634883">
                                             <p:txEl>
-                                              <p:pRg st="9" end="9"/>
+                                              <p:pRg st="6" end="6"/>
                                             </p:txEl>
                                           </p:spTgt>
                                         </p:tgtEl>
@@ -8855,7 +8963,7 @@
                                         <p:tgtEl>
                                           <p:spTgt spid="634883">
                                             <p:txEl>
-                                              <p:pRg st="10" end="10"/>
+                                              <p:pRg st="7" end="7"/>
                                             </p:txEl>
                                           </p:spTgt>
                                         </p:tgtEl>
@@ -8886,7 +8994,7 @@
                                         <p:tgtEl>
                                           <p:spTgt spid="634883">
                                             <p:txEl>
-                                              <p:pRg st="11" end="11"/>
+                                              <p:pRg st="8" end="8"/>
                                             </p:txEl>
                                           </p:spTgt>
                                         </p:tgtEl>
@@ -8917,7 +9025,7 @@
                                         <p:tgtEl>
                                           <p:spTgt spid="634883">
                                             <p:txEl>
-                                              <p:pRg st="12" end="12"/>
+                                              <p:pRg st="9" end="9"/>
                                             </p:txEl>
                                           </p:spTgt>
                                         </p:tgtEl>
@@ -9282,10 +9390,40 @@
           </a:p>
         </p:txBody>
       </p:sp>
+      <p:sp>
+        <p:nvSpPr>
+          <p:cNvPr id="5" name="Номер слайда 5"/>
+          <p:cNvSpPr>
+            <a:spLocks noGrp="1"/>
+          </p:cNvSpPr>
+          <p:nvPr>
+            <p:ph type="sldNum" sz="quarter" idx="12"/>
+          </p:nvPr>
+        </p:nvSpPr>
+        <p:spPr>
+          <a:xfrm>
+            <a:off x="10776031" y="6190938"/>
+            <a:ext cx="594673" cy="479419"/>
+          </a:xfrm>
+        </p:spPr>
+        <p:txBody>
+          <a:bodyPr/>
+          <a:lstStyle/>
+          <a:p>
+            <a:pPr algn="ctr"/>
+            <a:fld id="{1397BFD8-F312-4EF2-A268-44FB4BDDBBB0}" type="slidenum">
+              <a:rPr lang="ru-RU" smtClean="0"/>
+              <a:pPr algn="ctr"/>
+              <a:t>16</a:t>
+            </a:fld>
+            <a:endParaRPr lang="ru-RU" dirty="0"/>
+          </a:p>
+        </p:txBody>
+      </p:sp>
     </p:spTree>
     <p:extLst>
       <p:ext uri="{BB962C8B-B14F-4D97-AF65-F5344CB8AC3E}">
-        <p14:creationId xmlns:p14="http://schemas.microsoft.com/office/powerpoint/2010/main" val="2680403290"/>
+        <p14:creationId xmlns:p14="http://schemas.microsoft.com/office/powerpoint/2010/main" xmlns="" val="2680403290"/>
       </p:ext>
     </p:extLst>
   </p:cSld>
@@ -9465,7 +9603,9 @@
         </p:nvSpPr>
         <p:spPr/>
         <p:txBody>
-          <a:bodyPr/>
+          <a:bodyPr>
+            <a:normAutofit/>
+          </a:bodyPr>
           <a:lstStyle/>
           <a:p>
             <a:r>
@@ -9891,20 +10031,43 @@
               </a:rPr>
               <a:t>}</a:t>
             </a:r>
-            <a:endParaRPr lang="en-US" sz="1600" dirty="0">
-              <a:solidFill>
-                <a:srgbClr val="000000"/>
-              </a:solidFill>
-              <a:latin typeface="Courier New"/>
-              <a:cs typeface="Courier New"/>
-            </a:endParaRPr>
+          </a:p>
+        </p:txBody>
+      </p:sp>
+      <p:sp>
+        <p:nvSpPr>
+          <p:cNvPr id="5" name="Номер слайда 5"/>
+          <p:cNvSpPr>
+            <a:spLocks noGrp="1"/>
+          </p:cNvSpPr>
+          <p:nvPr>
+            <p:ph type="sldNum" sz="quarter" idx="12"/>
+          </p:nvPr>
+        </p:nvSpPr>
+        <p:spPr>
+          <a:xfrm>
+            <a:off x="10776031" y="6190938"/>
+            <a:ext cx="594673" cy="479419"/>
+          </a:xfrm>
+        </p:spPr>
+        <p:txBody>
+          <a:bodyPr/>
+          <a:lstStyle/>
+          <a:p>
+            <a:pPr algn="ctr"/>
+            <a:fld id="{1397BFD8-F312-4EF2-A268-44FB4BDDBBB0}" type="slidenum">
+              <a:rPr lang="ru-RU" smtClean="0"/>
+              <a:pPr algn="ctr"/>
+              <a:t>17</a:t>
+            </a:fld>
+            <a:endParaRPr lang="ru-RU" dirty="0"/>
           </a:p>
         </p:txBody>
       </p:sp>
     </p:spTree>
     <p:extLst>
       <p:ext uri="{BB962C8B-B14F-4D97-AF65-F5344CB8AC3E}">
-        <p14:creationId xmlns:p14="http://schemas.microsoft.com/office/powerpoint/2010/main" val="1756457515"/>
+        <p14:creationId xmlns:p14="http://schemas.microsoft.com/office/powerpoint/2010/main" xmlns="" val="1756457515"/>
       </p:ext>
     </p:extLst>
   </p:cSld>
@@ -10050,19 +10213,45 @@
           <a:p>
             <a:r>
               <a:rPr lang="en-US" dirty="0" smtClean="0"/>
-              <a:t>Best </a:t>
-            </a:r>
-            <a:r>
-              <a:rPr lang="en-US" dirty="0" smtClean="0"/>
-              <a:t>practice is to always allow for short counts. </a:t>
-            </a:r>
+              <a:t>Best practice is to always allow for short counts. </a:t>
+            </a:r>
+          </a:p>
+        </p:txBody>
+      </p:sp>
+      <p:sp>
+        <p:nvSpPr>
+          <p:cNvPr id="4" name="Номер слайда 5"/>
+          <p:cNvSpPr>
+            <a:spLocks noGrp="1"/>
+          </p:cNvSpPr>
+          <p:nvPr>
+            <p:ph type="sldNum" sz="quarter" idx="12"/>
+          </p:nvPr>
+        </p:nvSpPr>
+        <p:spPr>
+          <a:xfrm>
+            <a:off x="10776031" y="6190938"/>
+            <a:ext cx="594673" cy="479419"/>
+          </a:xfrm>
+        </p:spPr>
+        <p:txBody>
+          <a:bodyPr/>
+          <a:lstStyle/>
+          <a:p>
+            <a:pPr algn="ctr"/>
+            <a:fld id="{1397BFD8-F312-4EF2-A268-44FB4BDDBBB0}" type="slidenum">
+              <a:rPr lang="ru-RU" smtClean="0"/>
+              <a:pPr algn="ctr"/>
+              <a:t>18</a:t>
+            </a:fld>
+            <a:endParaRPr lang="ru-RU" dirty="0"/>
           </a:p>
         </p:txBody>
       </p:sp>
     </p:spTree>
     <p:extLst>
       <p:ext uri="{BB962C8B-B14F-4D97-AF65-F5344CB8AC3E}">
-        <p14:creationId xmlns:p14="http://schemas.microsoft.com/office/powerpoint/2010/main" val="1143196269"/>
+        <p14:creationId xmlns:p14="http://schemas.microsoft.com/office/powerpoint/2010/main" xmlns="" val="1143196269"/>
       </p:ext>
     </p:extLst>
   </p:cSld>
@@ -10108,14 +10297,16 @@
         </p:nvSpPr>
         <p:spPr/>
         <p:txBody>
-          <a:bodyPr/>
-          <a:lstStyle/>
-          <a:p>
-            <a:r>
-              <a:rPr lang="en-US"/>
+          <a:bodyPr>
+            <a:normAutofit/>
+          </a:bodyPr>
+          <a:lstStyle/>
+          <a:p>
+            <a:r>
+              <a:rPr lang="en-US" dirty="0"/>
               <a:t>File Metadata</a:t>
             </a:r>
-            <a:endParaRPr lang="en-US">
+            <a:endParaRPr lang="en-US" dirty="0">
               <a:latin typeface="Courier New" pitchFamily="49" charset="0"/>
             </a:endParaRPr>
           </a:p>
@@ -10334,25 +10525,7 @@
                 </a:solidFill>
                 <a:latin typeface="Courier New" pitchFamily="49" charset="0"/>
               </a:rPr>
-              <a:t>/* </a:t>
-            </a:r>
-            <a:r>
-              <a:rPr lang="en-US" sz="1600" dirty="0">
-                <a:solidFill>
-                  <a:srgbClr val="990000"/>
-                </a:solidFill>
-                <a:latin typeface="Courier New" pitchFamily="49" charset="0"/>
-              </a:rPr>
-              <a:t>Device </a:t>
-            </a:r>
-            <a:r>
-              <a:rPr lang="en-US" sz="1600" dirty="0">
-                <a:solidFill>
-                  <a:srgbClr val="990000"/>
-                </a:solidFill>
-                <a:latin typeface="Courier New" pitchFamily="49" charset="0"/>
-              </a:rPr>
-              <a:t>*/</a:t>
+              <a:t>/* Device */</a:t>
             </a:r>
           </a:p>
           <a:p>
@@ -10420,25 +10593,7 @@
                 </a:solidFill>
                 <a:latin typeface="Courier New" pitchFamily="49" charset="0"/>
               </a:rPr>
-              <a:t>/* </a:t>
-            </a:r>
-            <a:r>
-              <a:rPr lang="en-US" sz="1600" dirty="0">
-                <a:solidFill>
-                  <a:srgbClr val="990000"/>
-                </a:solidFill>
-                <a:latin typeface="Courier New" pitchFamily="49" charset="0"/>
-              </a:rPr>
-              <a:t>Protection </a:t>
-            </a:r>
-            <a:r>
-              <a:rPr lang="en-US" sz="1600" dirty="0">
-                <a:solidFill>
-                  <a:srgbClr val="990000"/>
-                </a:solidFill>
-                <a:latin typeface="Courier New" pitchFamily="49" charset="0"/>
-              </a:rPr>
-              <a:t>and file type */</a:t>
+              <a:t>/* Protection and file type */</a:t>
             </a:r>
           </a:p>
           <a:p>
@@ -10484,25 +10639,7 @@
                 </a:solidFill>
                 <a:latin typeface="Courier New" pitchFamily="49" charset="0"/>
               </a:rPr>
-              <a:t>/* </a:t>
-            </a:r>
-            <a:r>
-              <a:rPr lang="en-US" sz="1600" dirty="0">
-                <a:solidFill>
-                  <a:srgbClr val="990000"/>
-                </a:solidFill>
-                <a:latin typeface="Courier New" pitchFamily="49" charset="0"/>
-              </a:rPr>
-              <a:t>Number </a:t>
-            </a:r>
-            <a:r>
-              <a:rPr lang="en-US" sz="1600" dirty="0">
-                <a:solidFill>
-                  <a:srgbClr val="990000"/>
-                </a:solidFill>
-                <a:latin typeface="Courier New" pitchFamily="49" charset="0"/>
-              </a:rPr>
-              <a:t>of hard links */</a:t>
+              <a:t>/* Number of hard links */</a:t>
             </a:r>
           </a:p>
           <a:p>
@@ -10548,25 +10685,7 @@
                 </a:solidFill>
                 <a:latin typeface="Courier New" pitchFamily="49" charset="0"/>
               </a:rPr>
-              <a:t>/* </a:t>
-            </a:r>
-            <a:r>
-              <a:rPr lang="en-US" sz="1600" dirty="0">
-                <a:solidFill>
-                  <a:srgbClr val="990000"/>
-                </a:solidFill>
-                <a:latin typeface="Courier New" pitchFamily="49" charset="0"/>
-              </a:rPr>
-              <a:t>User </a:t>
-            </a:r>
-            <a:r>
-              <a:rPr lang="en-US" sz="1600" dirty="0">
-                <a:solidFill>
-                  <a:srgbClr val="990000"/>
-                </a:solidFill>
-                <a:latin typeface="Courier New" pitchFamily="49" charset="0"/>
-              </a:rPr>
-              <a:t>ID of owner */</a:t>
+              <a:t>/* User ID of owner */</a:t>
             </a:r>
           </a:p>
           <a:p>
@@ -10612,25 +10731,7 @@
                 </a:solidFill>
                 <a:latin typeface="Courier New" pitchFamily="49" charset="0"/>
               </a:rPr>
-              <a:t>/* </a:t>
-            </a:r>
-            <a:r>
-              <a:rPr lang="en-US" sz="1600" dirty="0">
-                <a:solidFill>
-                  <a:srgbClr val="990000"/>
-                </a:solidFill>
-                <a:latin typeface="Courier New" pitchFamily="49" charset="0"/>
-              </a:rPr>
-              <a:t>Group </a:t>
-            </a:r>
-            <a:r>
-              <a:rPr lang="en-US" sz="1600" dirty="0">
-                <a:solidFill>
-                  <a:srgbClr val="990000"/>
-                </a:solidFill>
-                <a:latin typeface="Courier New" pitchFamily="49" charset="0"/>
-              </a:rPr>
-              <a:t>ID of owner */</a:t>
+              <a:t>/* Group ID of owner */</a:t>
             </a:r>
           </a:p>
           <a:p>
@@ -10676,25 +10777,7 @@
                 </a:solidFill>
                 <a:latin typeface="Courier New" pitchFamily="49" charset="0"/>
               </a:rPr>
-              <a:t>/* </a:t>
-            </a:r>
-            <a:r>
-              <a:rPr lang="en-US" sz="1600" dirty="0">
-                <a:solidFill>
-                  <a:srgbClr val="990000"/>
-                </a:solidFill>
-                <a:latin typeface="Courier New" pitchFamily="49" charset="0"/>
-              </a:rPr>
-              <a:t>Device </a:t>
-            </a:r>
-            <a:r>
-              <a:rPr lang="en-US" sz="1600" dirty="0">
-                <a:solidFill>
-                  <a:srgbClr val="990000"/>
-                </a:solidFill>
-                <a:latin typeface="Courier New" pitchFamily="49" charset="0"/>
-              </a:rPr>
-              <a:t>type (if </a:t>
+              <a:t>/* Device type (if </a:t>
             </a:r>
             <a:r>
               <a:rPr lang="en-US" sz="1600" dirty="0" err="1">
@@ -10758,25 +10841,7 @@
                 </a:solidFill>
                 <a:latin typeface="Courier New" pitchFamily="49" charset="0"/>
               </a:rPr>
-              <a:t>/* </a:t>
-            </a:r>
-            <a:r>
-              <a:rPr lang="en-US" sz="1600" dirty="0">
-                <a:solidFill>
-                  <a:srgbClr val="990000"/>
-                </a:solidFill>
-                <a:latin typeface="Courier New" pitchFamily="49" charset="0"/>
-              </a:rPr>
-              <a:t>Total </a:t>
-            </a:r>
-            <a:r>
-              <a:rPr lang="en-US" sz="1600" dirty="0">
-                <a:solidFill>
-                  <a:srgbClr val="990000"/>
-                </a:solidFill>
-                <a:latin typeface="Courier New" pitchFamily="49" charset="0"/>
-              </a:rPr>
-              <a:t>size, in bytes */</a:t>
+              <a:t>/* Total size, in bytes */</a:t>
             </a:r>
           </a:p>
           <a:p>
@@ -10828,16 +10893,7 @@
                 </a:solidFill>
                 <a:latin typeface="Courier New" pitchFamily="49" charset="0"/>
               </a:rPr>
-              <a:t> </a:t>
-            </a:r>
-            <a:r>
-              <a:rPr lang="en-US" sz="1600" dirty="0">
-                <a:solidFill>
-                  <a:srgbClr val="990000"/>
-                </a:solidFill>
-                <a:latin typeface="Courier New" pitchFamily="49" charset="0"/>
-              </a:rPr>
-              <a:t>for </a:t>
+              <a:t> for </a:t>
             </a:r>
             <a:r>
               <a:rPr lang="en-US" sz="1600" dirty="0" err="1">
@@ -10889,25 +10945,7 @@
                 </a:solidFill>
                 <a:latin typeface="Courier New" pitchFamily="49" charset="0"/>
               </a:rPr>
-              <a:t>/* </a:t>
-            </a:r>
-            <a:r>
-              <a:rPr lang="en-US" sz="1600" dirty="0">
-                <a:solidFill>
-                  <a:srgbClr val="990000"/>
-                </a:solidFill>
-                <a:latin typeface="Courier New" pitchFamily="49" charset="0"/>
-              </a:rPr>
-              <a:t>Number </a:t>
-            </a:r>
-            <a:r>
-              <a:rPr lang="en-US" sz="1600" dirty="0">
-                <a:solidFill>
-                  <a:srgbClr val="990000"/>
-                </a:solidFill>
-                <a:latin typeface="Courier New" pitchFamily="49" charset="0"/>
-              </a:rPr>
-              <a:t>of blocks allocated */</a:t>
+              <a:t>/* Number of blocks allocated */</a:t>
             </a:r>
           </a:p>
           <a:p>
@@ -10953,25 +10991,7 @@
                 </a:solidFill>
                 <a:latin typeface="Courier New" pitchFamily="49" charset="0"/>
               </a:rPr>
-              <a:t>/* </a:t>
-            </a:r>
-            <a:r>
-              <a:rPr lang="en-US" sz="1600" dirty="0">
-                <a:solidFill>
-                  <a:srgbClr val="990000"/>
-                </a:solidFill>
-                <a:latin typeface="Courier New" pitchFamily="49" charset="0"/>
-              </a:rPr>
-              <a:t>Time </a:t>
-            </a:r>
-            <a:r>
-              <a:rPr lang="en-US" sz="1600" dirty="0">
-                <a:solidFill>
-                  <a:srgbClr val="990000"/>
-                </a:solidFill>
-                <a:latin typeface="Courier New" pitchFamily="49" charset="0"/>
-              </a:rPr>
-              <a:t>of last access */</a:t>
+              <a:t>/* Time of last access */</a:t>
             </a:r>
           </a:p>
           <a:p>
@@ -11017,34 +11037,7 @@
                 </a:solidFill>
                 <a:latin typeface="Courier New" pitchFamily="49" charset="0"/>
               </a:rPr>
-              <a:t>/* </a:t>
-            </a:r>
-            <a:r>
-              <a:rPr lang="en-US" sz="1600" dirty="0">
-                <a:solidFill>
-                  <a:srgbClr val="990000"/>
-                </a:solidFill>
-                <a:latin typeface="Courier New" pitchFamily="49" charset="0"/>
-              </a:rPr>
-              <a:t>Time </a:t>
-            </a:r>
-            <a:r>
-              <a:rPr lang="en-US" sz="1600" dirty="0">
-                <a:solidFill>
-                  <a:srgbClr val="990000"/>
-                </a:solidFill>
-                <a:latin typeface="Courier New" pitchFamily="49" charset="0"/>
-              </a:rPr>
-              <a:t>of last </a:t>
-            </a:r>
-            <a:r>
-              <a:rPr lang="en-US" sz="1600" dirty="0">
-                <a:solidFill>
-                  <a:srgbClr val="990000"/>
-                </a:solidFill>
-                <a:latin typeface="Courier New" pitchFamily="49" charset="0"/>
-              </a:rPr>
-              <a:t>modification */</a:t>
+              <a:t>/* Time of last modification */</a:t>
             </a:r>
           </a:p>
           <a:p>
@@ -11105,16 +11098,43 @@
               </a:rPr>
               <a:t>};</a:t>
             </a:r>
-            <a:endParaRPr lang="en-US" sz="1600" dirty="0">
-              <a:latin typeface="Courier New" pitchFamily="49" charset="0"/>
-            </a:endParaRPr>
+          </a:p>
+        </p:txBody>
+      </p:sp>
+      <p:sp>
+        <p:nvSpPr>
+          <p:cNvPr id="5" name="Номер слайда 5"/>
+          <p:cNvSpPr>
+            <a:spLocks noGrp="1"/>
+          </p:cNvSpPr>
+          <p:nvPr>
+            <p:ph type="sldNum" sz="quarter" idx="12"/>
+          </p:nvPr>
+        </p:nvSpPr>
+        <p:spPr>
+          <a:xfrm>
+            <a:off x="10776031" y="6190938"/>
+            <a:ext cx="594673" cy="479419"/>
+          </a:xfrm>
+        </p:spPr>
+        <p:txBody>
+          <a:bodyPr/>
+          <a:lstStyle/>
+          <a:p>
+            <a:pPr algn="ctr"/>
+            <a:fld id="{1397BFD8-F312-4EF2-A268-44FB4BDDBBB0}" type="slidenum">
+              <a:rPr lang="ru-RU" smtClean="0"/>
+              <a:pPr algn="ctr"/>
+              <a:t>19</a:t>
+            </a:fld>
+            <a:endParaRPr lang="ru-RU" dirty="0"/>
           </a:p>
         </p:txBody>
       </p:sp>
     </p:spTree>
     <p:extLst>
       <p:ext uri="{BB962C8B-B14F-4D97-AF65-F5344CB8AC3E}">
-        <p14:creationId xmlns:p14="http://schemas.microsoft.com/office/powerpoint/2010/main" val="562888571"/>
+        <p14:creationId xmlns:p14="http://schemas.microsoft.com/office/powerpoint/2010/main" xmlns="" val="562888571"/>
       </p:ext>
     </p:extLst>
   </p:cSld>
@@ -11382,13 +11402,7 @@
               <a:rPr lang="en-US" b="1" dirty="0" smtClean="0">
                 <a:latin typeface="Courier New" pitchFamily="49" charset="0"/>
               </a:rPr>
-              <a:t>/</a:t>
-            </a:r>
-            <a:r>
-              <a:rPr lang="en-US" b="1" dirty="0" smtClean="0">
-                <a:latin typeface="Courier New" pitchFamily="49" charset="0"/>
-              </a:rPr>
-              <a:t>boot/</a:t>
+              <a:t>/boot/</a:t>
             </a:r>
             <a:r>
               <a:rPr lang="en-US" b="1" dirty="0" smtClean="0">
@@ -11399,11 +11413,7 @@
             </a:r>
             <a:r>
               <a:rPr lang="en-US" dirty="0" smtClean="0"/>
-              <a:t>(kernel </a:t>
-            </a:r>
-            <a:r>
-              <a:rPr lang="en-US" dirty="0" smtClean="0"/>
-              <a:t>image</a:t>
+              <a:t>(kernel image</a:t>
             </a:r>
             <a:r>
               <a:rPr lang="en-US" dirty="0"/>
@@ -11438,13 +11448,43 @@
               <a:rPr lang="en-US" dirty="0"/>
               <a:t>)</a:t>
             </a:r>
+          </a:p>
+        </p:txBody>
+      </p:sp>
+      <p:sp>
+        <p:nvSpPr>
+          <p:cNvPr id="4" name="Номер слайда 5"/>
+          <p:cNvSpPr>
+            <a:spLocks noGrp="1"/>
+          </p:cNvSpPr>
+          <p:nvPr>
+            <p:ph type="sldNum" sz="quarter" idx="12"/>
+          </p:nvPr>
+        </p:nvSpPr>
+        <p:spPr>
+          <a:xfrm>
+            <a:off x="10776031" y="6190938"/>
+            <a:ext cx="594673" cy="479419"/>
+          </a:xfrm>
+        </p:spPr>
+        <p:txBody>
+          <a:bodyPr/>
+          <a:lstStyle/>
+          <a:p>
+            <a:pPr algn="ctr"/>
+            <a:fld id="{1397BFD8-F312-4EF2-A268-44FB4BDDBBB0}" type="slidenum">
+              <a:rPr lang="ru-RU" smtClean="0"/>
+              <a:pPr algn="ctr"/>
+              <a:t>2</a:t>
+            </a:fld>
+            <a:endParaRPr lang="ru-RU" dirty="0"/>
           </a:p>
         </p:txBody>
       </p:sp>
     </p:spTree>
     <p:extLst>
       <p:ext uri="{BB962C8B-B14F-4D97-AF65-F5344CB8AC3E}">
-        <p14:creationId xmlns:p14="http://schemas.microsoft.com/office/powerpoint/2010/main" val="2238616959"/>
+        <p14:creationId xmlns:p14="http://schemas.microsoft.com/office/powerpoint/2010/main" xmlns="" val="2238616959"/>
       </p:ext>
     </p:extLst>
   </p:cSld>
@@ -11501,7 +11541,7 @@
           <a:lstStyle/>
           <a:p>
             <a:r>
-              <a:rPr lang="en-US" dirty="0"/>
+              <a:rPr lang="en-US" sz="4400" dirty="0"/>
               <a:t>Example of Accessing File Metadata</a:t>
             </a:r>
           </a:p>
@@ -11674,6 +11714,152 @@
               </a:rPr>
               <a:t>{</a:t>
             </a:r>
+          </a:p>
+          <a:p>
+            <a:r>
+              <a:rPr lang="en-US" sz="1600" dirty="0">
+                <a:solidFill>
+                  <a:srgbClr val="000000"/>
+                </a:solidFill>
+                <a:latin typeface="Courier New"/>
+                <a:cs typeface="Courier New"/>
+              </a:rPr>
+              <a:t>    </a:t>
+            </a:r>
+            <a:r>
+              <a:rPr lang="en-US" sz="1600" dirty="0" err="1">
+                <a:solidFill>
+                  <a:srgbClr val="C200FF"/>
+                </a:solidFill>
+                <a:latin typeface="Courier New"/>
+                <a:cs typeface="Courier New"/>
+              </a:rPr>
+              <a:t>struct</a:t>
+            </a:r>
+            <a:r>
+              <a:rPr lang="en-US" sz="1600" dirty="0">
+                <a:solidFill>
+                  <a:srgbClr val="000000"/>
+                </a:solidFill>
+                <a:latin typeface="Courier New"/>
+                <a:cs typeface="Courier New"/>
+              </a:rPr>
+              <a:t> </a:t>
+            </a:r>
+            <a:r>
+              <a:rPr lang="en-US" sz="1600" dirty="0">
+                <a:solidFill>
+                  <a:srgbClr val="2D961E"/>
+                </a:solidFill>
+                <a:latin typeface="Courier New"/>
+                <a:cs typeface="Courier New"/>
+              </a:rPr>
+              <a:t>stat</a:t>
+            </a:r>
+            <a:r>
+              <a:rPr lang="en-US" sz="1600" dirty="0">
+                <a:solidFill>
+                  <a:srgbClr val="000000"/>
+                </a:solidFill>
+                <a:latin typeface="Courier New"/>
+                <a:cs typeface="Courier New"/>
+              </a:rPr>
+              <a:t> </a:t>
+            </a:r>
+            <a:r>
+              <a:rPr lang="en-US" sz="1600" dirty="0">
+                <a:solidFill>
+                  <a:srgbClr val="C1651C"/>
+                </a:solidFill>
+                <a:latin typeface="Courier New"/>
+                <a:cs typeface="Courier New"/>
+              </a:rPr>
+              <a:t>stat</a:t>
+            </a:r>
+            <a:r>
+              <a:rPr lang="en-US" sz="1600" dirty="0">
+                <a:solidFill>
+                  <a:srgbClr val="000000"/>
+                </a:solidFill>
+                <a:latin typeface="Courier New"/>
+                <a:cs typeface="Courier New"/>
+              </a:rPr>
+              <a:t>;</a:t>
+            </a:r>
+          </a:p>
+          <a:p>
+            <a:r>
+              <a:rPr lang="en-US" sz="1600" dirty="0">
+                <a:solidFill>
+                  <a:srgbClr val="000000"/>
+                </a:solidFill>
+                <a:latin typeface="Courier New"/>
+                <a:cs typeface="Courier New"/>
+              </a:rPr>
+              <a:t>    </a:t>
+            </a:r>
+            <a:r>
+              <a:rPr lang="en-US" sz="1600" dirty="0">
+                <a:solidFill>
+                  <a:srgbClr val="2D961E"/>
+                </a:solidFill>
+                <a:latin typeface="Courier New"/>
+                <a:cs typeface="Courier New"/>
+              </a:rPr>
+              <a:t>char</a:t>
+            </a:r>
+            <a:r>
+              <a:rPr lang="en-US" sz="1600" dirty="0">
+                <a:solidFill>
+                  <a:srgbClr val="000000"/>
+                </a:solidFill>
+                <a:latin typeface="Courier New"/>
+                <a:cs typeface="Courier New"/>
+              </a:rPr>
+              <a:t> *</a:t>
+            </a:r>
+            <a:r>
+              <a:rPr lang="en-US" sz="1600" dirty="0">
+                <a:solidFill>
+                  <a:srgbClr val="C1651C"/>
+                </a:solidFill>
+                <a:latin typeface="Courier New"/>
+                <a:cs typeface="Courier New"/>
+              </a:rPr>
+              <a:t>type</a:t>
+            </a:r>
+            <a:r>
+              <a:rPr lang="en-US" sz="1600" dirty="0">
+                <a:solidFill>
+                  <a:srgbClr val="000000"/>
+                </a:solidFill>
+                <a:latin typeface="Courier New"/>
+                <a:cs typeface="Courier New"/>
+              </a:rPr>
+              <a:t>, *</a:t>
+            </a:r>
+            <a:r>
+              <a:rPr lang="en-US" sz="1600" dirty="0" err="1">
+                <a:solidFill>
+                  <a:srgbClr val="C1651C"/>
+                </a:solidFill>
+                <a:latin typeface="Courier New"/>
+                <a:cs typeface="Courier New"/>
+              </a:rPr>
+              <a:t>readok</a:t>
+            </a:r>
+            <a:r>
+              <a:rPr lang="en-US" sz="1600" dirty="0">
+                <a:solidFill>
+                  <a:srgbClr val="000000"/>
+                </a:solidFill>
+                <a:latin typeface="Courier New"/>
+                <a:cs typeface="Courier New"/>
+              </a:rPr>
+              <a:t>;</a:t>
+            </a:r>
+          </a:p>
+          <a:p>
             <a:endParaRPr lang="en-US" sz="1600" dirty="0">
               <a:solidFill>
                 <a:srgbClr val="000000"/>
@@ -11691,170 +11877,7 @@
                 <a:latin typeface="Courier New"/>
                 <a:cs typeface="Courier New"/>
               </a:rPr>
-              <a:t>    </a:t>
-            </a:r>
-            <a:r>
-              <a:rPr lang="en-US" sz="1600" dirty="0" err="1">
-                <a:solidFill>
-                  <a:srgbClr val="C200FF"/>
-                </a:solidFill>
-                <a:latin typeface="Courier New"/>
-                <a:cs typeface="Courier New"/>
-              </a:rPr>
-              <a:t>struct</a:t>
-            </a:r>
-            <a:r>
-              <a:rPr lang="en-US" sz="1600" dirty="0">
-                <a:solidFill>
-                  <a:srgbClr val="000000"/>
-                </a:solidFill>
-                <a:latin typeface="Courier New"/>
-                <a:cs typeface="Courier New"/>
-              </a:rPr>
-              <a:t> </a:t>
-            </a:r>
-            <a:r>
-              <a:rPr lang="en-US" sz="1600" dirty="0">
-                <a:solidFill>
-                  <a:srgbClr val="2D961E"/>
-                </a:solidFill>
-                <a:latin typeface="Courier New"/>
-                <a:cs typeface="Courier New"/>
-              </a:rPr>
-              <a:t>stat</a:t>
-            </a:r>
-            <a:r>
-              <a:rPr lang="en-US" sz="1600" dirty="0">
-                <a:solidFill>
-                  <a:srgbClr val="000000"/>
-                </a:solidFill>
-                <a:latin typeface="Courier New"/>
-                <a:cs typeface="Courier New"/>
-              </a:rPr>
-              <a:t> </a:t>
-            </a:r>
-            <a:r>
-              <a:rPr lang="en-US" sz="1600" dirty="0">
-                <a:solidFill>
-                  <a:srgbClr val="C1651C"/>
-                </a:solidFill>
-                <a:latin typeface="Courier New"/>
-                <a:cs typeface="Courier New"/>
-              </a:rPr>
-              <a:t>stat</a:t>
-            </a:r>
-            <a:r>
-              <a:rPr lang="en-US" sz="1600" dirty="0">
-                <a:solidFill>
-                  <a:srgbClr val="000000"/>
-                </a:solidFill>
-                <a:latin typeface="Courier New"/>
-                <a:cs typeface="Courier New"/>
-              </a:rPr>
-              <a:t>;</a:t>
-            </a:r>
-          </a:p>
-          <a:p>
-            <a:r>
-              <a:rPr lang="en-US" sz="1600" dirty="0">
-                <a:solidFill>
-                  <a:srgbClr val="000000"/>
-                </a:solidFill>
-                <a:latin typeface="Courier New"/>
-                <a:cs typeface="Courier New"/>
-              </a:rPr>
-              <a:t>    </a:t>
-            </a:r>
-            <a:r>
-              <a:rPr lang="en-US" sz="1600" dirty="0">
-                <a:solidFill>
-                  <a:srgbClr val="2D961E"/>
-                </a:solidFill>
-                <a:latin typeface="Courier New"/>
-                <a:cs typeface="Courier New"/>
-              </a:rPr>
-              <a:t>char</a:t>
-            </a:r>
-            <a:r>
-              <a:rPr lang="en-US" sz="1600" dirty="0">
-                <a:solidFill>
-                  <a:srgbClr val="000000"/>
-                </a:solidFill>
-                <a:latin typeface="Courier New"/>
-                <a:cs typeface="Courier New"/>
-              </a:rPr>
-              <a:t> *</a:t>
-            </a:r>
-            <a:r>
-              <a:rPr lang="en-US" sz="1600" dirty="0">
-                <a:solidFill>
-                  <a:srgbClr val="C1651C"/>
-                </a:solidFill>
-                <a:latin typeface="Courier New"/>
-                <a:cs typeface="Courier New"/>
-              </a:rPr>
-              <a:t>type</a:t>
-            </a:r>
-            <a:r>
-              <a:rPr lang="en-US" sz="1600" dirty="0">
-                <a:solidFill>
-                  <a:srgbClr val="000000"/>
-                </a:solidFill>
-                <a:latin typeface="Courier New"/>
-                <a:cs typeface="Courier New"/>
-              </a:rPr>
-              <a:t>, *</a:t>
-            </a:r>
-            <a:r>
-              <a:rPr lang="en-US" sz="1600" dirty="0" err="1">
-                <a:solidFill>
-                  <a:srgbClr val="C1651C"/>
-                </a:solidFill>
-                <a:latin typeface="Courier New"/>
-                <a:cs typeface="Courier New"/>
-              </a:rPr>
-              <a:t>readok</a:t>
-            </a:r>
-            <a:r>
-              <a:rPr lang="en-US" sz="1600" dirty="0">
-                <a:solidFill>
-                  <a:srgbClr val="000000"/>
-                </a:solidFill>
-                <a:latin typeface="Courier New"/>
-                <a:cs typeface="Courier New"/>
-              </a:rPr>
-              <a:t>;</a:t>
-            </a:r>
-          </a:p>
-          <a:p>
-            <a:endParaRPr lang="en-US" sz="1600" dirty="0">
-              <a:solidFill>
-                <a:srgbClr val="000000"/>
-              </a:solidFill>
-              <a:latin typeface="Courier New"/>
-              <a:cs typeface="Courier New"/>
-            </a:endParaRPr>
-          </a:p>
-          <a:p>
-            <a:r>
-              <a:rPr lang="en-US" sz="1600" dirty="0">
-                <a:solidFill>
-                  <a:srgbClr val="000000"/>
-                </a:solidFill>
-                <a:latin typeface="Courier New"/>
-                <a:cs typeface="Courier New"/>
-              </a:rPr>
-              <a:t>    Stat</a:t>
-            </a:r>
-            <a:r>
-              <a:rPr lang="en-US" sz="1600" dirty="0">
-                <a:solidFill>
-                  <a:srgbClr val="000000"/>
-                </a:solidFill>
-                <a:latin typeface="Courier New"/>
-                <a:cs typeface="Courier New"/>
-              </a:rPr>
-              <a:t>(</a:t>
+              <a:t>    Stat(</a:t>
             </a:r>
             <a:r>
               <a:rPr lang="en-US" sz="1600" dirty="0" err="1">
@@ -12704,44 +12727,29 @@
               <a:rPr lang="en-US" sz="1600" dirty="0">
                 <a:latin typeface="Courier New" pitchFamily="49" charset="0"/>
               </a:rPr>
-              <a:t>&gt; </a:t>
+              <a:t>&gt; ./</a:t>
+            </a:r>
+            <a:r>
+              <a:rPr lang="en-US" sz="1600" dirty="0" err="1">
+                <a:latin typeface="Courier New" pitchFamily="49" charset="0"/>
+              </a:rPr>
+              <a:t>statcheck</a:t>
             </a:r>
             <a:r>
               <a:rPr lang="en-US" sz="1600" dirty="0">
                 <a:latin typeface="Courier New" pitchFamily="49" charset="0"/>
               </a:rPr>
-              <a:t>./</a:t>
-            </a:r>
-            <a:r>
-              <a:rPr lang="en-US" sz="1600" dirty="0" err="1">
-                <a:latin typeface="Courier New" pitchFamily="49" charset="0"/>
-              </a:rPr>
-              <a:t>statcheck</a:t>
-            </a:r>
+              <a:t> ..</a:t>
+            </a:r>
+          </a:p>
+          <a:p>
+            <a:pPr algn="l"/>
             <a:r>
               <a:rPr lang="en-US" sz="1600" dirty="0">
                 <a:latin typeface="Courier New" pitchFamily="49" charset="0"/>
               </a:rPr>
-              <a:t> ..</a:t>
-            </a:r>
-          </a:p>
-          <a:p>
-            <a:pPr algn="l"/>
-            <a:r>
-              <a:rPr lang="en-US" sz="1600" dirty="0">
-                <a:latin typeface="Courier New" pitchFamily="49" charset="0"/>
-              </a:rPr>
-              <a:t>type: directory, read: </a:t>
-            </a:r>
-            <a:r>
-              <a:rPr lang="en-US" sz="1600" dirty="0">
-                <a:latin typeface="Courier New" pitchFamily="49" charset="0"/>
-              </a:rPr>
-              <a:t>yes</a:t>
-            </a:r>
-            <a:endParaRPr lang="en-US" sz="1600" dirty="0">
-              <a:latin typeface="Courier New" pitchFamily="49" charset="0"/>
-            </a:endParaRPr>
+              <a:t>type: directory, read: yes</a:t>
+            </a:r>
           </a:p>
         </p:txBody>
       </p:sp>
@@ -12792,10 +12800,40 @@
           </a:p>
         </p:txBody>
       </p:sp>
+      <p:sp>
+        <p:nvSpPr>
+          <p:cNvPr id="6" name="Номер слайда 5"/>
+          <p:cNvSpPr>
+            <a:spLocks noGrp="1"/>
+          </p:cNvSpPr>
+          <p:nvPr>
+            <p:ph type="sldNum" sz="quarter" idx="12"/>
+          </p:nvPr>
+        </p:nvSpPr>
+        <p:spPr>
+          <a:xfrm>
+            <a:off x="10776031" y="6190938"/>
+            <a:ext cx="594673" cy="479419"/>
+          </a:xfrm>
+        </p:spPr>
+        <p:txBody>
+          <a:bodyPr/>
+          <a:lstStyle/>
+          <a:p>
+            <a:pPr algn="ctr"/>
+            <a:fld id="{1397BFD8-F312-4EF2-A268-44FB4BDDBBB0}" type="slidenum">
+              <a:rPr lang="ru-RU" smtClean="0"/>
+              <a:pPr algn="ctr"/>
+              <a:t>20</a:t>
+            </a:fld>
+            <a:endParaRPr lang="ru-RU" dirty="0"/>
+          </a:p>
+        </p:txBody>
+      </p:sp>
     </p:spTree>
     <p:extLst>
       <p:ext uri="{BB962C8B-B14F-4D97-AF65-F5344CB8AC3E}">
-        <p14:creationId xmlns:p14="http://schemas.microsoft.com/office/powerpoint/2010/main" val="770320615"/>
+        <p14:creationId xmlns:p14="http://schemas.microsoft.com/office/powerpoint/2010/main" xmlns="" val="770320615"/>
       </p:ext>
     </p:extLst>
   </p:cSld>
@@ -12924,7 +12962,7 @@
           <a:lstStyle/>
           <a:p>
             <a:r>
-              <a:rPr lang="en-US" dirty="0"/>
+              <a:rPr lang="en-US" sz="4400" dirty="0"/>
               <a:t>How the Unix Kernel Represents Open Files</a:t>
             </a:r>
           </a:p>
@@ -14693,17 +14731,8 @@
               <a:rPr lang="en-US" sz="1600" dirty="0">
                 <a:latin typeface="Calibri" pitchFamily="34" charset="0"/>
               </a:rPr>
-              <a:t>File </a:t>
-            </a:r>
-            <a:r>
-              <a:rPr lang="en-US" sz="1600" dirty="0">
-                <a:latin typeface="Calibri" pitchFamily="34" charset="0"/>
-              </a:rPr>
-              <a:t>A (terminal)</a:t>
-            </a:r>
-            <a:endParaRPr lang="en-US" sz="1600" dirty="0">
-              <a:latin typeface="Calibri" pitchFamily="34" charset="0"/>
-            </a:endParaRPr>
+              <a:t>File A (terminal)</a:t>
+            </a:r>
           </a:p>
         </p:txBody>
       </p:sp>
@@ -14747,17 +14776,8 @@
               <a:rPr lang="en-US" sz="1600" dirty="0">
                 <a:latin typeface="Calibri" pitchFamily="34" charset="0"/>
               </a:rPr>
-              <a:t>File </a:t>
-            </a:r>
-            <a:r>
-              <a:rPr lang="en-US" sz="1600" dirty="0">
-                <a:latin typeface="Calibri" pitchFamily="34" charset="0"/>
-              </a:rPr>
-              <a:t>B (disk)</a:t>
-            </a:r>
-            <a:endParaRPr lang="en-US" sz="1600" dirty="0">
-              <a:latin typeface="Calibri" pitchFamily="34" charset="0"/>
-            </a:endParaRPr>
+              <a:t>File B (disk)</a:t>
+            </a:r>
           </a:p>
         </p:txBody>
       </p:sp>
@@ -14905,10 +14925,40 @@
           </a:p>
         </p:txBody>
       </p:sp>
+      <p:sp>
+        <p:nvSpPr>
+          <p:cNvPr id="44" name="Номер слайда 5"/>
+          <p:cNvSpPr>
+            <a:spLocks noGrp="1"/>
+          </p:cNvSpPr>
+          <p:nvPr>
+            <p:ph type="sldNum" sz="quarter" idx="12"/>
+          </p:nvPr>
+        </p:nvSpPr>
+        <p:spPr>
+          <a:xfrm>
+            <a:off x="10776031" y="6190938"/>
+            <a:ext cx="594673" cy="479419"/>
+          </a:xfrm>
+        </p:spPr>
+        <p:txBody>
+          <a:bodyPr/>
+          <a:lstStyle/>
+          <a:p>
+            <a:pPr algn="ctr"/>
+            <a:fld id="{1397BFD8-F312-4EF2-A268-44FB4BDDBBB0}" type="slidenum">
+              <a:rPr lang="ru-RU" smtClean="0"/>
+              <a:pPr algn="ctr"/>
+              <a:t>21</a:t>
+            </a:fld>
+            <a:endParaRPr lang="ru-RU" dirty="0"/>
+          </a:p>
+        </p:txBody>
+      </p:sp>
     </p:spTree>
     <p:extLst>
       <p:ext uri="{BB962C8B-B14F-4D97-AF65-F5344CB8AC3E}">
-        <p14:creationId xmlns:p14="http://schemas.microsoft.com/office/powerpoint/2010/main" val="2266847569"/>
+        <p14:creationId xmlns:p14="http://schemas.microsoft.com/office/powerpoint/2010/main" xmlns="" val="2266847569"/>
       </p:ext>
     </p:extLst>
   </p:cSld>
@@ -14955,11 +15005,13 @@
         </p:nvSpPr>
         <p:spPr/>
         <p:txBody>
-          <a:bodyPr/>
-          <a:lstStyle/>
-          <a:p>
-            <a:r>
-              <a:rPr lang="en-US" dirty="0"/>
+          <a:bodyPr>
+            <a:normAutofit/>
+          </a:bodyPr>
+          <a:lstStyle/>
+          <a:p>
+            <a:r>
+              <a:rPr lang="en-US" sz="4400" dirty="0"/>
               <a:t>File Sharing</a:t>
             </a:r>
           </a:p>
@@ -16563,17 +16615,8 @@
               <a:rPr lang="en-US" sz="1600" dirty="0">
                 <a:latin typeface="Calibri" pitchFamily="34" charset="0"/>
               </a:rPr>
-              <a:t>File A </a:t>
-            </a:r>
-            <a:r>
-              <a:rPr lang="en-US" sz="1600" dirty="0">
-                <a:latin typeface="Calibri" pitchFamily="34" charset="0"/>
-              </a:rPr>
-              <a:t>(disk)</a:t>
-            </a:r>
-            <a:endParaRPr lang="en-US" sz="1600" dirty="0">
-              <a:latin typeface="Calibri" pitchFamily="34" charset="0"/>
-            </a:endParaRPr>
+              <a:t>File A (disk)</a:t>
+            </a:r>
           </a:p>
         </p:txBody>
       </p:sp>
@@ -16659,10 +16702,40 @@
           </a:p>
         </p:txBody>
       </p:sp>
+      <p:sp>
+        <p:nvSpPr>
+          <p:cNvPr id="66" name="Номер слайда 5"/>
+          <p:cNvSpPr>
+            <a:spLocks noGrp="1"/>
+          </p:cNvSpPr>
+          <p:nvPr>
+            <p:ph type="sldNum" sz="quarter" idx="12"/>
+          </p:nvPr>
+        </p:nvSpPr>
+        <p:spPr>
+          <a:xfrm>
+            <a:off x="10776031" y="6190938"/>
+            <a:ext cx="594673" cy="479419"/>
+          </a:xfrm>
+        </p:spPr>
+        <p:txBody>
+          <a:bodyPr/>
+          <a:lstStyle/>
+          <a:p>
+            <a:pPr algn="ctr"/>
+            <a:fld id="{1397BFD8-F312-4EF2-A268-44FB4BDDBBB0}" type="slidenum">
+              <a:rPr lang="ru-RU" smtClean="0"/>
+              <a:pPr algn="ctr"/>
+              <a:t>22</a:t>
+            </a:fld>
+            <a:endParaRPr lang="ru-RU" dirty="0"/>
+          </a:p>
+        </p:txBody>
+      </p:sp>
     </p:spTree>
     <p:extLst>
       <p:ext uri="{BB962C8B-B14F-4D97-AF65-F5344CB8AC3E}">
-        <p14:creationId xmlns:p14="http://schemas.microsoft.com/office/powerpoint/2010/main" val="3785121358"/>
+        <p14:creationId xmlns:p14="http://schemas.microsoft.com/office/powerpoint/2010/main" xmlns="" val="3785121358"/>
       </p:ext>
     </p:extLst>
   </p:cSld>
@@ -16774,11 +16847,7 @@
             <a:pPr lvl="1"/>
             <a:r>
               <a:rPr lang="en-US" sz="2600" dirty="0"/>
-              <a:t>Note</a:t>
-            </a:r>
-            <a:r>
-              <a:rPr lang="en-US" sz="2600" dirty="0"/>
-              <a:t>: situation unchanged by </a:t>
+              <a:t>Note: situation unchanged by </a:t>
             </a:r>
             <a:r>
               <a:rPr lang="en-US" sz="2600" b="1" dirty="0">
@@ -18639,10 +18708,40 @@
           </a:p>
         </p:txBody>
       </p:sp>
+      <p:sp>
+        <p:nvSpPr>
+          <p:cNvPr id="78" name="Номер слайда 5"/>
+          <p:cNvSpPr>
+            <a:spLocks noGrp="1"/>
+          </p:cNvSpPr>
+          <p:nvPr>
+            <p:ph type="sldNum" sz="quarter" idx="12"/>
+          </p:nvPr>
+        </p:nvSpPr>
+        <p:spPr>
+          <a:xfrm>
+            <a:off x="10776031" y="6190938"/>
+            <a:ext cx="594673" cy="479419"/>
+          </a:xfrm>
+        </p:spPr>
+        <p:txBody>
+          <a:bodyPr/>
+          <a:lstStyle/>
+          <a:p>
+            <a:pPr algn="ctr"/>
+            <a:fld id="{1397BFD8-F312-4EF2-A268-44FB4BDDBBB0}" type="slidenum">
+              <a:rPr lang="ru-RU" smtClean="0"/>
+              <a:pPr algn="ctr"/>
+              <a:t>23</a:t>
+            </a:fld>
+            <a:endParaRPr lang="ru-RU" dirty="0"/>
+          </a:p>
+        </p:txBody>
+      </p:sp>
     </p:spTree>
     <p:extLst>
       <p:ext uri="{BB962C8B-B14F-4D97-AF65-F5344CB8AC3E}">
-        <p14:creationId xmlns:p14="http://schemas.microsoft.com/office/powerpoint/2010/main" val="4233366281"/>
+        <p14:creationId xmlns:p14="http://schemas.microsoft.com/office/powerpoint/2010/main" xmlns="" val="4233366281"/>
       </p:ext>
     </p:extLst>
   </p:cSld>
@@ -18710,10 +18809,6 @@
               </a:rPr>
               <a:t>fork</a:t>
             </a:r>
-            <a:endParaRPr lang="en-US" sz="4400" dirty="0">
-              <a:latin typeface="Courier New"/>
-              <a:cs typeface="Courier New"/>
-            </a:endParaRPr>
           </a:p>
         </p:txBody>
       </p:sp>
@@ -19550,9 +19645,6 @@
               </a:rPr>
               <a:t>=2</a:t>
             </a:r>
-            <a:endParaRPr lang="en-US" sz="1400" dirty="0">
-              <a:latin typeface="Courier New" pitchFamily="49" charset="0"/>
-            </a:endParaRPr>
           </a:p>
         </p:txBody>
       </p:sp>
@@ -19793,9 +19885,6 @@
               </a:rPr>
               <a:t>=2</a:t>
             </a:r>
-            <a:endParaRPr lang="en-US" sz="1400" dirty="0">
-              <a:latin typeface="Courier New" pitchFamily="49" charset="0"/>
-            </a:endParaRPr>
           </a:p>
         </p:txBody>
       </p:sp>
@@ -20994,9 +21083,6 @@
               </a:rPr>
               <a:t>Parent</a:t>
             </a:r>
-            <a:endParaRPr lang="en-US" sz="1600" dirty="0">
-              <a:latin typeface="Calibri" pitchFamily="34" charset="0"/>
-            </a:endParaRPr>
           </a:p>
         </p:txBody>
       </p:sp>
@@ -21042,9 +21128,6 @@
               </a:rPr>
               <a:t>Child</a:t>
             </a:r>
-            <a:endParaRPr lang="en-US" sz="1600" dirty="0">
-              <a:latin typeface="Calibri" pitchFamily="34" charset="0"/>
-            </a:endParaRPr>
           </a:p>
         </p:txBody>
       </p:sp>
@@ -21100,10 +21183,40 @@
           <a:effectLst/>
         </p:spPr>
       </p:cxnSp>
+      <p:sp>
+        <p:nvSpPr>
+          <p:cNvPr id="76" name="Номер слайда 5"/>
+          <p:cNvSpPr>
+            <a:spLocks noGrp="1"/>
+          </p:cNvSpPr>
+          <p:nvPr>
+            <p:ph type="sldNum" sz="quarter" idx="12"/>
+          </p:nvPr>
+        </p:nvSpPr>
+        <p:spPr>
+          <a:xfrm>
+            <a:off x="10776031" y="6190938"/>
+            <a:ext cx="594673" cy="479419"/>
+          </a:xfrm>
+        </p:spPr>
+        <p:txBody>
+          <a:bodyPr/>
+          <a:lstStyle/>
+          <a:p>
+            <a:pPr algn="ctr"/>
+            <a:fld id="{1397BFD8-F312-4EF2-A268-44FB4BDDBBB0}" type="slidenum">
+              <a:rPr lang="ru-RU" smtClean="0"/>
+              <a:pPr algn="ctr"/>
+              <a:t>24</a:t>
+            </a:fld>
+            <a:endParaRPr lang="ru-RU" dirty="0"/>
+          </a:p>
+        </p:txBody>
+      </p:sp>
     </p:spTree>
     <p:extLst>
       <p:ext uri="{BB962C8B-B14F-4D97-AF65-F5344CB8AC3E}">
-        <p14:creationId xmlns:p14="http://schemas.microsoft.com/office/powerpoint/2010/main" val="2290183441"/>
+        <p14:creationId xmlns:p14="http://schemas.microsoft.com/office/powerpoint/2010/main" xmlns="" val="2290183441"/>
       </p:ext>
     </p:extLst>
   </p:cSld>
@@ -21161,7 +21274,7 @@
           <a:lstStyle/>
           <a:p>
             <a:r>
-              <a:rPr lang="en-US" dirty="0"/>
+              <a:rPr lang="en-US" sz="4400" dirty="0"/>
               <a:t>I/O Redirection</a:t>
             </a:r>
           </a:p>
@@ -22461,10 +22574,40 @@
           </p:txBody>
         </p:sp>
       </p:grpSp>
+      <p:sp>
+        <p:nvSpPr>
+          <p:cNvPr id="30" name="Номер слайда 5"/>
+          <p:cNvSpPr>
+            <a:spLocks noGrp="1"/>
+          </p:cNvSpPr>
+          <p:nvPr>
+            <p:ph type="sldNum" sz="quarter" idx="12"/>
+          </p:nvPr>
+        </p:nvSpPr>
+        <p:spPr>
+          <a:xfrm>
+            <a:off x="10776031" y="6190938"/>
+            <a:ext cx="594673" cy="479419"/>
+          </a:xfrm>
+        </p:spPr>
+        <p:txBody>
+          <a:bodyPr/>
+          <a:lstStyle/>
+          <a:p>
+            <a:pPr algn="ctr"/>
+            <a:fld id="{1397BFD8-F312-4EF2-A268-44FB4BDDBBB0}" type="slidenum">
+              <a:rPr lang="ru-RU" smtClean="0"/>
+              <a:pPr algn="ctr"/>
+              <a:t>25</a:t>
+            </a:fld>
+            <a:endParaRPr lang="ru-RU" dirty="0"/>
+          </a:p>
+        </p:txBody>
+      </p:sp>
     </p:spTree>
     <p:extLst>
       <p:ext uri="{BB962C8B-B14F-4D97-AF65-F5344CB8AC3E}">
-        <p14:creationId xmlns:p14="http://schemas.microsoft.com/office/powerpoint/2010/main" val="439496753"/>
+        <p14:creationId xmlns:p14="http://schemas.microsoft.com/office/powerpoint/2010/main" xmlns="" val="439496753"/>
       </p:ext>
     </p:extLst>
   </p:cSld>
@@ -22587,18 +22730,20 @@
         </p:nvSpPr>
         <p:spPr/>
         <p:txBody>
-          <a:bodyPr/>
-          <a:lstStyle/>
-          <a:p>
-            <a:r>
-              <a:rPr lang="en-US" dirty="0"/>
+          <a:bodyPr>
+            <a:normAutofit/>
+          </a:bodyPr>
+          <a:lstStyle/>
+          <a:p>
+            <a:r>
+              <a:rPr lang="en-US" sz="4400" dirty="0"/>
               <a:t>I/O Redirection </a:t>
             </a:r>
             <a:r>
-              <a:rPr lang="en-US" dirty="0" smtClean="0"/>
+              <a:rPr lang="en-US" sz="4400" dirty="0" smtClean="0"/>
               <a:t>Example</a:t>
             </a:r>
-            <a:endParaRPr lang="en-US" dirty="0"/>
+            <a:endParaRPr lang="en-US" sz="4400" dirty="0"/>
           </a:p>
         </p:txBody>
       </p:sp>
@@ -23944,17 +24089,8 @@
               <a:rPr lang="en-US" sz="1600" dirty="0">
                 <a:latin typeface="Calibri" pitchFamily="34" charset="0"/>
               </a:rPr>
-              <a:t>File </a:t>
-            </a:r>
-            <a:r>
-              <a:rPr lang="en-US" sz="1600" dirty="0">
-                <a:latin typeface="Calibri" pitchFamily="34" charset="0"/>
-              </a:rPr>
-              <a:t>A</a:t>
-            </a:r>
-            <a:endParaRPr lang="en-US" sz="1600" dirty="0">
-              <a:latin typeface="Calibri" pitchFamily="34" charset="0"/>
-            </a:endParaRPr>
+              <a:t>File A</a:t>
+            </a:r>
           </a:p>
         </p:txBody>
       </p:sp>
@@ -24446,17 +24582,8 @@
                 <a:rPr lang="en-US" sz="1600" dirty="0">
                   <a:latin typeface="Calibri" pitchFamily="34" charset="0"/>
                 </a:rPr>
-                <a:t>File </a:t>
+                <a:t>File B</a:t>
               </a:r>
-              <a:r>
-                <a:rPr lang="en-US" sz="1600" dirty="0">
-                  <a:latin typeface="Calibri" pitchFamily="34" charset="0"/>
-                </a:rPr>
-                <a:t>B</a:t>
-              </a:r>
-              <a:endParaRPr lang="en-US" sz="1600" dirty="0">
-                <a:latin typeface="Calibri" pitchFamily="34" charset="0"/>
-              </a:endParaRPr>
             </a:p>
           </p:txBody>
         </p:sp>
@@ -24498,10 +24625,40 @@
           </p:txBody>
         </p:sp>
       </p:grpSp>
+      <p:sp>
+        <p:nvSpPr>
+          <p:cNvPr id="81" name="Номер слайда 5"/>
+          <p:cNvSpPr>
+            <a:spLocks noGrp="1"/>
+          </p:cNvSpPr>
+          <p:nvPr>
+            <p:ph type="sldNum" sz="quarter" idx="12"/>
+          </p:nvPr>
+        </p:nvSpPr>
+        <p:spPr>
+          <a:xfrm>
+            <a:off x="10776031" y="6190938"/>
+            <a:ext cx="594673" cy="479419"/>
+          </a:xfrm>
+        </p:spPr>
+        <p:txBody>
+          <a:bodyPr/>
+          <a:lstStyle/>
+          <a:p>
+            <a:pPr algn="ctr"/>
+            <a:fld id="{1397BFD8-F312-4EF2-A268-44FB4BDDBBB0}" type="slidenum">
+              <a:rPr lang="ru-RU" smtClean="0"/>
+              <a:pPr algn="ctr"/>
+              <a:t>26</a:t>
+            </a:fld>
+            <a:endParaRPr lang="ru-RU" dirty="0"/>
+          </a:p>
+        </p:txBody>
+      </p:sp>
     </p:spTree>
     <p:extLst>
       <p:ext uri="{BB962C8B-B14F-4D97-AF65-F5344CB8AC3E}">
-        <p14:creationId xmlns:p14="http://schemas.microsoft.com/office/powerpoint/2010/main" val="4287480962"/>
+        <p14:creationId xmlns:p14="http://schemas.microsoft.com/office/powerpoint/2010/main" xmlns="" val="4287480962"/>
       </p:ext>
     </p:extLst>
   </p:cSld>
@@ -24635,14 +24792,14 @@
           <a:lstStyle/>
           <a:p>
             <a:r>
-              <a:rPr lang="en-US" dirty="0"/>
+              <a:rPr lang="en-US" sz="4400" dirty="0"/>
               <a:t>I/O Redirection Example (</a:t>
             </a:r>
             <a:r>
-              <a:rPr lang="en-US" dirty="0" smtClean="0"/>
+              <a:rPr lang="en-US" sz="4400" dirty="0" smtClean="0"/>
               <a:t>cont.)</a:t>
             </a:r>
-            <a:endParaRPr lang="en-US" dirty="0"/>
+            <a:endParaRPr lang="en-US" sz="4400" dirty="0"/>
           </a:p>
         </p:txBody>
       </p:sp>
@@ -25453,9 +25610,6 @@
               </a:rPr>
               <a:t>=0</a:t>
             </a:r>
-            <a:endParaRPr lang="en-US" sz="1400" dirty="0">
-              <a:latin typeface="Courier New" pitchFamily="49" charset="0"/>
-            </a:endParaRPr>
           </a:p>
         </p:txBody>
       </p:sp>
@@ -25690,9 +25844,6 @@
               </a:rPr>
               <a:t>=2</a:t>
             </a:r>
-            <a:endParaRPr lang="en-US" sz="1400" dirty="0">
-              <a:latin typeface="Courier New" pitchFamily="49" charset="0"/>
-            </a:endParaRPr>
           </a:p>
         </p:txBody>
       </p:sp>
@@ -26430,17 +26581,8 @@
               <a:rPr lang="en-US" sz="1600" dirty="0">
                 <a:latin typeface="Calibri" pitchFamily="34" charset="0"/>
               </a:rPr>
-              <a:t>File </a:t>
-            </a:r>
-            <a:r>
-              <a:rPr lang="en-US" sz="1600" dirty="0">
-                <a:latin typeface="Calibri" pitchFamily="34" charset="0"/>
-              </a:rPr>
-              <a:t>A</a:t>
-            </a:r>
-            <a:endParaRPr lang="en-US" sz="1600" dirty="0">
-              <a:latin typeface="Calibri" pitchFamily="34" charset="0"/>
-            </a:endParaRPr>
+              <a:t>File A</a:t>
+            </a:r>
           </a:p>
         </p:txBody>
       </p:sp>
@@ -26484,17 +26626,8 @@
               <a:rPr lang="en-US" sz="1600" dirty="0">
                 <a:latin typeface="Calibri" pitchFamily="34" charset="0"/>
               </a:rPr>
-              <a:t>File </a:t>
-            </a:r>
-            <a:r>
-              <a:rPr lang="en-US" sz="1600" dirty="0">
-                <a:latin typeface="Calibri" pitchFamily="34" charset="0"/>
-              </a:rPr>
-              <a:t>B</a:t>
-            </a:r>
-            <a:endParaRPr lang="en-US" sz="1600" dirty="0">
-              <a:latin typeface="Calibri" pitchFamily="34" charset="0"/>
-            </a:endParaRPr>
+              <a:t>File B</a:t>
+            </a:r>
           </a:p>
         </p:txBody>
       </p:sp>
@@ -26535,10 +26668,40 @@
           </a:p>
         </p:txBody>
       </p:sp>
+      <p:sp>
+        <p:nvSpPr>
+          <p:cNvPr id="77" name="Номер слайда 5"/>
+          <p:cNvSpPr>
+            <a:spLocks noGrp="1"/>
+          </p:cNvSpPr>
+          <p:nvPr>
+            <p:ph type="sldNum" sz="quarter" idx="12"/>
+          </p:nvPr>
+        </p:nvSpPr>
+        <p:spPr>
+          <a:xfrm>
+            <a:off x="10776031" y="6190938"/>
+            <a:ext cx="594673" cy="479419"/>
+          </a:xfrm>
+        </p:spPr>
+        <p:txBody>
+          <a:bodyPr/>
+          <a:lstStyle/>
+          <a:p>
+            <a:pPr algn="ctr"/>
+            <a:fld id="{1397BFD8-F312-4EF2-A268-44FB4BDDBBB0}" type="slidenum">
+              <a:rPr lang="ru-RU" smtClean="0"/>
+              <a:pPr algn="ctr"/>
+              <a:t>27</a:t>
+            </a:fld>
+            <a:endParaRPr lang="ru-RU" dirty="0"/>
+          </a:p>
+        </p:txBody>
+      </p:sp>
     </p:spTree>
     <p:extLst>
       <p:ext uri="{BB962C8B-B14F-4D97-AF65-F5344CB8AC3E}">
-        <p14:creationId xmlns:p14="http://schemas.microsoft.com/office/powerpoint/2010/main" val="4215591150"/>
+        <p14:creationId xmlns:p14="http://schemas.microsoft.com/office/powerpoint/2010/main" xmlns="" val="4215591150"/>
       </p:ext>
     </p:extLst>
   </p:cSld>
@@ -26790,10 +26953,40 @@
           </a:p>
         </p:txBody>
       </p:sp>
+      <p:sp>
+        <p:nvSpPr>
+          <p:cNvPr id="4" name="Номер слайда 5"/>
+          <p:cNvSpPr>
+            <a:spLocks noGrp="1"/>
+          </p:cNvSpPr>
+          <p:nvPr>
+            <p:ph type="sldNum" sz="quarter" idx="12"/>
+          </p:nvPr>
+        </p:nvSpPr>
+        <p:spPr>
+          <a:xfrm>
+            <a:off x="10776031" y="6190938"/>
+            <a:ext cx="594673" cy="479419"/>
+          </a:xfrm>
+        </p:spPr>
+        <p:txBody>
+          <a:bodyPr/>
+          <a:lstStyle/>
+          <a:p>
+            <a:pPr algn="ctr"/>
+            <a:fld id="{1397BFD8-F312-4EF2-A268-44FB4BDDBBB0}" type="slidenum">
+              <a:rPr lang="ru-RU" smtClean="0"/>
+              <a:pPr algn="ctr"/>
+              <a:t>28</a:t>
+            </a:fld>
+            <a:endParaRPr lang="ru-RU" dirty="0"/>
+          </a:p>
+        </p:txBody>
+      </p:sp>
     </p:spTree>
     <p:extLst>
       <p:ext uri="{BB962C8B-B14F-4D97-AF65-F5344CB8AC3E}">
-        <p14:creationId xmlns:p14="http://schemas.microsoft.com/office/powerpoint/2010/main" val="1672924925"/>
+        <p14:creationId xmlns:p14="http://schemas.microsoft.com/office/powerpoint/2010/main" xmlns="" val="1672924925"/>
       </p:ext>
     </p:extLst>
   </p:cSld>
@@ -26840,11 +27033,13 @@
         </p:nvSpPr>
         <p:spPr/>
         <p:txBody>
-          <a:bodyPr/>
-          <a:lstStyle/>
-          <a:p>
-            <a:r>
-              <a:rPr lang="en-US" dirty="0"/>
+          <a:bodyPr>
+            <a:normAutofit/>
+          </a:bodyPr>
+          <a:lstStyle/>
+          <a:p>
+            <a:r>
+              <a:rPr lang="en-US" sz="4400" dirty="0"/>
               <a:t>Standard I/O Streams</a:t>
             </a:r>
           </a:p>
@@ -27072,7 +27267,28 @@
                 </a:solidFill>
                 <a:latin typeface="Courier New" pitchFamily="49" charset="0"/>
               </a:rPr>
-              <a:t>/* standard input </a:t>
+              <a:t>/* standard input  (descriptor 0) */</a:t>
+            </a:r>
+          </a:p>
+          <a:p>
+            <a:pPr algn="l"/>
+            <a:r>
+              <a:rPr lang="en-US" sz="1600" dirty="0">
+                <a:latin typeface="Courier New" pitchFamily="49" charset="0"/>
+              </a:rPr>
+              <a:t>extern FILE *</a:t>
+            </a:r>
+            <a:r>
+              <a:rPr lang="en-US" sz="1600" dirty="0" err="1">
+                <a:latin typeface="Courier New" pitchFamily="49" charset="0"/>
+              </a:rPr>
+              <a:t>stdout</a:t>
+            </a:r>
+            <a:r>
+              <a:rPr lang="en-US" sz="1600" dirty="0">
+                <a:latin typeface="Courier New" pitchFamily="49" charset="0"/>
+              </a:rPr>
+              <a:t>; </a:t>
             </a:r>
             <a:r>
               <a:rPr lang="en-US" sz="1600" dirty="0">
@@ -27081,7 +27297,28 @@
                 </a:solidFill>
                 <a:latin typeface="Courier New" pitchFamily="49" charset="0"/>
               </a:rPr>
-              <a:t> (</a:t>
+              <a:t>/* standard output (descriptor 1) */</a:t>
+            </a:r>
+          </a:p>
+          <a:p>
+            <a:pPr algn="l"/>
+            <a:r>
+              <a:rPr lang="en-US" sz="1600" dirty="0">
+                <a:latin typeface="Courier New" pitchFamily="49" charset="0"/>
+              </a:rPr>
+              <a:t>extern FILE *</a:t>
+            </a:r>
+            <a:r>
+              <a:rPr lang="en-US" sz="1600" dirty="0" err="1">
+                <a:latin typeface="Courier New" pitchFamily="49" charset="0"/>
+              </a:rPr>
+              <a:t>stderr</a:t>
+            </a:r>
+            <a:r>
+              <a:rPr lang="en-US" sz="1600" dirty="0">
+                <a:latin typeface="Courier New" pitchFamily="49" charset="0"/>
+              </a:rPr>
+              <a:t>; </a:t>
             </a:r>
             <a:r>
               <a:rPr lang="en-US" sz="1600" dirty="0">
@@ -27090,131 +27327,8 @@
                 </a:solidFill>
                 <a:latin typeface="Courier New" pitchFamily="49" charset="0"/>
               </a:rPr>
-              <a:t>descriptor 0) </a:t>
-            </a:r>
-            <a:r>
-              <a:rPr lang="en-US" sz="1600" dirty="0">
-                <a:solidFill>
-                  <a:srgbClr val="990000"/>
-                </a:solidFill>
-                <a:latin typeface="Courier New" pitchFamily="49" charset="0"/>
-              </a:rPr>
-              <a:t>*/</a:t>
-            </a:r>
-            <a:endParaRPr lang="en-US" sz="1600" dirty="0">
-              <a:solidFill>
-                <a:srgbClr val="990000"/>
-              </a:solidFill>
-              <a:latin typeface="Courier New" pitchFamily="49" charset="0"/>
-            </a:endParaRPr>
-          </a:p>
-          <a:p>
-            <a:pPr algn="l"/>
-            <a:r>
-              <a:rPr lang="en-US" sz="1600" dirty="0">
-                <a:latin typeface="Courier New" pitchFamily="49" charset="0"/>
-              </a:rPr>
-              <a:t>extern FILE *</a:t>
-            </a:r>
-            <a:r>
-              <a:rPr lang="en-US" sz="1600" dirty="0" err="1">
-                <a:latin typeface="Courier New" pitchFamily="49" charset="0"/>
-              </a:rPr>
-              <a:t>stdout</a:t>
-            </a:r>
-            <a:r>
-              <a:rPr lang="en-US" sz="1600" dirty="0">
-                <a:latin typeface="Courier New" pitchFamily="49" charset="0"/>
-              </a:rPr>
-              <a:t>; </a:t>
-            </a:r>
-            <a:r>
-              <a:rPr lang="en-US" sz="1600" dirty="0">
-                <a:solidFill>
-                  <a:srgbClr val="990000"/>
-                </a:solidFill>
-                <a:latin typeface="Courier New" pitchFamily="49" charset="0"/>
-              </a:rPr>
-              <a:t>/* standard output (descriptor 1</a:t>
-            </a:r>
-            <a:r>
-              <a:rPr lang="en-US" sz="1600" dirty="0">
-                <a:solidFill>
-                  <a:srgbClr val="990000"/>
-                </a:solidFill>
-                <a:latin typeface="Courier New" pitchFamily="49" charset="0"/>
-              </a:rPr>
-              <a:t>) */</a:t>
-            </a:r>
-            <a:endParaRPr lang="en-US" sz="1600" dirty="0">
-              <a:solidFill>
-                <a:srgbClr val="990000"/>
-              </a:solidFill>
-              <a:latin typeface="Courier New" pitchFamily="49" charset="0"/>
-            </a:endParaRPr>
-          </a:p>
-          <a:p>
-            <a:pPr algn="l"/>
-            <a:r>
-              <a:rPr lang="en-US" sz="1600" dirty="0">
-                <a:latin typeface="Courier New" pitchFamily="49" charset="0"/>
-              </a:rPr>
-              <a:t>extern FILE *</a:t>
-            </a:r>
-            <a:r>
-              <a:rPr lang="en-US" sz="1600" dirty="0" err="1">
-                <a:latin typeface="Courier New" pitchFamily="49" charset="0"/>
-              </a:rPr>
-              <a:t>stderr</a:t>
-            </a:r>
-            <a:r>
-              <a:rPr lang="en-US" sz="1600" dirty="0">
-                <a:latin typeface="Courier New" pitchFamily="49" charset="0"/>
-              </a:rPr>
-              <a:t>; </a:t>
-            </a:r>
-            <a:r>
-              <a:rPr lang="en-US" sz="1600" dirty="0">
-                <a:solidFill>
-                  <a:srgbClr val="990000"/>
-                </a:solidFill>
-                <a:latin typeface="Courier New" pitchFamily="49" charset="0"/>
-              </a:rPr>
-              <a:t>/* standard error </a:t>
-            </a:r>
-            <a:r>
-              <a:rPr lang="en-US" sz="1600" dirty="0">
-                <a:solidFill>
-                  <a:srgbClr val="990000"/>
-                </a:solidFill>
-                <a:latin typeface="Courier New" pitchFamily="49" charset="0"/>
-              </a:rPr>
-              <a:t> (</a:t>
-            </a:r>
-            <a:r>
-              <a:rPr lang="en-US" sz="1600" dirty="0">
-                <a:solidFill>
-                  <a:srgbClr val="990000"/>
-                </a:solidFill>
-                <a:latin typeface="Courier New" pitchFamily="49" charset="0"/>
-              </a:rPr>
-              <a:t>descriptor 2) </a:t>
-            </a:r>
-            <a:r>
-              <a:rPr lang="en-US" sz="1600" dirty="0">
-                <a:solidFill>
-                  <a:srgbClr val="990000"/>
-                </a:solidFill>
-                <a:latin typeface="Courier New" pitchFamily="49" charset="0"/>
-              </a:rPr>
-              <a:t>*/</a:t>
-            </a:r>
-            <a:endParaRPr lang="en-US" sz="1600" dirty="0">
-              <a:solidFill>
-                <a:srgbClr val="990000"/>
-              </a:solidFill>
-              <a:latin typeface="Courier New" pitchFamily="49" charset="0"/>
-            </a:endParaRPr>
+              <a:t>/* standard error  (descriptor 2) */</a:t>
+            </a:r>
           </a:p>
           <a:p>
             <a:pPr algn="l"/>
@@ -27281,10 +27395,40 @@
           </a:p>
         </p:txBody>
       </p:sp>
+      <p:sp>
+        <p:nvSpPr>
+          <p:cNvPr id="5" name="Номер слайда 5"/>
+          <p:cNvSpPr>
+            <a:spLocks noGrp="1"/>
+          </p:cNvSpPr>
+          <p:nvPr>
+            <p:ph type="sldNum" sz="quarter" idx="12"/>
+          </p:nvPr>
+        </p:nvSpPr>
+        <p:spPr>
+          <a:xfrm>
+            <a:off x="10776031" y="6190938"/>
+            <a:ext cx="594673" cy="479419"/>
+          </a:xfrm>
+        </p:spPr>
+        <p:txBody>
+          <a:bodyPr/>
+          <a:lstStyle/>
+          <a:p>
+            <a:pPr algn="ctr"/>
+            <a:fld id="{1397BFD8-F312-4EF2-A268-44FB4BDDBBB0}" type="slidenum">
+              <a:rPr lang="ru-RU" smtClean="0"/>
+              <a:pPr algn="ctr"/>
+              <a:t>29</a:t>
+            </a:fld>
+            <a:endParaRPr lang="ru-RU" dirty="0"/>
+          </a:p>
+        </p:txBody>
+      </p:sp>
     </p:spTree>
     <p:extLst>
       <p:ext uri="{BB962C8B-B14F-4D97-AF65-F5344CB8AC3E}">
-        <p14:creationId xmlns:p14="http://schemas.microsoft.com/office/powerpoint/2010/main" val="2883600697"/>
+        <p14:creationId xmlns:p14="http://schemas.microsoft.com/office/powerpoint/2010/main" xmlns="" val="2883600697"/>
       </p:ext>
     </p:extLst>
   </p:cSld>
@@ -27967,34 +28111,46 @@
                   </a:solidFill>
                   <a:latin typeface="Calibri" pitchFamily="34" charset="0"/>
                 </a:rPr>
-                <a:t>Current </a:t>
-              </a:r>
-              <a:r>
-                <a:rPr lang="en-US" sz="2400" dirty="0">
-                  <a:solidFill>
-                    <a:srgbClr val="1E3272"/>
-                  </a:solidFill>
-                  <a:latin typeface="Calibri" pitchFamily="34" charset="0"/>
-                </a:rPr>
-                <a:t>file position </a:t>
-              </a:r>
-              <a:r>
-                <a:rPr lang="en-US" sz="2400" dirty="0">
-                  <a:solidFill>
-                    <a:srgbClr val="1E3272"/>
-                  </a:solidFill>
-                  <a:latin typeface="Calibri" pitchFamily="34" charset="0"/>
-                </a:rPr>
-                <a:t>= k</a:t>
+                <a:t>Current file position = k</a:t>
               </a:r>
             </a:p>
           </p:txBody>
         </p:sp>
       </p:grpSp>
+      <p:sp>
+        <p:nvSpPr>
+          <p:cNvPr id="14" name="Номер слайда 5"/>
+          <p:cNvSpPr>
+            <a:spLocks noGrp="1"/>
+          </p:cNvSpPr>
+          <p:nvPr>
+            <p:ph type="sldNum" sz="quarter" idx="12"/>
+          </p:nvPr>
+        </p:nvSpPr>
+        <p:spPr>
+          <a:xfrm>
+            <a:off x="10776031" y="6190938"/>
+            <a:ext cx="594673" cy="479419"/>
+          </a:xfrm>
+        </p:spPr>
+        <p:txBody>
+          <a:bodyPr/>
+          <a:lstStyle/>
+          <a:p>
+            <a:pPr algn="ctr"/>
+            <a:fld id="{1397BFD8-F312-4EF2-A268-44FB4BDDBBB0}" type="slidenum">
+              <a:rPr lang="ru-RU" smtClean="0"/>
+              <a:pPr algn="ctr"/>
+              <a:t>3</a:t>
+            </a:fld>
+            <a:endParaRPr lang="ru-RU" dirty="0"/>
+          </a:p>
+        </p:txBody>
+      </p:sp>
     </p:spTree>
     <p:extLst>
       <p:ext uri="{BB962C8B-B14F-4D97-AF65-F5344CB8AC3E}">
-        <p14:creationId xmlns:p14="http://schemas.microsoft.com/office/powerpoint/2010/main" val="3488701577"/>
+        <p14:creationId xmlns:p14="http://schemas.microsoft.com/office/powerpoint/2010/main" xmlns="" val="3488701577"/>
       </p:ext>
     </p:extLst>
   </p:cSld>
@@ -28329,11 +28485,13 @@
         </p:nvSpPr>
         <p:spPr/>
         <p:txBody>
-          <a:bodyPr/>
-          <a:lstStyle/>
-          <a:p>
-            <a:r>
-              <a:rPr lang="en-US" dirty="0"/>
+          <a:bodyPr>
+            <a:normAutofit/>
+          </a:bodyPr>
+          <a:lstStyle/>
+          <a:p>
+            <a:r>
+              <a:rPr lang="en-US" sz="4400" dirty="0"/>
               <a:t>Buffered I/O: Motivation</a:t>
             </a:r>
           </a:p>
@@ -28702,10 +28860,40 @@
           </a:p>
         </p:txBody>
       </p:sp>
+      <p:sp>
+        <p:nvSpPr>
+          <p:cNvPr id="12" name="Номер слайда 5"/>
+          <p:cNvSpPr>
+            <a:spLocks noGrp="1"/>
+          </p:cNvSpPr>
+          <p:nvPr>
+            <p:ph type="sldNum" sz="quarter" idx="12"/>
+          </p:nvPr>
+        </p:nvSpPr>
+        <p:spPr>
+          <a:xfrm>
+            <a:off x="10776031" y="6190938"/>
+            <a:ext cx="594673" cy="479419"/>
+          </a:xfrm>
+        </p:spPr>
+        <p:txBody>
+          <a:bodyPr/>
+          <a:lstStyle/>
+          <a:p>
+            <a:pPr algn="ctr"/>
+            <a:fld id="{1397BFD8-F312-4EF2-A268-44FB4BDDBBB0}" type="slidenum">
+              <a:rPr lang="ru-RU" smtClean="0"/>
+              <a:pPr algn="ctr"/>
+              <a:t>30</a:t>
+            </a:fld>
+            <a:endParaRPr lang="ru-RU" dirty="0"/>
+          </a:p>
+        </p:txBody>
+      </p:sp>
     </p:spTree>
     <p:extLst>
       <p:ext uri="{BB962C8B-B14F-4D97-AF65-F5344CB8AC3E}">
-        <p14:creationId xmlns:p14="http://schemas.microsoft.com/office/powerpoint/2010/main" val="3090846428"/>
+        <p14:creationId xmlns:p14="http://schemas.microsoft.com/office/powerpoint/2010/main" xmlns="" val="3090846428"/>
       </p:ext>
     </p:extLst>
   </p:cSld>
@@ -28763,7 +28951,7 @@
           <a:lstStyle/>
           <a:p>
             <a:r>
-              <a:rPr lang="en-US" dirty="0"/>
+              <a:rPr lang="en-US" sz="4400" dirty="0"/>
               <a:t>Buffering in Standard I/O</a:t>
             </a:r>
           </a:p>
@@ -30073,27 +30261,45 @@
               <a:rPr lang="en-US" dirty="0">
                 <a:latin typeface="Courier New" pitchFamily="49" charset="0"/>
               </a:rPr>
-              <a:t>, </a:t>
-            </a:r>
-            <a:r>
-              <a:rPr lang="en-US" dirty="0">
-                <a:latin typeface="Courier New" pitchFamily="49" charset="0"/>
-              </a:rPr>
-              <a:t>6</a:t>
-            </a:r>
-            <a:r>
-              <a:rPr lang="en-US" dirty="0">
-                <a:latin typeface="Courier New" pitchFamily="49" charset="0"/>
-              </a:rPr>
-              <a:t>);</a:t>
-            </a:r>
+              <a:t>, 6);</a:t>
+            </a:r>
+          </a:p>
+        </p:txBody>
+      </p:sp>
+      <p:sp>
+        <p:nvSpPr>
+          <p:cNvPr id="29" name="Номер слайда 5"/>
+          <p:cNvSpPr>
+            <a:spLocks noGrp="1"/>
+          </p:cNvSpPr>
+          <p:nvPr>
+            <p:ph type="sldNum" sz="quarter" idx="12"/>
+          </p:nvPr>
+        </p:nvSpPr>
+        <p:spPr>
+          <a:xfrm>
+            <a:off x="10776031" y="6190938"/>
+            <a:ext cx="594673" cy="479419"/>
+          </a:xfrm>
+        </p:spPr>
+        <p:txBody>
+          <a:bodyPr/>
+          <a:lstStyle/>
+          <a:p>
+            <a:pPr algn="ctr"/>
+            <a:fld id="{1397BFD8-F312-4EF2-A268-44FB4BDDBBB0}" type="slidenum">
+              <a:rPr lang="ru-RU" smtClean="0"/>
+              <a:pPr algn="ctr"/>
+              <a:t>31</a:t>
+            </a:fld>
+            <a:endParaRPr lang="ru-RU" dirty="0"/>
           </a:p>
         </p:txBody>
       </p:sp>
     </p:spTree>
     <p:extLst>
       <p:ext uri="{BB962C8B-B14F-4D97-AF65-F5344CB8AC3E}">
-        <p14:creationId xmlns:p14="http://schemas.microsoft.com/office/powerpoint/2010/main" val="485230005"/>
+        <p14:creationId xmlns:p14="http://schemas.microsoft.com/office/powerpoint/2010/main" xmlns="" val="485230005"/>
       </p:ext>
     </p:extLst>
   </p:cSld>
@@ -30150,7 +30356,7 @@
           <a:lstStyle/>
           <a:p>
             <a:r>
-              <a:rPr lang="en-US" dirty="0"/>
+              <a:rPr lang="en-US" sz="4400" dirty="0"/>
               <a:t>Standard I/O Buffering in Action</a:t>
             </a:r>
           </a:p>
@@ -30308,19 +30514,7 @@
               <a:rPr lang="en-US" sz="1600" dirty="0">
                 <a:latin typeface="Courier New" pitchFamily="49" charset="0"/>
               </a:rPr>
-              <a:t>write(1, "hello\n", </a:t>
-            </a:r>
-            <a:r>
-              <a:rPr lang="en-US" sz="1600" dirty="0">
-                <a:latin typeface="Courier New" pitchFamily="49" charset="0"/>
-              </a:rPr>
-              <a:t>6)               </a:t>
-            </a:r>
-            <a:r>
-              <a:rPr lang="en-US" sz="1600" dirty="0">
-                <a:latin typeface="Courier New" pitchFamily="49" charset="0"/>
-              </a:rPr>
-              <a:t>= 6</a:t>
+              <a:t>write(1, "hello\n", 6)               = 6</a:t>
             </a:r>
           </a:p>
           <a:p>
@@ -30335,9 +30529,6 @@
               </a:rPr>
               <a:t>...</a:t>
             </a:r>
-            <a:endParaRPr lang="en-US" sz="1600" dirty="0">
-              <a:latin typeface="Courier New" pitchFamily="49" charset="0"/>
-            </a:endParaRPr>
           </a:p>
           <a:p>
             <a:pPr algn="l">
@@ -30349,25 +30540,7 @@
               <a:rPr lang="en-US" sz="1600" dirty="0">
                 <a:latin typeface="Courier New" pitchFamily="49" charset="0"/>
               </a:rPr>
-              <a:t>exit_group(</a:t>
-            </a:r>
-            <a:r>
-              <a:rPr lang="en-US" sz="1600" dirty="0">
-                <a:latin typeface="Courier New" pitchFamily="49" charset="0"/>
-              </a:rPr>
-              <a:t>0)                       </a:t>
-            </a:r>
-            <a:r>
-              <a:rPr lang="en-US" sz="1600" dirty="0">
-                <a:latin typeface="Courier New" pitchFamily="49" charset="0"/>
-              </a:rPr>
-              <a:t> = </a:t>
-            </a:r>
-            <a:r>
-              <a:rPr lang="en-US" sz="1600" dirty="0">
-                <a:latin typeface="Courier New" pitchFamily="49" charset="0"/>
-              </a:rPr>
-              <a:t>?</a:t>
+              <a:t>exit_group(0)                        = ?</a:t>
             </a:r>
           </a:p>
           <a:p>
@@ -30584,10 +30757,40 @@
           </a:p>
         </p:txBody>
       </p:sp>
+      <p:sp>
+        <p:nvSpPr>
+          <p:cNvPr id="6" name="Номер слайда 5"/>
+          <p:cNvSpPr>
+            <a:spLocks noGrp="1"/>
+          </p:cNvSpPr>
+          <p:nvPr>
+            <p:ph type="sldNum" sz="quarter" idx="12"/>
+          </p:nvPr>
+        </p:nvSpPr>
+        <p:spPr>
+          <a:xfrm>
+            <a:off x="10776031" y="6190938"/>
+            <a:ext cx="594673" cy="479419"/>
+          </a:xfrm>
+        </p:spPr>
+        <p:txBody>
+          <a:bodyPr/>
+          <a:lstStyle/>
+          <a:p>
+            <a:pPr algn="ctr"/>
+            <a:fld id="{1397BFD8-F312-4EF2-A268-44FB4BDDBBB0}" type="slidenum">
+              <a:rPr lang="ru-RU" smtClean="0"/>
+              <a:pPr algn="ctr"/>
+              <a:t>32</a:t>
+            </a:fld>
+            <a:endParaRPr lang="ru-RU" dirty="0"/>
+          </a:p>
+        </p:txBody>
+      </p:sp>
     </p:spTree>
     <p:extLst>
       <p:ext uri="{BB962C8B-B14F-4D97-AF65-F5344CB8AC3E}">
-        <p14:creationId xmlns:p14="http://schemas.microsoft.com/office/powerpoint/2010/main" val="1425170555"/>
+        <p14:creationId xmlns:p14="http://schemas.microsoft.com/office/powerpoint/2010/main" xmlns="" val="1425170555"/>
       </p:ext>
     </p:extLst>
   </p:cSld>
@@ -30704,18 +30907,20 @@
         </p:nvSpPr>
         <p:spPr/>
         <p:txBody>
-          <a:bodyPr/>
-          <a:lstStyle/>
-          <a:p>
-            <a:r>
-              <a:rPr lang="en-US" dirty="0"/>
+          <a:bodyPr>
+            <a:normAutofit/>
+          </a:bodyPr>
+          <a:lstStyle/>
+          <a:p>
+            <a:r>
+              <a:rPr lang="en-US" sz="4400" dirty="0"/>
               <a:t>Unix I/O vs. Standard </a:t>
             </a:r>
             <a:r>
-              <a:rPr lang="en-US" dirty="0" smtClean="0"/>
+              <a:rPr lang="en-US" sz="4400" dirty="0" smtClean="0"/>
               <a:t>I/O</a:t>
             </a:r>
-            <a:endParaRPr lang="en-US" dirty="0"/>
+            <a:endParaRPr lang="en-US" sz="4400" dirty="0"/>
           </a:p>
         </p:txBody>
       </p:sp>
@@ -31240,10 +31445,40 @@
           </a:p>
         </p:txBody>
       </p:sp>
+      <p:sp>
+        <p:nvSpPr>
+          <p:cNvPr id="12" name="Номер слайда 5"/>
+          <p:cNvSpPr>
+            <a:spLocks noGrp="1"/>
+          </p:cNvSpPr>
+          <p:nvPr>
+            <p:ph type="sldNum" sz="quarter" idx="12"/>
+          </p:nvPr>
+        </p:nvSpPr>
+        <p:spPr>
+          <a:xfrm>
+            <a:off x="10776031" y="6190938"/>
+            <a:ext cx="594673" cy="479419"/>
+          </a:xfrm>
+        </p:spPr>
+        <p:txBody>
+          <a:bodyPr/>
+          <a:lstStyle/>
+          <a:p>
+            <a:pPr algn="ctr"/>
+            <a:fld id="{1397BFD8-F312-4EF2-A268-44FB4BDDBBB0}" type="slidenum">
+              <a:rPr lang="ru-RU" smtClean="0"/>
+              <a:pPr algn="ctr"/>
+              <a:t>33</a:t>
+            </a:fld>
+            <a:endParaRPr lang="ru-RU" dirty="0"/>
+          </a:p>
+        </p:txBody>
+      </p:sp>
     </p:spTree>
     <p:extLst>
       <p:ext uri="{BB962C8B-B14F-4D97-AF65-F5344CB8AC3E}">
-        <p14:creationId xmlns:p14="http://schemas.microsoft.com/office/powerpoint/2010/main" val="2026853713"/>
+        <p14:creationId xmlns:p14="http://schemas.microsoft.com/office/powerpoint/2010/main" xmlns="" val="2026853713"/>
       </p:ext>
     </p:extLst>
   </p:cSld>
@@ -31301,7 +31536,7 @@
           <a:lstStyle/>
           <a:p>
             <a:r>
-              <a:rPr lang="en-US" dirty="0"/>
+              <a:rPr lang="en-US" sz="4400" dirty="0"/>
               <a:t>Pros and Cons of Unix I/O</a:t>
             </a:r>
           </a:p>
@@ -31432,10 +31667,40 @@
           </a:p>
         </p:txBody>
       </p:sp>
+      <p:sp>
+        <p:nvSpPr>
+          <p:cNvPr id="4" name="Номер слайда 5"/>
+          <p:cNvSpPr>
+            <a:spLocks noGrp="1"/>
+          </p:cNvSpPr>
+          <p:nvPr>
+            <p:ph type="sldNum" sz="quarter" idx="12"/>
+          </p:nvPr>
+        </p:nvSpPr>
+        <p:spPr>
+          <a:xfrm>
+            <a:off x="10776031" y="6190938"/>
+            <a:ext cx="594673" cy="479419"/>
+          </a:xfrm>
+        </p:spPr>
+        <p:txBody>
+          <a:bodyPr/>
+          <a:lstStyle/>
+          <a:p>
+            <a:pPr algn="ctr"/>
+            <a:fld id="{1397BFD8-F312-4EF2-A268-44FB4BDDBBB0}" type="slidenum">
+              <a:rPr lang="ru-RU" smtClean="0"/>
+              <a:pPr algn="ctr"/>
+              <a:t>34</a:t>
+            </a:fld>
+            <a:endParaRPr lang="ru-RU" dirty="0"/>
+          </a:p>
+        </p:txBody>
+      </p:sp>
     </p:spTree>
     <p:extLst>
       <p:ext uri="{BB962C8B-B14F-4D97-AF65-F5344CB8AC3E}">
-        <p14:creationId xmlns:p14="http://schemas.microsoft.com/office/powerpoint/2010/main" val="4252372761"/>
+        <p14:creationId xmlns:p14="http://schemas.microsoft.com/office/powerpoint/2010/main" xmlns="" val="4252372761"/>
       </p:ext>
     </p:extLst>
   </p:cSld>
@@ -31613,10 +31878,40 @@
           </a:p>
         </p:txBody>
       </p:sp>
+      <p:sp>
+        <p:nvSpPr>
+          <p:cNvPr id="4" name="Номер слайда 5"/>
+          <p:cNvSpPr>
+            <a:spLocks noGrp="1"/>
+          </p:cNvSpPr>
+          <p:nvPr>
+            <p:ph type="sldNum" sz="quarter" idx="12"/>
+          </p:nvPr>
+        </p:nvSpPr>
+        <p:spPr>
+          <a:xfrm>
+            <a:off x="10776031" y="6190938"/>
+            <a:ext cx="594673" cy="479419"/>
+          </a:xfrm>
+        </p:spPr>
+        <p:txBody>
+          <a:bodyPr/>
+          <a:lstStyle/>
+          <a:p>
+            <a:pPr algn="ctr"/>
+            <a:fld id="{1397BFD8-F312-4EF2-A268-44FB4BDDBBB0}" type="slidenum">
+              <a:rPr lang="ru-RU" smtClean="0"/>
+              <a:pPr algn="ctr"/>
+              <a:t>35</a:t>
+            </a:fld>
+            <a:endParaRPr lang="ru-RU" dirty="0"/>
+          </a:p>
+        </p:txBody>
+      </p:sp>
     </p:spTree>
     <p:extLst>
       <p:ext uri="{BB962C8B-B14F-4D97-AF65-F5344CB8AC3E}">
-        <p14:creationId xmlns:p14="http://schemas.microsoft.com/office/powerpoint/2010/main" val="2846675682"/>
+        <p14:creationId xmlns:p14="http://schemas.microsoft.com/office/powerpoint/2010/main" xmlns="" val="2846675682"/>
       </p:ext>
     </p:extLst>
   </p:cSld>
@@ -31833,10 +32128,40 @@
           </a:p>
         </p:txBody>
       </p:sp>
+      <p:sp>
+        <p:nvSpPr>
+          <p:cNvPr id="5" name="Номер слайда 5"/>
+          <p:cNvSpPr>
+            <a:spLocks noGrp="1"/>
+          </p:cNvSpPr>
+          <p:nvPr>
+            <p:ph type="sldNum" sz="quarter" idx="12"/>
+          </p:nvPr>
+        </p:nvSpPr>
+        <p:spPr>
+          <a:xfrm>
+            <a:off x="10776031" y="6190938"/>
+            <a:ext cx="594673" cy="479419"/>
+          </a:xfrm>
+        </p:spPr>
+        <p:txBody>
+          <a:bodyPr/>
+          <a:lstStyle/>
+          <a:p>
+            <a:pPr algn="ctr"/>
+            <a:fld id="{1397BFD8-F312-4EF2-A268-44FB4BDDBBB0}" type="slidenum">
+              <a:rPr lang="ru-RU" smtClean="0"/>
+              <a:pPr algn="ctr"/>
+              <a:t>36</a:t>
+            </a:fld>
+            <a:endParaRPr lang="ru-RU" dirty="0"/>
+          </a:p>
+        </p:txBody>
+      </p:sp>
     </p:spTree>
     <p:extLst>
       <p:ext uri="{BB962C8B-B14F-4D97-AF65-F5344CB8AC3E}">
-        <p14:creationId xmlns:p14="http://schemas.microsoft.com/office/powerpoint/2010/main" val="883320545"/>
+        <p14:creationId xmlns:p14="http://schemas.microsoft.com/office/powerpoint/2010/main" xmlns="" val="883320545"/>
       </p:ext>
     </p:extLst>
   </p:cSld>
@@ -31954,11 +32279,7 @@
             </a:r>
             <a:r>
               <a:rPr lang="en-US" dirty="0" smtClean="0"/>
-              <a:t>O such as </a:t>
-            </a:r>
-            <a:r>
-              <a:rPr lang="en-US" dirty="0" smtClean="0"/>
-              <a:t> </a:t>
+              <a:t>O such as  </a:t>
             </a:r>
             <a:r>
               <a:rPr lang="en-US" b="1" dirty="0" err="1" smtClean="0">
@@ -31990,13 +32311,8 @@
             <a:pPr lvl="2"/>
             <a:r>
               <a:rPr lang="en-US" dirty="0" smtClean="0"/>
-              <a:t>Interpret EOL </a:t>
-            </a:r>
-            <a:r>
-              <a:rPr lang="en-US" dirty="0" smtClean="0"/>
-              <a:t>characters</a:t>
-            </a:r>
-            <a:endParaRPr lang="en-US" dirty="0" smtClean="0"/>
+              <a:t>Interpret EOL characters</a:t>
+            </a:r>
           </a:p>
           <a:p>
             <a:pPr lvl="1"/>
@@ -32064,10 +32380,40 @@
           </a:p>
         </p:txBody>
       </p:sp>
+      <p:sp>
+        <p:nvSpPr>
+          <p:cNvPr id="4" name="Номер слайда 5"/>
+          <p:cNvSpPr>
+            <a:spLocks noGrp="1"/>
+          </p:cNvSpPr>
+          <p:nvPr>
+            <p:ph type="sldNum" sz="quarter" idx="12"/>
+          </p:nvPr>
+        </p:nvSpPr>
+        <p:spPr>
+          <a:xfrm>
+            <a:off x="10776031" y="6190938"/>
+            <a:ext cx="594673" cy="479419"/>
+          </a:xfrm>
+        </p:spPr>
+        <p:txBody>
+          <a:bodyPr/>
+          <a:lstStyle/>
+          <a:p>
+            <a:pPr algn="ctr"/>
+            <a:fld id="{1397BFD8-F312-4EF2-A268-44FB4BDDBBB0}" type="slidenum">
+              <a:rPr lang="ru-RU" smtClean="0"/>
+              <a:pPr algn="ctr"/>
+              <a:t>37</a:t>
+            </a:fld>
+            <a:endParaRPr lang="ru-RU" dirty="0"/>
+          </a:p>
+        </p:txBody>
+      </p:sp>
     </p:spTree>
     <p:extLst>
       <p:ext uri="{BB962C8B-B14F-4D97-AF65-F5344CB8AC3E}">
-        <p14:creationId xmlns:p14="http://schemas.microsoft.com/office/powerpoint/2010/main" val="2828342408"/>
+        <p14:creationId xmlns:p14="http://schemas.microsoft.com/office/powerpoint/2010/main" xmlns="" val="2828342408"/>
       </p:ext>
     </p:extLst>
   </p:cSld>
@@ -32496,10 +32842,40 @@
           </a:p>
         </p:txBody>
       </p:sp>
+      <p:sp>
+        <p:nvSpPr>
+          <p:cNvPr id="6" name="Номер слайда 5"/>
+          <p:cNvSpPr>
+            <a:spLocks noGrp="1"/>
+          </p:cNvSpPr>
+          <p:nvPr>
+            <p:ph type="sldNum" sz="quarter" idx="12"/>
+          </p:nvPr>
+        </p:nvSpPr>
+        <p:spPr>
+          <a:xfrm>
+            <a:off x="10776031" y="6190938"/>
+            <a:ext cx="594673" cy="479419"/>
+          </a:xfrm>
+        </p:spPr>
+        <p:txBody>
+          <a:bodyPr/>
+          <a:lstStyle/>
+          <a:p>
+            <a:pPr algn="ctr"/>
+            <a:fld id="{1397BFD8-F312-4EF2-A268-44FB4BDDBBB0}" type="slidenum">
+              <a:rPr lang="ru-RU" smtClean="0"/>
+              <a:pPr algn="ctr"/>
+              <a:t>38</a:t>
+            </a:fld>
+            <a:endParaRPr lang="ru-RU" dirty="0"/>
+          </a:p>
+        </p:txBody>
+      </p:sp>
     </p:spTree>
     <p:extLst>
       <p:ext uri="{BB962C8B-B14F-4D97-AF65-F5344CB8AC3E}">
-        <p14:creationId xmlns:p14="http://schemas.microsoft.com/office/powerpoint/2010/main" val="1486933087"/>
+        <p14:creationId xmlns:p14="http://schemas.microsoft.com/office/powerpoint/2010/main" xmlns="" val="1486933087"/>
       </p:ext>
     </p:extLst>
   </p:cSld>
@@ -32751,13 +33127,7 @@
               <a:rPr lang="en-US" sz="1600" dirty="0">
                 <a:latin typeface="Courier New" pitchFamily="49" charset="0"/>
               </a:rPr>
-              <a:t>    if (fork()) </a:t>
-            </a:r>
-            <a:r>
-              <a:rPr lang="en-US" sz="1600" dirty="0">
-                <a:latin typeface="Courier New" pitchFamily="49" charset="0"/>
-              </a:rPr>
-              <a:t>{ </a:t>
+              <a:t>    if (fork()) { </a:t>
             </a:r>
             <a:r>
               <a:rPr lang="en-US" sz="1600" dirty="0">
@@ -32766,7 +33136,51 @@
                 </a:solidFill>
                 <a:latin typeface="Courier New" pitchFamily="49" charset="0"/>
               </a:rPr>
-              <a:t>/* </a:t>
+              <a:t>/* Parent */</a:t>
+            </a:r>
+          </a:p>
+          <a:p>
+            <a:r>
+              <a:rPr lang="en-US" sz="1600" dirty="0">
+                <a:latin typeface="Courier New" pitchFamily="49" charset="0"/>
+              </a:rPr>
+              <a:t>        sleep(s);</a:t>
+            </a:r>
+          </a:p>
+          <a:p>
+            <a:r>
+              <a:rPr lang="en-US" sz="1600" dirty="0">
+                <a:latin typeface="Courier New" pitchFamily="49" charset="0"/>
+              </a:rPr>
+              <a:t>        </a:t>
+            </a:r>
+            <a:r>
+              <a:rPr lang="en-US" sz="1600" dirty="0" smtClean="0">
+                <a:latin typeface="Courier New" pitchFamily="49" charset="0"/>
+              </a:rPr>
+              <a:t>read(fd1</a:t>
+            </a:r>
+            <a:r>
+              <a:rPr lang="en-US" sz="1600" dirty="0">
+                <a:latin typeface="Courier New" pitchFamily="49" charset="0"/>
+              </a:rPr>
+              <a:t>, &amp;c2, 1);</a:t>
+            </a:r>
+          </a:p>
+          <a:p>
+            <a:r>
+              <a:rPr lang="en-US" sz="1600" dirty="0">
+                <a:latin typeface="Courier New" pitchFamily="49" charset="0"/>
+              </a:rPr>
+              <a:t>        printf("Parent: c1 = %c, c2 = %c\n", c1, c2);</a:t>
+            </a:r>
+          </a:p>
+          <a:p>
+            <a:r>
+              <a:rPr lang="en-US" sz="1600" dirty="0">
+                <a:latin typeface="Courier New" pitchFamily="49" charset="0"/>
+              </a:rPr>
+              <a:t>    } else { </a:t>
             </a:r>
             <a:r>
               <a:rPr lang="en-US" sz="1600" dirty="0">
@@ -32775,75 +33189,7 @@
                 </a:solidFill>
                 <a:latin typeface="Courier New" pitchFamily="49" charset="0"/>
               </a:rPr>
-              <a:t>Parent */</a:t>
-            </a:r>
-          </a:p>
-          <a:p>
-            <a:r>
-              <a:rPr lang="en-US" sz="1600" dirty="0">
-                <a:latin typeface="Courier New" pitchFamily="49" charset="0"/>
-              </a:rPr>
-              <a:t>        sleep(s);</a:t>
-            </a:r>
-          </a:p>
-          <a:p>
-            <a:r>
-              <a:rPr lang="en-US" sz="1600" dirty="0">
-                <a:latin typeface="Courier New" pitchFamily="49" charset="0"/>
-              </a:rPr>
-              <a:t>        </a:t>
-            </a:r>
-            <a:r>
-              <a:rPr lang="en-US" sz="1600" dirty="0" smtClean="0">
-                <a:latin typeface="Courier New" pitchFamily="49" charset="0"/>
-              </a:rPr>
-              <a:t>read(fd1</a:t>
-            </a:r>
-            <a:r>
-              <a:rPr lang="en-US" sz="1600" dirty="0">
-                <a:latin typeface="Courier New" pitchFamily="49" charset="0"/>
-              </a:rPr>
-              <a:t>, &amp;c2, 1);</a:t>
-            </a:r>
-          </a:p>
-          <a:p>
-            <a:r>
-              <a:rPr lang="en-US" sz="1600" dirty="0">
-                <a:latin typeface="Courier New" pitchFamily="49" charset="0"/>
-              </a:rPr>
-              <a:t>        printf("Parent: c1 = %c, c2 = %c\n", c1, c2);</a:t>
-            </a:r>
-          </a:p>
-          <a:p>
-            <a:r>
-              <a:rPr lang="en-US" sz="1600" dirty="0">
-                <a:latin typeface="Courier New" pitchFamily="49" charset="0"/>
-              </a:rPr>
-              <a:t>    } else </a:t>
-            </a:r>
-            <a:r>
-              <a:rPr lang="en-US" sz="1600" dirty="0">
-                <a:latin typeface="Courier New" pitchFamily="49" charset="0"/>
-              </a:rPr>
-              <a:t>{ </a:t>
-            </a:r>
-            <a:r>
-              <a:rPr lang="en-US" sz="1600" dirty="0">
-                <a:solidFill>
-                  <a:srgbClr val="990000"/>
-                </a:solidFill>
-                <a:latin typeface="Courier New" pitchFamily="49" charset="0"/>
-              </a:rPr>
-              <a:t>/* </a:t>
-            </a:r>
-            <a:r>
-              <a:rPr lang="en-US" sz="1600" dirty="0">
-                <a:solidFill>
-                  <a:srgbClr val="990000"/>
-                </a:solidFill>
-                <a:latin typeface="Courier New" pitchFamily="49" charset="0"/>
-              </a:rPr>
-              <a:t>Child */</a:t>
+              <a:t>/* Child */</a:t>
             </a:r>
           </a:p>
           <a:p>
@@ -32946,10 +33292,40 @@
           </a:p>
         </p:txBody>
       </p:sp>
+      <p:sp>
+        <p:nvSpPr>
+          <p:cNvPr id="6" name="Номер слайда 5"/>
+          <p:cNvSpPr>
+            <a:spLocks noGrp="1"/>
+          </p:cNvSpPr>
+          <p:nvPr>
+            <p:ph type="sldNum" sz="quarter" idx="12"/>
+          </p:nvPr>
+        </p:nvSpPr>
+        <p:spPr>
+          <a:xfrm>
+            <a:off x="10776031" y="6190938"/>
+            <a:ext cx="594673" cy="479419"/>
+          </a:xfrm>
+        </p:spPr>
+        <p:txBody>
+          <a:bodyPr/>
+          <a:lstStyle/>
+          <a:p>
+            <a:pPr algn="ctr"/>
+            <a:fld id="{1397BFD8-F312-4EF2-A268-44FB4BDDBBB0}" type="slidenum">
+              <a:rPr lang="ru-RU" smtClean="0"/>
+              <a:pPr algn="ctr"/>
+              <a:t>39</a:t>
+            </a:fld>
+            <a:endParaRPr lang="ru-RU" dirty="0"/>
+          </a:p>
+        </p:txBody>
+      </p:sp>
     </p:spTree>
     <p:extLst>
       <p:ext uri="{BB962C8B-B14F-4D97-AF65-F5344CB8AC3E}">
-        <p14:creationId xmlns:p14="http://schemas.microsoft.com/office/powerpoint/2010/main" val="3407035449"/>
+        <p14:creationId xmlns:p14="http://schemas.microsoft.com/office/powerpoint/2010/main" xmlns="" val="3407035449"/>
       </p:ext>
     </p:extLst>
   </p:cSld>
@@ -33067,15 +33443,7 @@
           <a:p>
             <a:r>
               <a:rPr lang="en-US" dirty="0" smtClean="0"/>
-              <a:t>Other </a:t>
-            </a:r>
-            <a:r>
-              <a:rPr lang="en-US" dirty="0" smtClean="0"/>
-              <a:t>file </a:t>
-            </a:r>
-            <a:r>
-              <a:rPr lang="en-US" dirty="0" smtClean="0"/>
-              <a:t>types</a:t>
+              <a:t>Other file types</a:t>
             </a:r>
           </a:p>
           <a:p>
@@ -33089,22 +33457,14 @@
             <a:pPr lvl="1"/>
             <a:r>
               <a:rPr lang="en-US" i="1" dirty="0" smtClean="0"/>
-              <a:t>Symbolic </a:t>
-            </a:r>
+              <a:t>Symbolic links</a:t>
+            </a:r>
+          </a:p>
+          <a:p>
+            <a:pPr lvl="1"/>
             <a:r>
               <a:rPr lang="en-US" i="1" dirty="0" smtClean="0"/>
-              <a:t>links</a:t>
-            </a:r>
-          </a:p>
-          <a:p>
-            <a:pPr lvl="1"/>
-            <a:r>
-              <a:rPr lang="en-US" i="1" dirty="0" smtClean="0"/>
-              <a:t>Character and block </a:t>
-            </a:r>
-            <a:r>
-              <a:rPr lang="en-US" i="1" dirty="0" smtClean="0"/>
-              <a:t>devices</a:t>
+              <a:t>Character and block devices</a:t>
             </a:r>
           </a:p>
           <a:p>
@@ -33121,13 +33481,43 @@
           <a:p>
             <a:pPr lvl="1"/>
             <a:endParaRPr lang="en-US" i="1" dirty="0" smtClean="0"/>
+          </a:p>
+        </p:txBody>
+      </p:sp>
+      <p:sp>
+        <p:nvSpPr>
+          <p:cNvPr id="4" name="Номер слайда 5"/>
+          <p:cNvSpPr>
+            <a:spLocks noGrp="1"/>
+          </p:cNvSpPr>
+          <p:nvPr>
+            <p:ph type="sldNum" sz="quarter" idx="12"/>
+          </p:nvPr>
+        </p:nvSpPr>
+        <p:spPr>
+          <a:xfrm>
+            <a:off x="10776031" y="6190938"/>
+            <a:ext cx="594673" cy="479419"/>
+          </a:xfrm>
+        </p:spPr>
+        <p:txBody>
+          <a:bodyPr/>
+          <a:lstStyle/>
+          <a:p>
+            <a:pPr algn="ctr"/>
+            <a:fld id="{1397BFD8-F312-4EF2-A268-44FB4BDDBBB0}" type="slidenum">
+              <a:rPr lang="ru-RU" smtClean="0"/>
+              <a:pPr algn="ctr"/>
+              <a:t>4</a:t>
+            </a:fld>
+            <a:endParaRPr lang="ru-RU" dirty="0"/>
           </a:p>
         </p:txBody>
       </p:sp>
     </p:spTree>
     <p:extLst>
       <p:ext uri="{BB962C8B-B14F-4D97-AF65-F5344CB8AC3E}">
-        <p14:creationId xmlns:p14="http://schemas.microsoft.com/office/powerpoint/2010/main" val="4040223926"/>
+        <p14:creationId xmlns:p14="http://schemas.microsoft.com/office/powerpoint/2010/main" xmlns="" val="4040223926"/>
       </p:ext>
     </p:extLst>
   </p:cSld>
@@ -33369,65 +33759,53 @@
               <a:rPr lang="en-US" sz="1600" dirty="0">
                 <a:latin typeface="Courier New" pitchFamily="49" charset="0"/>
               </a:rPr>
-              <a:t>, "</a:t>
-            </a:r>
+              <a:t>, "pqrs", 4);</a:t>
+            </a:r>
+          </a:p>
+          <a:p>
             <a:r>
               <a:rPr lang="en-US" sz="1600" dirty="0">
                 <a:latin typeface="Courier New" pitchFamily="49" charset="0"/>
               </a:rPr>
-              <a:t>pqrs", 4);</a:t>
-            </a:r>
-          </a:p>
-          <a:p>
+              <a:t>    fd3 = </a:t>
+            </a:r>
+            <a:r>
+              <a:rPr lang="en-US" sz="1600" dirty="0" smtClean="0">
+                <a:latin typeface="Courier New" pitchFamily="49" charset="0"/>
+              </a:rPr>
+              <a:t>open(</a:t>
+            </a:r>
+            <a:r>
+              <a:rPr lang="en-US" sz="1600" dirty="0" err="1" smtClean="0">
+                <a:latin typeface="Courier New" pitchFamily="49" charset="0"/>
+              </a:rPr>
+              <a:t>fname</a:t>
+            </a:r>
             <a:r>
               <a:rPr lang="en-US" sz="1600" dirty="0">
                 <a:latin typeface="Courier New" pitchFamily="49" charset="0"/>
               </a:rPr>
-              <a:t>    fd3 = </a:t>
+              <a:t>, O_APPEND|O_WRONLY, 0);</a:t>
+            </a:r>
+          </a:p>
+          <a:p>
+            <a:r>
+              <a:rPr lang="en-US" sz="1600" dirty="0">
+                <a:latin typeface="Courier New" pitchFamily="49" charset="0"/>
+              </a:rPr>
+              <a:t>    </a:t>
             </a:r>
             <a:r>
               <a:rPr lang="en-US" sz="1600" dirty="0" smtClean="0">
                 <a:latin typeface="Courier New" pitchFamily="49" charset="0"/>
               </a:rPr>
-              <a:t>open(</a:t>
-            </a:r>
-            <a:r>
-              <a:rPr lang="en-US" sz="1600" dirty="0" err="1" smtClean="0">
-                <a:latin typeface="Courier New" pitchFamily="49" charset="0"/>
-              </a:rPr>
-              <a:t>fname</a:t>
+              <a:t>write(fd3</a:t>
             </a:r>
             <a:r>
               <a:rPr lang="en-US" sz="1600" dirty="0">
                 <a:latin typeface="Courier New" pitchFamily="49" charset="0"/>
               </a:rPr>
-              <a:t>, O_APPEND|O_WRONLY, 0);</a:t>
-            </a:r>
-          </a:p>
-          <a:p>
-            <a:r>
-              <a:rPr lang="en-US" sz="1600" dirty="0">
-                <a:latin typeface="Courier New" pitchFamily="49" charset="0"/>
-              </a:rPr>
-              <a:t>    </a:t>
-            </a:r>
-            <a:r>
-              <a:rPr lang="en-US" sz="1600" dirty="0" smtClean="0">
-                <a:latin typeface="Courier New" pitchFamily="49" charset="0"/>
-              </a:rPr>
-              <a:t>write(fd3</a:t>
-            </a:r>
-            <a:r>
-              <a:rPr lang="en-US" sz="1600" dirty="0">
-                <a:latin typeface="Courier New" pitchFamily="49" charset="0"/>
-              </a:rPr>
-              <a:t>, "</a:t>
-            </a:r>
-            <a:r>
-              <a:rPr lang="en-US" sz="1600" dirty="0">
-                <a:latin typeface="Courier New" pitchFamily="49" charset="0"/>
-              </a:rPr>
-              <a:t>jklmn", 5);</a:t>
+              <a:t>, "jklmn", 5);</a:t>
             </a:r>
           </a:p>
           <a:p>
@@ -33464,39 +33842,27 @@
               <a:rPr lang="en-US" sz="1600" dirty="0">
                 <a:latin typeface="Courier New" pitchFamily="49" charset="0"/>
               </a:rPr>
-              <a:t>, "</a:t>
-            </a:r>
+              <a:t>, "wxyz", 4);</a:t>
+            </a:r>
+          </a:p>
+          <a:p>
             <a:r>
               <a:rPr lang="en-US" sz="1600" dirty="0">
                 <a:latin typeface="Courier New" pitchFamily="49" charset="0"/>
               </a:rPr>
-              <a:t>wxyz", 4);</a:t>
-            </a:r>
-          </a:p>
-          <a:p>
+              <a:t>    </a:t>
+            </a:r>
+            <a:r>
+              <a:rPr lang="en-US" sz="1600" dirty="0" smtClean="0">
+                <a:latin typeface="Courier New" pitchFamily="49" charset="0"/>
+              </a:rPr>
+              <a:t>write(fd3</a:t>
+            </a:r>
             <a:r>
               <a:rPr lang="en-US" sz="1600" dirty="0">
                 <a:latin typeface="Courier New" pitchFamily="49" charset="0"/>
               </a:rPr>
-              <a:t>    </a:t>
-            </a:r>
-            <a:r>
-              <a:rPr lang="en-US" sz="1600" dirty="0" smtClean="0">
-                <a:latin typeface="Courier New" pitchFamily="49" charset="0"/>
-              </a:rPr>
-              <a:t>write(fd3</a:t>
-            </a:r>
-            <a:r>
-              <a:rPr lang="en-US" sz="1600" dirty="0">
-                <a:latin typeface="Courier New" pitchFamily="49" charset="0"/>
-              </a:rPr>
-              <a:t>, "</a:t>
-            </a:r>
-            <a:r>
-              <a:rPr lang="en-US" sz="1600" dirty="0">
-                <a:latin typeface="Courier New" pitchFamily="49" charset="0"/>
-              </a:rPr>
-              <a:t>ef", 2);</a:t>
+              <a:t>, "ef", 2);</a:t>
             </a:r>
           </a:p>
           <a:p>
@@ -33555,10 +33921,40 @@
           </a:p>
         </p:txBody>
       </p:sp>
+      <p:sp>
+        <p:nvSpPr>
+          <p:cNvPr id="6" name="Номер слайда 5"/>
+          <p:cNvSpPr>
+            <a:spLocks noGrp="1"/>
+          </p:cNvSpPr>
+          <p:nvPr>
+            <p:ph type="sldNum" sz="quarter" idx="12"/>
+          </p:nvPr>
+        </p:nvSpPr>
+        <p:spPr>
+          <a:xfrm>
+            <a:off x="10776031" y="6190938"/>
+            <a:ext cx="594673" cy="479419"/>
+          </a:xfrm>
+        </p:spPr>
+        <p:txBody>
+          <a:bodyPr/>
+          <a:lstStyle/>
+          <a:p>
+            <a:pPr algn="ctr"/>
+            <a:fld id="{1397BFD8-F312-4EF2-A268-44FB4BDDBBB0}" type="slidenum">
+              <a:rPr lang="ru-RU" smtClean="0"/>
+              <a:pPr algn="ctr"/>
+              <a:t>40</a:t>
+            </a:fld>
+            <a:endParaRPr lang="ru-RU" dirty="0"/>
+          </a:p>
+        </p:txBody>
+      </p:sp>
     </p:spTree>
     <p:extLst>
       <p:ext uri="{BB962C8B-B14F-4D97-AF65-F5344CB8AC3E}">
-        <p14:creationId xmlns:p14="http://schemas.microsoft.com/office/powerpoint/2010/main" val="2571870480"/>
+        <p14:creationId xmlns:p14="http://schemas.microsoft.com/office/powerpoint/2010/main" xmlns="" val="2571870480"/>
       </p:ext>
     </p:extLst>
   </p:cSld>
@@ -33849,10 +34245,40 @@
           </a:p>
         </p:txBody>
       </p:sp>
+      <p:sp>
+        <p:nvSpPr>
+          <p:cNvPr id="5" name="Номер слайда 5"/>
+          <p:cNvSpPr>
+            <a:spLocks noGrp="1"/>
+          </p:cNvSpPr>
+          <p:nvPr>
+            <p:ph type="sldNum" sz="quarter" idx="12"/>
+          </p:nvPr>
+        </p:nvSpPr>
+        <p:spPr>
+          <a:xfrm>
+            <a:off x="10776031" y="6190938"/>
+            <a:ext cx="594673" cy="479419"/>
+          </a:xfrm>
+        </p:spPr>
+        <p:txBody>
+          <a:bodyPr/>
+          <a:lstStyle/>
+          <a:p>
+            <a:pPr algn="ctr"/>
+            <a:fld id="{1397BFD8-F312-4EF2-A268-44FB4BDDBBB0}" type="slidenum">
+              <a:rPr lang="ru-RU" smtClean="0"/>
+              <a:pPr algn="ctr"/>
+              <a:t>41</a:t>
+            </a:fld>
+            <a:endParaRPr lang="ru-RU" dirty="0"/>
+          </a:p>
+        </p:txBody>
+      </p:sp>
     </p:spTree>
     <p:extLst>
       <p:ext uri="{BB962C8B-B14F-4D97-AF65-F5344CB8AC3E}">
-        <p14:creationId xmlns:p14="http://schemas.microsoft.com/office/powerpoint/2010/main" val="584827350"/>
+        <p14:creationId xmlns:p14="http://schemas.microsoft.com/office/powerpoint/2010/main" xmlns="" val="584827350"/>
       </p:ext>
     </p:extLst>
   </p:cSld>
@@ -34378,7 +34804,7 @@
     </p:spTree>
     <p:extLst>
       <p:ext uri="{BB962C8B-B14F-4D97-AF65-F5344CB8AC3E}">
-        <p14:creationId xmlns:p14="http://schemas.microsoft.com/office/powerpoint/2010/main" val="4217875043"/>
+        <p14:creationId xmlns:p14="http://schemas.microsoft.com/office/powerpoint/2010/main" xmlns="" val="4217875043"/>
       </p:ext>
     </p:extLst>
   </p:cSld>
@@ -34510,11 +34936,7 @@
             <a:pPr lvl="1"/>
             <a:r>
               <a:rPr lang="en-US" dirty="0" smtClean="0"/>
-              <a:t>Kernel </a:t>
-            </a:r>
-            <a:r>
-              <a:rPr lang="en-US" dirty="0" smtClean="0"/>
-              <a:t>does n</a:t>
+              <a:t>Kernel does n</a:t>
             </a:r>
             <a:r>
               <a:rPr lang="fr-FR" dirty="0"/>
@@ -34718,10 +35140,40 @@
           </a:p>
         </p:txBody>
       </p:sp>
+      <p:sp>
+        <p:nvSpPr>
+          <p:cNvPr id="4" name="Номер слайда 5"/>
+          <p:cNvSpPr>
+            <a:spLocks noGrp="1"/>
+          </p:cNvSpPr>
+          <p:nvPr>
+            <p:ph type="sldNum" sz="quarter" idx="12"/>
+          </p:nvPr>
+        </p:nvSpPr>
+        <p:spPr>
+          <a:xfrm>
+            <a:off x="10776031" y="6190938"/>
+            <a:ext cx="594673" cy="479419"/>
+          </a:xfrm>
+        </p:spPr>
+        <p:txBody>
+          <a:bodyPr/>
+          <a:lstStyle/>
+          <a:p>
+            <a:pPr algn="ctr"/>
+            <a:fld id="{1397BFD8-F312-4EF2-A268-44FB4BDDBBB0}" type="slidenum">
+              <a:rPr lang="ru-RU" smtClean="0"/>
+              <a:pPr algn="ctr"/>
+              <a:t>5</a:t>
+            </a:fld>
+            <a:endParaRPr lang="ru-RU" dirty="0"/>
+          </a:p>
+        </p:txBody>
+      </p:sp>
     </p:spTree>
     <p:extLst>
       <p:ext uri="{BB962C8B-B14F-4D97-AF65-F5344CB8AC3E}">
-        <p14:creationId xmlns:p14="http://schemas.microsoft.com/office/powerpoint/2010/main" val="2119399079"/>
+        <p14:creationId xmlns:p14="http://schemas.microsoft.com/office/powerpoint/2010/main" xmlns="" val="2119399079"/>
       </p:ext>
     </p:extLst>
   </p:cSld>
@@ -35232,10 +35684,40 @@
           </a:p>
         </p:txBody>
       </p:sp>
+      <p:sp>
+        <p:nvSpPr>
+          <p:cNvPr id="4" name="Номер слайда 5"/>
+          <p:cNvSpPr>
+            <a:spLocks noGrp="1"/>
+          </p:cNvSpPr>
+          <p:nvPr>
+            <p:ph type="sldNum" sz="quarter" idx="12"/>
+          </p:nvPr>
+        </p:nvSpPr>
+        <p:spPr>
+          <a:xfrm>
+            <a:off x="10776031" y="6190938"/>
+            <a:ext cx="594673" cy="479419"/>
+          </a:xfrm>
+        </p:spPr>
+        <p:txBody>
+          <a:bodyPr/>
+          <a:lstStyle/>
+          <a:p>
+            <a:pPr algn="ctr"/>
+            <a:fld id="{1397BFD8-F312-4EF2-A268-44FB4BDDBBB0}" type="slidenum">
+              <a:rPr lang="ru-RU" smtClean="0"/>
+              <a:pPr algn="ctr"/>
+              <a:t>6</a:t>
+            </a:fld>
+            <a:endParaRPr lang="ru-RU" dirty="0"/>
+          </a:p>
+        </p:txBody>
+      </p:sp>
     </p:spTree>
     <p:extLst>
       <p:ext uri="{BB962C8B-B14F-4D97-AF65-F5344CB8AC3E}">
-        <p14:creationId xmlns:p14="http://schemas.microsoft.com/office/powerpoint/2010/main" val="2713018707"/>
+        <p14:creationId xmlns:p14="http://schemas.microsoft.com/office/powerpoint/2010/main" xmlns="" val="2713018707"/>
       </p:ext>
     </p:extLst>
   </p:cSld>
@@ -35429,6 +35911,315 @@
               </a:rPr>
               <a:t>/</a:t>
             </a:r>
+          </a:p>
+        </p:txBody>
+      </p:sp>
+      <p:sp>
+        <p:nvSpPr>
+          <p:cNvPr id="116" name="TextBox 115"/>
+          <p:cNvSpPr txBox="1"/>
+          <p:nvPr/>
+        </p:nvSpPr>
+        <p:spPr>
+          <a:xfrm>
+            <a:off x="1698354" y="2494788"/>
+            <a:ext cx="677189" cy="338554"/>
+          </a:xfrm>
+          <a:prstGeom prst="rect">
+            <a:avLst/>
+          </a:prstGeom>
+          <a:noFill/>
+        </p:spPr>
+        <p:txBody>
+          <a:bodyPr wrap="none" rtlCol="0">
+            <a:spAutoFit/>
+          </a:bodyPr>
+          <a:lstStyle/>
+          <a:p>
+            <a:r>
+              <a:rPr lang="en-US" sz="1600" dirty="0">
+                <a:latin typeface="Courier New"/>
+                <a:cs typeface="Courier New"/>
+              </a:rPr>
+              <a:t>bin/</a:t>
+            </a:r>
+          </a:p>
+        </p:txBody>
+      </p:sp>
+      <p:sp>
+        <p:nvSpPr>
+          <p:cNvPr id="117" name="TextBox 116"/>
+          <p:cNvSpPr txBox="1"/>
+          <p:nvPr/>
+        </p:nvSpPr>
+        <p:spPr>
+          <a:xfrm>
+            <a:off x="2667001" y="2494788"/>
+            <a:ext cx="677189" cy="338554"/>
+          </a:xfrm>
+          <a:prstGeom prst="rect">
+            <a:avLst/>
+          </a:prstGeom>
+          <a:noFill/>
+        </p:spPr>
+        <p:txBody>
+          <a:bodyPr wrap="none" rtlCol="0">
+            <a:spAutoFit/>
+          </a:bodyPr>
+          <a:lstStyle/>
+          <a:p>
+            <a:r>
+              <a:rPr lang="en-US" sz="1600" dirty="0" err="1">
+                <a:latin typeface="Courier New"/>
+                <a:cs typeface="Courier New"/>
+              </a:rPr>
+              <a:t>dev</a:t>
+            </a:r>
+            <a:r>
+              <a:rPr lang="en-US" sz="1600" dirty="0">
+                <a:latin typeface="Courier New"/>
+                <a:cs typeface="Courier New"/>
+              </a:rPr>
+              <a:t>/</a:t>
+            </a:r>
+          </a:p>
+        </p:txBody>
+      </p:sp>
+      <p:sp>
+        <p:nvSpPr>
+          <p:cNvPr id="118" name="TextBox 117"/>
+          <p:cNvSpPr txBox="1"/>
+          <p:nvPr/>
+        </p:nvSpPr>
+        <p:spPr>
+          <a:xfrm>
+            <a:off x="3900836" y="2494788"/>
+            <a:ext cx="677189" cy="338554"/>
+          </a:xfrm>
+          <a:prstGeom prst="rect">
+            <a:avLst/>
+          </a:prstGeom>
+          <a:noFill/>
+        </p:spPr>
+        <p:txBody>
+          <a:bodyPr wrap="none" rtlCol="0">
+            <a:spAutoFit/>
+          </a:bodyPr>
+          <a:lstStyle/>
+          <a:p>
+            <a:r>
+              <a:rPr lang="en-US" sz="1600" dirty="0" err="1">
+                <a:latin typeface="Courier New"/>
+                <a:cs typeface="Courier New"/>
+              </a:rPr>
+              <a:t>etc</a:t>
+            </a:r>
+            <a:r>
+              <a:rPr lang="en-US" sz="1600" dirty="0">
+                <a:latin typeface="Courier New"/>
+                <a:cs typeface="Courier New"/>
+              </a:rPr>
+              <a:t>/</a:t>
+            </a:r>
+          </a:p>
+        </p:txBody>
+      </p:sp>
+      <p:sp>
+        <p:nvSpPr>
+          <p:cNvPr id="119" name="TextBox 118"/>
+          <p:cNvSpPr txBox="1"/>
+          <p:nvPr/>
+        </p:nvSpPr>
+        <p:spPr>
+          <a:xfrm>
+            <a:off x="5981481" y="2494788"/>
+            <a:ext cx="800319" cy="338554"/>
+          </a:xfrm>
+          <a:prstGeom prst="rect">
+            <a:avLst/>
+          </a:prstGeom>
+          <a:noFill/>
+        </p:spPr>
+        <p:txBody>
+          <a:bodyPr wrap="none" rtlCol="0">
+            <a:spAutoFit/>
+          </a:bodyPr>
+          <a:lstStyle/>
+          <a:p>
+            <a:r>
+              <a:rPr lang="en-US" sz="1600" dirty="0">
+                <a:latin typeface="Courier New"/>
+                <a:cs typeface="Courier New"/>
+              </a:rPr>
+              <a:t>home/</a:t>
+            </a:r>
+          </a:p>
+        </p:txBody>
+      </p:sp>
+      <p:sp>
+        <p:nvSpPr>
+          <p:cNvPr id="120" name="TextBox 119"/>
+          <p:cNvSpPr txBox="1"/>
+          <p:nvPr/>
+        </p:nvSpPr>
+        <p:spPr>
+          <a:xfrm>
+            <a:off x="8619212" y="2494788"/>
+            <a:ext cx="677189" cy="338554"/>
+          </a:xfrm>
+          <a:prstGeom prst="rect">
+            <a:avLst/>
+          </a:prstGeom>
+          <a:noFill/>
+        </p:spPr>
+        <p:txBody>
+          <a:bodyPr wrap="none" rtlCol="0">
+            <a:spAutoFit/>
+          </a:bodyPr>
+          <a:lstStyle/>
+          <a:p>
+            <a:r>
+              <a:rPr lang="en-US" sz="1600" dirty="0" err="1">
+                <a:latin typeface="Courier New"/>
+                <a:cs typeface="Courier New"/>
+              </a:rPr>
+              <a:t>usr</a:t>
+            </a:r>
+            <a:r>
+              <a:rPr lang="en-US" sz="1600" dirty="0">
+                <a:latin typeface="Courier New"/>
+                <a:cs typeface="Courier New"/>
+              </a:rPr>
+              <a:t>/</a:t>
+            </a:r>
+          </a:p>
+        </p:txBody>
+      </p:sp>
+      <p:sp>
+        <p:nvSpPr>
+          <p:cNvPr id="121" name="TextBox 120"/>
+          <p:cNvSpPr txBox="1"/>
+          <p:nvPr/>
+        </p:nvSpPr>
+        <p:spPr>
+          <a:xfrm>
+            <a:off x="1698354" y="3142488"/>
+            <a:ext cx="677189" cy="338554"/>
+          </a:xfrm>
+          <a:prstGeom prst="rect">
+            <a:avLst/>
+          </a:prstGeom>
+          <a:noFill/>
+        </p:spPr>
+        <p:txBody>
+          <a:bodyPr wrap="none" rtlCol="0">
+            <a:spAutoFit/>
+          </a:bodyPr>
+          <a:lstStyle/>
+          <a:p>
+            <a:r>
+              <a:rPr lang="en-US" sz="1600" dirty="0">
+                <a:latin typeface="Courier New"/>
+                <a:cs typeface="Courier New"/>
+              </a:rPr>
+              <a:t>bash</a:t>
+            </a:r>
+          </a:p>
+        </p:txBody>
+      </p:sp>
+      <p:sp>
+        <p:nvSpPr>
+          <p:cNvPr id="122" name="TextBox 121"/>
+          <p:cNvSpPr txBox="1"/>
+          <p:nvPr/>
+        </p:nvSpPr>
+        <p:spPr>
+          <a:xfrm>
+            <a:off x="2667001" y="3142488"/>
+            <a:ext cx="677189" cy="338554"/>
+          </a:xfrm>
+          <a:prstGeom prst="rect">
+            <a:avLst/>
+          </a:prstGeom>
+          <a:noFill/>
+        </p:spPr>
+        <p:txBody>
+          <a:bodyPr wrap="none" rtlCol="0">
+            <a:spAutoFit/>
+          </a:bodyPr>
+          <a:lstStyle/>
+          <a:p>
+            <a:r>
+              <a:rPr lang="en-US" sz="1600" dirty="0">
+                <a:latin typeface="Courier New"/>
+                <a:cs typeface="Courier New"/>
+              </a:rPr>
+              <a:t>tty1</a:t>
+            </a:r>
+          </a:p>
+        </p:txBody>
+      </p:sp>
+      <p:sp>
+        <p:nvSpPr>
+          <p:cNvPr id="123" name="TextBox 122"/>
+          <p:cNvSpPr txBox="1"/>
+          <p:nvPr/>
+        </p:nvSpPr>
+        <p:spPr>
+          <a:xfrm>
+            <a:off x="3481515" y="3142488"/>
+            <a:ext cx="800319" cy="338554"/>
+          </a:xfrm>
+          <a:prstGeom prst="rect">
+            <a:avLst/>
+          </a:prstGeom>
+          <a:noFill/>
+        </p:spPr>
+        <p:txBody>
+          <a:bodyPr wrap="none" rtlCol="0">
+            <a:spAutoFit/>
+          </a:bodyPr>
+          <a:lstStyle/>
+          <a:p>
+            <a:r>
+              <a:rPr lang="en-US" sz="1600" dirty="0">
+                <a:latin typeface="Courier New"/>
+                <a:cs typeface="Courier New"/>
+              </a:rPr>
+              <a:t>group</a:t>
+            </a:r>
+          </a:p>
+        </p:txBody>
+      </p:sp>
+      <p:sp>
+        <p:nvSpPr>
+          <p:cNvPr id="124" name="TextBox 123"/>
+          <p:cNvSpPr txBox="1"/>
+          <p:nvPr/>
+        </p:nvSpPr>
+        <p:spPr>
+          <a:xfrm>
+            <a:off x="4258150" y="3142488"/>
+            <a:ext cx="923450" cy="338554"/>
+          </a:xfrm>
+          <a:prstGeom prst="rect">
+            <a:avLst/>
+          </a:prstGeom>
+          <a:noFill/>
+        </p:spPr>
+        <p:txBody>
+          <a:bodyPr wrap="none" rtlCol="0">
+            <a:spAutoFit/>
+          </a:bodyPr>
+          <a:lstStyle/>
+          <a:p>
+            <a:r>
+              <a:rPr lang="en-US" sz="1600" dirty="0" err="1">
+                <a:latin typeface="Courier New"/>
+                <a:cs typeface="Courier New"/>
+              </a:rPr>
+              <a:t>passwd</a:t>
+            </a:r>
             <a:endParaRPr lang="en-US" sz="1600" dirty="0">
               <a:latin typeface="Courier New"/>
               <a:cs typeface="Courier New"/>
@@ -35438,14 +36229,14 @@
       </p:sp>
       <p:sp>
         <p:nvSpPr>
-          <p:cNvPr id="116" name="TextBox 115"/>
+          <p:cNvPr id="125" name="TextBox 124"/>
           <p:cNvSpPr txBox="1"/>
           <p:nvPr/>
         </p:nvSpPr>
         <p:spPr>
           <a:xfrm>
-            <a:off x="1698354" y="2494788"/>
-            <a:ext cx="677189" cy="338554"/>
+            <a:off x="5553551" y="3142488"/>
+            <a:ext cx="801823" cy="338554"/>
           </a:xfrm>
           <a:prstGeom prst="rect">
             <a:avLst/>
@@ -35459,11 +36250,18 @@
           <a:lstStyle/>
           <a:p>
             <a:r>
-              <a:rPr lang="en-US" sz="1600" dirty="0">
+              <a:rPr lang="en-US" sz="1600" dirty="0" err="1" smtClean="0">
                 <a:latin typeface="Courier New"/>
                 <a:cs typeface="Courier New"/>
               </a:rPr>
-              <a:t>bin/</a:t>
+              <a:t>acos</a:t>
+            </a:r>
+            <a:r>
+              <a:rPr lang="en-US" sz="1600" dirty="0" smtClean="0">
+                <a:latin typeface="Courier New"/>
+                <a:cs typeface="Courier New"/>
+              </a:rPr>
+              <a:t>/</a:t>
             </a:r>
             <a:endParaRPr lang="en-US" sz="1600" dirty="0">
               <a:latin typeface="Courier New"/>
@@ -35474,14 +36272,14 @@
       </p:sp>
       <p:sp>
         <p:nvSpPr>
-          <p:cNvPr id="117" name="TextBox 116"/>
+          <p:cNvPr id="126" name="TextBox 125"/>
           <p:cNvSpPr txBox="1"/>
           <p:nvPr/>
         </p:nvSpPr>
         <p:spPr>
           <a:xfrm>
-            <a:off x="2667001" y="2494788"/>
-            <a:ext cx="677189" cy="338554"/>
+            <a:off x="6421020" y="3142488"/>
+            <a:ext cx="1172116" cy="338554"/>
           </a:xfrm>
           <a:prstGeom prst="rect">
             <a:avLst/>
@@ -35495,14 +36293,14 @@
           <a:lstStyle/>
           <a:p>
             <a:r>
-              <a:rPr lang="en-US" sz="1600" dirty="0" err="1">
+              <a:rPr lang="en-US" sz="1600" dirty="0" err="1" smtClean="0">
                 <a:latin typeface="Courier New"/>
                 <a:cs typeface="Courier New"/>
               </a:rPr>
-              <a:t>dev</a:t>
-            </a:r>
-            <a:r>
-              <a:rPr lang="en-US" sz="1600" dirty="0">
+              <a:t>andrewt</a:t>
+            </a:r>
+            <a:r>
+              <a:rPr lang="en-US" sz="1600" dirty="0" smtClean="0">
                 <a:latin typeface="Courier New"/>
                 <a:cs typeface="Courier New"/>
               </a:rPr>
@@ -35517,14 +36315,14 @@
       </p:sp>
       <p:sp>
         <p:nvSpPr>
-          <p:cNvPr id="118" name="TextBox 117"/>
+          <p:cNvPr id="127" name="TextBox 126"/>
           <p:cNvSpPr txBox="1"/>
           <p:nvPr/>
         </p:nvSpPr>
         <p:spPr>
           <a:xfrm>
-            <a:off x="3900836" y="2494788"/>
-            <a:ext cx="677189" cy="338554"/>
+            <a:off x="7620001" y="3142488"/>
+            <a:ext cx="1169711" cy="338554"/>
           </a:xfrm>
           <a:prstGeom prst="rect">
             <a:avLst/>
@@ -35538,18 +36336,75 @@
           <a:lstStyle/>
           <a:p>
             <a:r>
+              <a:rPr lang="en-US" sz="1600" dirty="0">
+                <a:latin typeface="Courier New"/>
+                <a:cs typeface="Courier New"/>
+              </a:rPr>
+              <a:t>include/</a:t>
+            </a:r>
+          </a:p>
+        </p:txBody>
+      </p:sp>
+      <p:sp>
+        <p:nvSpPr>
+          <p:cNvPr id="128" name="TextBox 127"/>
+          <p:cNvSpPr txBox="1"/>
+          <p:nvPr/>
+        </p:nvSpPr>
+        <p:spPr>
+          <a:xfrm>
+            <a:off x="9305012" y="3142488"/>
+            <a:ext cx="677189" cy="338554"/>
+          </a:xfrm>
+          <a:prstGeom prst="rect">
+            <a:avLst/>
+          </a:prstGeom>
+          <a:noFill/>
+        </p:spPr>
+        <p:txBody>
+          <a:bodyPr wrap="none" rtlCol="0">
+            <a:spAutoFit/>
+          </a:bodyPr>
+          <a:lstStyle/>
+          <a:p>
+            <a:r>
+              <a:rPr lang="en-US" sz="1600" dirty="0">
+                <a:latin typeface="Courier New"/>
+                <a:cs typeface="Courier New"/>
+              </a:rPr>
+              <a:t>bin/</a:t>
+            </a:r>
+          </a:p>
+        </p:txBody>
+      </p:sp>
+      <p:sp>
+        <p:nvSpPr>
+          <p:cNvPr id="129" name="TextBox 128"/>
+          <p:cNvSpPr txBox="1"/>
+          <p:nvPr/>
+        </p:nvSpPr>
+        <p:spPr>
+          <a:xfrm>
+            <a:off x="7162801" y="3980688"/>
+            <a:ext cx="1046581" cy="338554"/>
+          </a:xfrm>
+          <a:prstGeom prst="rect">
+            <a:avLst/>
+          </a:prstGeom>
+          <a:noFill/>
+        </p:spPr>
+        <p:txBody>
+          <a:bodyPr wrap="none" rtlCol="0">
+            <a:spAutoFit/>
+          </a:bodyPr>
+          <a:lstStyle/>
+          <a:p>
+            <a:r>
               <a:rPr lang="en-US" sz="1600" dirty="0" err="1">
                 <a:latin typeface="Courier New"/>
                 <a:cs typeface="Courier New"/>
               </a:rPr>
-              <a:t>etc</a:t>
-            </a:r>
-            <a:r>
-              <a:rPr lang="en-US" sz="1600" dirty="0">
-                <a:latin typeface="Courier New"/>
-                <a:cs typeface="Courier New"/>
-              </a:rPr>
-              <a:t>/</a:t>
+              <a:t>stdio.h</a:t>
             </a:r>
             <a:endParaRPr lang="en-US" sz="1600" dirty="0">
               <a:latin typeface="Courier New"/>
@@ -35560,14 +36415,14 @@
       </p:sp>
       <p:sp>
         <p:nvSpPr>
-          <p:cNvPr id="119" name="TextBox 118"/>
+          <p:cNvPr id="130" name="TextBox 129"/>
           <p:cNvSpPr txBox="1"/>
           <p:nvPr/>
         </p:nvSpPr>
         <p:spPr>
           <a:xfrm>
-            <a:off x="5981481" y="2494788"/>
-            <a:ext cx="800319" cy="338554"/>
+            <a:off x="9366576" y="3980688"/>
+            <a:ext cx="554058" cy="338554"/>
           </a:xfrm>
           <a:prstGeom prst="rect">
             <a:avLst/>
@@ -35585,24 +36440,20 @@
                 <a:latin typeface="Courier New"/>
                 <a:cs typeface="Courier New"/>
               </a:rPr>
-              <a:t>home/</a:t>
-            </a:r>
-            <a:endParaRPr lang="en-US" sz="1600" dirty="0">
-              <a:latin typeface="Courier New"/>
-              <a:cs typeface="Courier New"/>
-            </a:endParaRPr>
-          </a:p>
-        </p:txBody>
-      </p:sp>
-      <p:sp>
-        <p:nvSpPr>
-          <p:cNvPr id="120" name="TextBox 119"/>
+              <a:t>vim</a:t>
+            </a:r>
+          </a:p>
+        </p:txBody>
+      </p:sp>
+      <p:sp>
+        <p:nvSpPr>
+          <p:cNvPr id="131" name="TextBox 130"/>
           <p:cNvSpPr txBox="1"/>
           <p:nvPr/>
         </p:nvSpPr>
         <p:spPr>
           <a:xfrm>
-            <a:off x="8619212" y="2494788"/>
+            <a:off x="8399662" y="3980688"/>
             <a:ext cx="677189" cy="338554"/>
           </a:xfrm>
           <a:prstGeom prst="rect">
@@ -35617,440 +36468,12 @@
           <a:lstStyle/>
           <a:p>
             <a:r>
-              <a:rPr lang="en-US" sz="1600" dirty="0" err="1">
-                <a:latin typeface="Courier New"/>
-                <a:cs typeface="Courier New"/>
-              </a:rPr>
-              <a:t>u</a:t>
-            </a:r>
-            <a:r>
-              <a:rPr lang="en-US" sz="1600" dirty="0" err="1">
-                <a:latin typeface="Courier New"/>
-                <a:cs typeface="Courier New"/>
-              </a:rPr>
-              <a:t>sr</a:t>
-            </a:r>
-            <a:r>
               <a:rPr lang="en-US" sz="1600" dirty="0">
                 <a:latin typeface="Courier New"/>
                 <a:cs typeface="Courier New"/>
               </a:rPr>
-              <a:t>/</a:t>
-            </a:r>
-            <a:endParaRPr lang="en-US" sz="1600" dirty="0">
-              <a:latin typeface="Courier New"/>
-              <a:cs typeface="Courier New"/>
-            </a:endParaRPr>
-          </a:p>
-        </p:txBody>
-      </p:sp>
-      <p:sp>
-        <p:nvSpPr>
-          <p:cNvPr id="121" name="TextBox 120"/>
-          <p:cNvSpPr txBox="1"/>
-          <p:nvPr/>
-        </p:nvSpPr>
-        <p:spPr>
-          <a:xfrm>
-            <a:off x="1698354" y="3142488"/>
-            <a:ext cx="677189" cy="338554"/>
-          </a:xfrm>
-          <a:prstGeom prst="rect">
-            <a:avLst/>
-          </a:prstGeom>
-          <a:noFill/>
-        </p:spPr>
-        <p:txBody>
-          <a:bodyPr wrap="none" rtlCol="0">
-            <a:spAutoFit/>
-          </a:bodyPr>
-          <a:lstStyle/>
-          <a:p>
-            <a:r>
-              <a:rPr lang="en-US" sz="1600" dirty="0">
-                <a:latin typeface="Courier New"/>
-                <a:cs typeface="Courier New"/>
-              </a:rPr>
-              <a:t>bash</a:t>
-            </a:r>
-            <a:endParaRPr lang="en-US" sz="1600" dirty="0">
-              <a:latin typeface="Courier New"/>
-              <a:cs typeface="Courier New"/>
-            </a:endParaRPr>
-          </a:p>
-        </p:txBody>
-      </p:sp>
-      <p:sp>
-        <p:nvSpPr>
-          <p:cNvPr id="122" name="TextBox 121"/>
-          <p:cNvSpPr txBox="1"/>
-          <p:nvPr/>
-        </p:nvSpPr>
-        <p:spPr>
-          <a:xfrm>
-            <a:off x="2667001" y="3142488"/>
-            <a:ext cx="677189" cy="338554"/>
-          </a:xfrm>
-          <a:prstGeom prst="rect">
-            <a:avLst/>
-          </a:prstGeom>
-          <a:noFill/>
-        </p:spPr>
-        <p:txBody>
-          <a:bodyPr wrap="none" rtlCol="0">
-            <a:spAutoFit/>
-          </a:bodyPr>
-          <a:lstStyle/>
-          <a:p>
-            <a:r>
-              <a:rPr lang="en-US" sz="1600" dirty="0">
-                <a:latin typeface="Courier New"/>
-                <a:cs typeface="Courier New"/>
-              </a:rPr>
-              <a:t>tty1</a:t>
-            </a:r>
-            <a:endParaRPr lang="en-US" sz="1600" dirty="0">
-              <a:latin typeface="Courier New"/>
-              <a:cs typeface="Courier New"/>
-            </a:endParaRPr>
-          </a:p>
-        </p:txBody>
-      </p:sp>
-      <p:sp>
-        <p:nvSpPr>
-          <p:cNvPr id="123" name="TextBox 122"/>
-          <p:cNvSpPr txBox="1"/>
-          <p:nvPr/>
-        </p:nvSpPr>
-        <p:spPr>
-          <a:xfrm>
-            <a:off x="3481515" y="3142488"/>
-            <a:ext cx="800319" cy="338554"/>
-          </a:xfrm>
-          <a:prstGeom prst="rect">
-            <a:avLst/>
-          </a:prstGeom>
-          <a:noFill/>
-        </p:spPr>
-        <p:txBody>
-          <a:bodyPr wrap="none" rtlCol="0">
-            <a:spAutoFit/>
-          </a:bodyPr>
-          <a:lstStyle/>
-          <a:p>
-            <a:r>
-              <a:rPr lang="en-US" sz="1600" dirty="0">
-                <a:latin typeface="Courier New"/>
-                <a:cs typeface="Courier New"/>
-              </a:rPr>
-              <a:t>group</a:t>
-            </a:r>
-            <a:endParaRPr lang="en-US" sz="1600" dirty="0">
-              <a:latin typeface="Courier New"/>
-              <a:cs typeface="Courier New"/>
-            </a:endParaRPr>
-          </a:p>
-        </p:txBody>
-      </p:sp>
-      <p:sp>
-        <p:nvSpPr>
-          <p:cNvPr id="124" name="TextBox 123"/>
-          <p:cNvSpPr txBox="1"/>
-          <p:nvPr/>
-        </p:nvSpPr>
-        <p:spPr>
-          <a:xfrm>
-            <a:off x="4258150" y="3142488"/>
-            <a:ext cx="923450" cy="338554"/>
-          </a:xfrm>
-          <a:prstGeom prst="rect">
-            <a:avLst/>
-          </a:prstGeom>
-          <a:noFill/>
-        </p:spPr>
-        <p:txBody>
-          <a:bodyPr wrap="none" rtlCol="0">
-            <a:spAutoFit/>
-          </a:bodyPr>
-          <a:lstStyle/>
-          <a:p>
-            <a:r>
-              <a:rPr lang="en-US" sz="1600" dirty="0" err="1">
-                <a:latin typeface="Courier New"/>
-                <a:cs typeface="Courier New"/>
-              </a:rPr>
-              <a:t>passwd</a:t>
-            </a:r>
-            <a:endParaRPr lang="en-US" sz="1600" dirty="0">
-              <a:latin typeface="Courier New"/>
-              <a:cs typeface="Courier New"/>
-            </a:endParaRPr>
-          </a:p>
-        </p:txBody>
-      </p:sp>
-      <p:sp>
-        <p:nvSpPr>
-          <p:cNvPr id="125" name="TextBox 124"/>
-          <p:cNvSpPr txBox="1"/>
-          <p:nvPr/>
-        </p:nvSpPr>
-        <p:spPr>
-          <a:xfrm>
-            <a:off x="5553551" y="3142488"/>
-            <a:ext cx="801823" cy="338554"/>
-          </a:xfrm>
-          <a:prstGeom prst="rect">
-            <a:avLst/>
-          </a:prstGeom>
-          <a:noFill/>
-        </p:spPr>
-        <p:txBody>
-          <a:bodyPr wrap="none" rtlCol="0">
-            <a:spAutoFit/>
-          </a:bodyPr>
-          <a:lstStyle/>
-          <a:p>
-            <a:r>
-              <a:rPr lang="en-US" sz="1600" dirty="0" err="1" smtClean="0">
-                <a:latin typeface="Courier New"/>
-                <a:cs typeface="Courier New"/>
-              </a:rPr>
-              <a:t>acos</a:t>
-            </a:r>
-            <a:r>
-              <a:rPr lang="en-US" sz="1600" dirty="0" smtClean="0">
-                <a:latin typeface="Courier New"/>
-                <a:cs typeface="Courier New"/>
-              </a:rPr>
-              <a:t>/</a:t>
-            </a:r>
-            <a:endParaRPr lang="en-US" sz="1600" dirty="0">
-              <a:latin typeface="Courier New"/>
-              <a:cs typeface="Courier New"/>
-            </a:endParaRPr>
-          </a:p>
-        </p:txBody>
-      </p:sp>
-      <p:sp>
-        <p:nvSpPr>
-          <p:cNvPr id="126" name="TextBox 125"/>
-          <p:cNvSpPr txBox="1"/>
-          <p:nvPr/>
-        </p:nvSpPr>
-        <p:spPr>
-          <a:xfrm>
-            <a:off x="6421020" y="3142488"/>
-            <a:ext cx="1172116" cy="338554"/>
-          </a:xfrm>
-          <a:prstGeom prst="rect">
-            <a:avLst/>
-          </a:prstGeom>
-          <a:noFill/>
-        </p:spPr>
-        <p:txBody>
-          <a:bodyPr wrap="none" rtlCol="0">
-            <a:spAutoFit/>
-          </a:bodyPr>
-          <a:lstStyle/>
-          <a:p>
-            <a:r>
-              <a:rPr lang="en-US" sz="1600" dirty="0" err="1" smtClean="0">
-                <a:latin typeface="Courier New"/>
-                <a:cs typeface="Courier New"/>
-              </a:rPr>
-              <a:t>andrewt</a:t>
-            </a:r>
-            <a:r>
-              <a:rPr lang="en-US" sz="1600" dirty="0" smtClean="0">
-                <a:latin typeface="Courier New"/>
-                <a:cs typeface="Courier New"/>
-              </a:rPr>
-              <a:t>/</a:t>
-            </a:r>
-            <a:endParaRPr lang="en-US" sz="1600" dirty="0">
-              <a:latin typeface="Courier New"/>
-              <a:cs typeface="Courier New"/>
-            </a:endParaRPr>
-          </a:p>
-        </p:txBody>
-      </p:sp>
-      <p:sp>
-        <p:nvSpPr>
-          <p:cNvPr id="127" name="TextBox 126"/>
-          <p:cNvSpPr txBox="1"/>
-          <p:nvPr/>
-        </p:nvSpPr>
-        <p:spPr>
-          <a:xfrm>
-            <a:off x="7620001" y="3142488"/>
-            <a:ext cx="1169711" cy="338554"/>
-          </a:xfrm>
-          <a:prstGeom prst="rect">
-            <a:avLst/>
-          </a:prstGeom>
-          <a:noFill/>
-        </p:spPr>
-        <p:txBody>
-          <a:bodyPr wrap="none" rtlCol="0">
-            <a:spAutoFit/>
-          </a:bodyPr>
-          <a:lstStyle/>
-          <a:p>
-            <a:r>
-              <a:rPr lang="en-US" sz="1600" dirty="0">
-                <a:latin typeface="Courier New"/>
-                <a:cs typeface="Courier New"/>
-              </a:rPr>
-              <a:t>include/</a:t>
-            </a:r>
-            <a:endParaRPr lang="en-US" sz="1600" dirty="0">
-              <a:latin typeface="Courier New"/>
-              <a:cs typeface="Courier New"/>
-            </a:endParaRPr>
-          </a:p>
-        </p:txBody>
-      </p:sp>
-      <p:sp>
-        <p:nvSpPr>
-          <p:cNvPr id="128" name="TextBox 127"/>
-          <p:cNvSpPr txBox="1"/>
-          <p:nvPr/>
-        </p:nvSpPr>
-        <p:spPr>
-          <a:xfrm>
-            <a:off x="9305012" y="3142488"/>
-            <a:ext cx="677189" cy="338554"/>
-          </a:xfrm>
-          <a:prstGeom prst="rect">
-            <a:avLst/>
-          </a:prstGeom>
-          <a:noFill/>
-        </p:spPr>
-        <p:txBody>
-          <a:bodyPr wrap="none" rtlCol="0">
-            <a:spAutoFit/>
-          </a:bodyPr>
-          <a:lstStyle/>
-          <a:p>
-            <a:r>
-              <a:rPr lang="en-US" sz="1600" dirty="0">
-                <a:latin typeface="Courier New"/>
-                <a:cs typeface="Courier New"/>
-              </a:rPr>
-              <a:t>bin/</a:t>
-            </a:r>
-            <a:endParaRPr lang="en-US" sz="1600" dirty="0">
-              <a:latin typeface="Courier New"/>
-              <a:cs typeface="Courier New"/>
-            </a:endParaRPr>
-          </a:p>
-        </p:txBody>
-      </p:sp>
-      <p:sp>
-        <p:nvSpPr>
-          <p:cNvPr id="129" name="TextBox 128"/>
-          <p:cNvSpPr txBox="1"/>
-          <p:nvPr/>
-        </p:nvSpPr>
-        <p:spPr>
-          <a:xfrm>
-            <a:off x="7162801" y="3980688"/>
-            <a:ext cx="1046581" cy="338554"/>
-          </a:xfrm>
-          <a:prstGeom prst="rect">
-            <a:avLst/>
-          </a:prstGeom>
-          <a:noFill/>
-        </p:spPr>
-        <p:txBody>
-          <a:bodyPr wrap="none" rtlCol="0">
-            <a:spAutoFit/>
-          </a:bodyPr>
-          <a:lstStyle/>
-          <a:p>
-            <a:r>
-              <a:rPr lang="en-US" sz="1600" dirty="0" err="1">
-                <a:latin typeface="Courier New"/>
-                <a:cs typeface="Courier New"/>
-              </a:rPr>
-              <a:t>stdio.h</a:t>
-            </a:r>
-            <a:endParaRPr lang="en-US" sz="1600" dirty="0">
-              <a:latin typeface="Courier New"/>
-              <a:cs typeface="Courier New"/>
-            </a:endParaRPr>
-          </a:p>
-        </p:txBody>
-      </p:sp>
-      <p:sp>
-        <p:nvSpPr>
-          <p:cNvPr id="130" name="TextBox 129"/>
-          <p:cNvSpPr txBox="1"/>
-          <p:nvPr/>
-        </p:nvSpPr>
-        <p:spPr>
-          <a:xfrm>
-            <a:off x="9366576" y="3980688"/>
-            <a:ext cx="554058" cy="338554"/>
-          </a:xfrm>
-          <a:prstGeom prst="rect">
-            <a:avLst/>
-          </a:prstGeom>
-          <a:noFill/>
-        </p:spPr>
-        <p:txBody>
-          <a:bodyPr wrap="none" rtlCol="0">
-            <a:spAutoFit/>
-          </a:bodyPr>
-          <a:lstStyle/>
-          <a:p>
-            <a:r>
-              <a:rPr lang="en-US" sz="1600" dirty="0">
-                <a:latin typeface="Courier New"/>
-                <a:cs typeface="Courier New"/>
-              </a:rPr>
-              <a:t>vim</a:t>
-            </a:r>
-            <a:endParaRPr lang="en-US" sz="1600" dirty="0">
-              <a:latin typeface="Courier New"/>
-              <a:cs typeface="Courier New"/>
-            </a:endParaRPr>
-          </a:p>
-        </p:txBody>
-      </p:sp>
-      <p:sp>
-        <p:nvSpPr>
-          <p:cNvPr id="131" name="TextBox 130"/>
-          <p:cNvSpPr txBox="1"/>
-          <p:nvPr/>
-        </p:nvSpPr>
-        <p:spPr>
-          <a:xfrm>
-            <a:off x="8399662" y="3980688"/>
-            <a:ext cx="677189" cy="338554"/>
-          </a:xfrm>
-          <a:prstGeom prst="rect">
-            <a:avLst/>
-          </a:prstGeom>
-          <a:noFill/>
-        </p:spPr>
-        <p:txBody>
-          <a:bodyPr wrap="none" rtlCol="0">
-            <a:spAutoFit/>
-          </a:bodyPr>
-          <a:lstStyle/>
-          <a:p>
-            <a:r>
-              <a:rPr lang="en-US" sz="1600" dirty="0">
-                <a:latin typeface="Courier New"/>
-                <a:cs typeface="Courier New"/>
-              </a:rPr>
               <a:t>sys/</a:t>
             </a:r>
-            <a:endParaRPr lang="en-US" sz="1600" dirty="0">
-              <a:latin typeface="Courier New"/>
-              <a:cs typeface="Courier New"/>
-            </a:endParaRPr>
           </a:p>
         </p:txBody>
       </p:sp>
@@ -36120,14 +36543,14 @@
           <a:effectLst/>
           <a:extLst>
             <a:ext uri="{909E8E84-426E-40dd-AFC4-6F175D3DCCD1}">
-              <a14:hiddenFill xmlns:a14="http://schemas.microsoft.com/office/drawing/2010/main" xmlns="">
+              <a14:hiddenFill xmlns="" xmlns:a14="http://schemas.microsoft.com/office/drawing/2010/main">
                 <a:solidFill>
                   <a:schemeClr val="bg1"/>
                 </a:solidFill>
               </a14:hiddenFill>
             </a:ext>
             <a:ext uri="{AF507438-7753-43e0-B8FC-AC1667EBCBE1}">
-              <a14:hiddenEffects xmlns:a14="http://schemas.microsoft.com/office/drawing/2010/main" xmlns="">
+              <a14:hiddenEffects xmlns="" xmlns:a14="http://schemas.microsoft.com/office/drawing/2010/main">
                 <a:effectLst>
                   <a:outerShdw blurRad="63500" dist="35921" dir="2700000" algn="ctr" rotWithShape="0">
                     <a:schemeClr val="bg2"/>
@@ -36168,14 +36591,14 @@
           <a:effectLst/>
           <a:extLst>
             <a:ext uri="{909E8E84-426E-40dd-AFC4-6F175D3DCCD1}">
-              <a14:hiddenFill xmlns:a14="http://schemas.microsoft.com/office/drawing/2010/main" xmlns="">
+              <a14:hiddenFill xmlns="" xmlns:a14="http://schemas.microsoft.com/office/drawing/2010/main">
                 <a:solidFill>
                   <a:schemeClr val="bg1"/>
                 </a:solidFill>
               </a14:hiddenFill>
             </a:ext>
             <a:ext uri="{AF507438-7753-43e0-B8FC-AC1667EBCBE1}">
-              <a14:hiddenEffects xmlns:a14="http://schemas.microsoft.com/office/drawing/2010/main" xmlns="">
+              <a14:hiddenEffects xmlns="" xmlns:a14="http://schemas.microsoft.com/office/drawing/2010/main">
                 <a:effectLst>
                   <a:outerShdw blurRad="63500" dist="35921" dir="2700000" algn="ctr" rotWithShape="0">
                     <a:schemeClr val="bg2"/>
@@ -36216,14 +36639,14 @@
           <a:effectLst/>
           <a:extLst>
             <a:ext uri="{909E8E84-426E-40dd-AFC4-6F175D3DCCD1}">
-              <a14:hiddenFill xmlns:a14="http://schemas.microsoft.com/office/drawing/2010/main" xmlns="">
+              <a14:hiddenFill xmlns="" xmlns:a14="http://schemas.microsoft.com/office/drawing/2010/main">
                 <a:solidFill>
                   <a:schemeClr val="bg1"/>
                 </a:solidFill>
               </a14:hiddenFill>
             </a:ext>
             <a:ext uri="{AF507438-7753-43e0-B8FC-AC1667EBCBE1}">
-              <a14:hiddenEffects xmlns:a14="http://schemas.microsoft.com/office/drawing/2010/main" xmlns="">
+              <a14:hiddenEffects xmlns="" xmlns:a14="http://schemas.microsoft.com/office/drawing/2010/main">
                 <a:effectLst>
                   <a:outerShdw blurRad="63500" dist="35921" dir="2700000" algn="ctr" rotWithShape="0">
                     <a:schemeClr val="bg2"/>
@@ -36264,14 +36687,14 @@
           <a:effectLst/>
           <a:extLst>
             <a:ext uri="{909E8E84-426E-40dd-AFC4-6F175D3DCCD1}">
-              <a14:hiddenFill xmlns:a14="http://schemas.microsoft.com/office/drawing/2010/main" xmlns="">
+              <a14:hiddenFill xmlns="" xmlns:a14="http://schemas.microsoft.com/office/drawing/2010/main">
                 <a:solidFill>
                   <a:schemeClr val="bg1"/>
                 </a:solidFill>
               </a14:hiddenFill>
             </a:ext>
             <a:ext uri="{AF507438-7753-43e0-B8FC-AC1667EBCBE1}">
-              <a14:hiddenEffects xmlns:a14="http://schemas.microsoft.com/office/drawing/2010/main" xmlns="">
+              <a14:hiddenEffects xmlns="" xmlns:a14="http://schemas.microsoft.com/office/drawing/2010/main">
                 <a:effectLst>
                   <a:outerShdw blurRad="63500" dist="35921" dir="2700000" algn="ctr" rotWithShape="0">
                     <a:schemeClr val="bg2"/>
@@ -36312,14 +36735,14 @@
           <a:effectLst/>
           <a:extLst>
             <a:ext uri="{909E8E84-426E-40dd-AFC4-6F175D3DCCD1}">
-              <a14:hiddenFill xmlns:a14="http://schemas.microsoft.com/office/drawing/2010/main" xmlns="">
+              <a14:hiddenFill xmlns="" xmlns:a14="http://schemas.microsoft.com/office/drawing/2010/main">
                 <a:solidFill>
                   <a:schemeClr val="bg1"/>
                 </a:solidFill>
               </a14:hiddenFill>
             </a:ext>
             <a:ext uri="{AF507438-7753-43e0-B8FC-AC1667EBCBE1}">
-              <a14:hiddenEffects xmlns:a14="http://schemas.microsoft.com/office/drawing/2010/main" xmlns="">
+              <a14:hiddenEffects xmlns="" xmlns:a14="http://schemas.microsoft.com/office/drawing/2010/main">
                 <a:effectLst>
                   <a:outerShdw blurRad="63500" dist="35921" dir="2700000" algn="ctr" rotWithShape="0">
                     <a:schemeClr val="bg2"/>
@@ -36360,14 +36783,14 @@
           <a:effectLst/>
           <a:extLst>
             <a:ext uri="{909E8E84-426E-40dd-AFC4-6F175D3DCCD1}">
-              <a14:hiddenFill xmlns:a14="http://schemas.microsoft.com/office/drawing/2010/main" xmlns="">
+              <a14:hiddenFill xmlns="" xmlns:a14="http://schemas.microsoft.com/office/drawing/2010/main">
                 <a:solidFill>
                   <a:schemeClr val="bg1"/>
                 </a:solidFill>
               </a14:hiddenFill>
             </a:ext>
             <a:ext uri="{AF507438-7753-43e0-B8FC-AC1667EBCBE1}">
-              <a14:hiddenEffects xmlns:a14="http://schemas.microsoft.com/office/drawing/2010/main" xmlns="">
+              <a14:hiddenEffects xmlns="" xmlns:a14="http://schemas.microsoft.com/office/drawing/2010/main">
                 <a:effectLst>
                   <a:outerShdw blurRad="63500" dist="35921" dir="2700000" algn="ctr" rotWithShape="0">
                     <a:schemeClr val="bg2"/>
@@ -36408,14 +36831,14 @@
           <a:effectLst/>
           <a:extLst>
             <a:ext uri="{909E8E84-426E-40dd-AFC4-6F175D3DCCD1}">
-              <a14:hiddenFill xmlns:a14="http://schemas.microsoft.com/office/drawing/2010/main" xmlns="">
+              <a14:hiddenFill xmlns="" xmlns:a14="http://schemas.microsoft.com/office/drawing/2010/main">
                 <a:solidFill>
                   <a:schemeClr val="bg1"/>
                 </a:solidFill>
               </a14:hiddenFill>
             </a:ext>
             <a:ext uri="{AF507438-7753-43e0-B8FC-AC1667EBCBE1}">
-              <a14:hiddenEffects xmlns:a14="http://schemas.microsoft.com/office/drawing/2010/main" xmlns="">
+              <a14:hiddenEffects xmlns="" xmlns:a14="http://schemas.microsoft.com/office/drawing/2010/main">
                 <a:effectLst>
                   <a:outerShdw blurRad="63500" dist="35921" dir="2700000" algn="ctr" rotWithShape="0">
                     <a:schemeClr val="bg2"/>
@@ -36455,14 +36878,14 @@
           <a:effectLst/>
           <a:extLst>
             <a:ext uri="{909E8E84-426E-40dd-AFC4-6F175D3DCCD1}">
-              <a14:hiddenFill xmlns:a14="http://schemas.microsoft.com/office/drawing/2010/main" xmlns="">
+              <a14:hiddenFill xmlns="" xmlns:a14="http://schemas.microsoft.com/office/drawing/2010/main">
                 <a:solidFill>
                   <a:schemeClr val="bg1"/>
                 </a:solidFill>
               </a14:hiddenFill>
             </a:ext>
             <a:ext uri="{AF507438-7753-43e0-B8FC-AC1667EBCBE1}">
-              <a14:hiddenEffects xmlns:a14="http://schemas.microsoft.com/office/drawing/2010/main" xmlns="">
+              <a14:hiddenEffects xmlns="" xmlns:a14="http://schemas.microsoft.com/office/drawing/2010/main">
                 <a:effectLst>
                   <a:outerShdw blurRad="63500" dist="35921" dir="2700000" algn="ctr" rotWithShape="0">
                     <a:schemeClr val="bg2"/>
@@ -36503,14 +36926,14 @@
           <a:effectLst/>
           <a:extLst>
             <a:ext uri="{909E8E84-426E-40dd-AFC4-6F175D3DCCD1}">
-              <a14:hiddenFill xmlns:a14="http://schemas.microsoft.com/office/drawing/2010/main" xmlns="">
+              <a14:hiddenFill xmlns="" xmlns:a14="http://schemas.microsoft.com/office/drawing/2010/main">
                 <a:solidFill>
                   <a:schemeClr val="bg1"/>
                 </a:solidFill>
               </a14:hiddenFill>
             </a:ext>
             <a:ext uri="{AF507438-7753-43e0-B8FC-AC1667EBCBE1}">
-              <a14:hiddenEffects xmlns:a14="http://schemas.microsoft.com/office/drawing/2010/main" xmlns="">
+              <a14:hiddenEffects xmlns="" xmlns:a14="http://schemas.microsoft.com/office/drawing/2010/main">
                 <a:effectLst>
                   <a:outerShdw blurRad="63500" dist="35921" dir="2700000" algn="ctr" rotWithShape="0">
                     <a:schemeClr val="bg2"/>
@@ -36551,14 +36974,14 @@
           <a:effectLst/>
           <a:extLst>
             <a:ext uri="{909E8E84-426E-40dd-AFC4-6F175D3DCCD1}">
-              <a14:hiddenFill xmlns:a14="http://schemas.microsoft.com/office/drawing/2010/main" xmlns="">
+              <a14:hiddenFill xmlns="" xmlns:a14="http://schemas.microsoft.com/office/drawing/2010/main">
                 <a:solidFill>
                   <a:schemeClr val="bg1"/>
                 </a:solidFill>
               </a14:hiddenFill>
             </a:ext>
             <a:ext uri="{AF507438-7753-43e0-B8FC-AC1667EBCBE1}">
-              <a14:hiddenEffects xmlns:a14="http://schemas.microsoft.com/office/drawing/2010/main" xmlns="">
+              <a14:hiddenEffects xmlns="" xmlns:a14="http://schemas.microsoft.com/office/drawing/2010/main">
                 <a:effectLst>
                   <a:outerShdw blurRad="63500" dist="35921" dir="2700000" algn="ctr" rotWithShape="0">
                     <a:schemeClr val="bg2"/>
@@ -36599,14 +37022,14 @@
           <a:effectLst/>
           <a:extLst>
             <a:ext uri="{909E8E84-426E-40dd-AFC4-6F175D3DCCD1}">
-              <a14:hiddenFill xmlns:a14="http://schemas.microsoft.com/office/drawing/2010/main" xmlns="">
+              <a14:hiddenFill xmlns="" xmlns:a14="http://schemas.microsoft.com/office/drawing/2010/main">
                 <a:solidFill>
                   <a:schemeClr val="bg1"/>
                 </a:solidFill>
               </a14:hiddenFill>
             </a:ext>
             <a:ext uri="{AF507438-7753-43e0-B8FC-AC1667EBCBE1}">
-              <a14:hiddenEffects xmlns:a14="http://schemas.microsoft.com/office/drawing/2010/main" xmlns="">
+              <a14:hiddenEffects xmlns="" xmlns:a14="http://schemas.microsoft.com/office/drawing/2010/main">
                 <a:effectLst>
                   <a:outerShdw blurRad="63500" dist="35921" dir="2700000" algn="ctr" rotWithShape="0">
                     <a:schemeClr val="bg2"/>
@@ -36647,14 +37070,14 @@
           <a:effectLst/>
           <a:extLst>
             <a:ext uri="{909E8E84-426E-40dd-AFC4-6F175D3DCCD1}">
-              <a14:hiddenFill xmlns:a14="http://schemas.microsoft.com/office/drawing/2010/main" xmlns="">
+              <a14:hiddenFill xmlns="" xmlns:a14="http://schemas.microsoft.com/office/drawing/2010/main">
                 <a:solidFill>
                   <a:schemeClr val="bg1"/>
                 </a:solidFill>
               </a14:hiddenFill>
             </a:ext>
             <a:ext uri="{AF507438-7753-43e0-B8FC-AC1667EBCBE1}">
-              <a14:hiddenEffects xmlns:a14="http://schemas.microsoft.com/office/drawing/2010/main" xmlns="">
+              <a14:hiddenEffects xmlns="" xmlns:a14="http://schemas.microsoft.com/office/drawing/2010/main">
                 <a:effectLst>
                   <a:outerShdw blurRad="63500" dist="35921" dir="2700000" algn="ctr" rotWithShape="0">
                     <a:schemeClr val="bg2"/>
@@ -36695,14 +37118,14 @@
           <a:effectLst/>
           <a:extLst>
             <a:ext uri="{909E8E84-426E-40dd-AFC4-6F175D3DCCD1}">
-              <a14:hiddenFill xmlns:a14="http://schemas.microsoft.com/office/drawing/2010/main" xmlns="">
+              <a14:hiddenFill xmlns="" xmlns:a14="http://schemas.microsoft.com/office/drawing/2010/main">
                 <a:solidFill>
                   <a:schemeClr val="bg1"/>
                 </a:solidFill>
               </a14:hiddenFill>
             </a:ext>
             <a:ext uri="{AF507438-7753-43e0-B8FC-AC1667EBCBE1}">
-              <a14:hiddenEffects xmlns:a14="http://schemas.microsoft.com/office/drawing/2010/main" xmlns="">
+              <a14:hiddenEffects xmlns="" xmlns:a14="http://schemas.microsoft.com/office/drawing/2010/main">
                 <a:effectLst>
                   <a:outerShdw blurRad="63500" dist="35921" dir="2700000" algn="ctr" rotWithShape="0">
                     <a:schemeClr val="bg2"/>
@@ -36743,14 +37166,14 @@
           <a:effectLst/>
           <a:extLst>
             <a:ext uri="{909E8E84-426E-40dd-AFC4-6F175D3DCCD1}">
-              <a14:hiddenFill xmlns:a14="http://schemas.microsoft.com/office/drawing/2010/main" xmlns="">
+              <a14:hiddenFill xmlns="" xmlns:a14="http://schemas.microsoft.com/office/drawing/2010/main">
                 <a:solidFill>
                   <a:schemeClr val="bg1"/>
                 </a:solidFill>
               </a14:hiddenFill>
             </a:ext>
             <a:ext uri="{AF507438-7753-43e0-B8FC-AC1667EBCBE1}">
-              <a14:hiddenEffects xmlns:a14="http://schemas.microsoft.com/office/drawing/2010/main" xmlns="">
+              <a14:hiddenEffects xmlns="" xmlns:a14="http://schemas.microsoft.com/office/drawing/2010/main">
                 <a:effectLst>
                   <a:outerShdw blurRad="63500" dist="35921" dir="2700000" algn="ctr" rotWithShape="0">
                     <a:schemeClr val="bg2"/>
@@ -36791,14 +37214,14 @@
           <a:effectLst/>
           <a:extLst>
             <a:ext uri="{909E8E84-426E-40dd-AFC4-6F175D3DCCD1}">
-              <a14:hiddenFill xmlns:a14="http://schemas.microsoft.com/office/drawing/2010/main" xmlns="">
+              <a14:hiddenFill xmlns="" xmlns:a14="http://schemas.microsoft.com/office/drawing/2010/main">
                 <a:solidFill>
                   <a:schemeClr val="bg1"/>
                 </a:solidFill>
               </a14:hiddenFill>
             </a:ext>
             <a:ext uri="{AF507438-7753-43e0-B8FC-AC1667EBCBE1}">
-              <a14:hiddenEffects xmlns:a14="http://schemas.microsoft.com/office/drawing/2010/main" xmlns="">
+              <a14:hiddenEffects xmlns="" xmlns:a14="http://schemas.microsoft.com/office/drawing/2010/main">
                 <a:effectLst>
                   <a:outerShdw blurRad="63500" dist="35921" dir="2700000" algn="ctr" rotWithShape="0">
                     <a:schemeClr val="bg2"/>
@@ -36839,14 +37262,14 @@
           <a:effectLst/>
           <a:extLst>
             <a:ext uri="{909E8E84-426E-40dd-AFC4-6F175D3DCCD1}">
-              <a14:hiddenFill xmlns:a14="http://schemas.microsoft.com/office/drawing/2010/main" xmlns="">
+              <a14:hiddenFill xmlns="" xmlns:a14="http://schemas.microsoft.com/office/drawing/2010/main">
                 <a:solidFill>
                   <a:schemeClr val="bg1"/>
                 </a:solidFill>
               </a14:hiddenFill>
             </a:ext>
             <a:ext uri="{AF507438-7753-43e0-B8FC-AC1667EBCBE1}">
-              <a14:hiddenEffects xmlns:a14="http://schemas.microsoft.com/office/drawing/2010/main" xmlns="">
+              <a14:hiddenEffects xmlns="" xmlns:a14="http://schemas.microsoft.com/office/drawing/2010/main">
                 <a:effectLst>
                   <a:outerShdw blurRad="63500" dist="35921" dir="2700000" algn="ctr" rotWithShape="0">
                     <a:schemeClr val="bg2"/>
@@ -36887,14 +37310,14 @@
           <a:effectLst/>
           <a:extLst>
             <a:ext uri="{909E8E84-426E-40dd-AFC4-6F175D3DCCD1}">
-              <a14:hiddenFill xmlns:a14="http://schemas.microsoft.com/office/drawing/2010/main" xmlns="">
+              <a14:hiddenFill xmlns="" xmlns:a14="http://schemas.microsoft.com/office/drawing/2010/main">
                 <a:solidFill>
                   <a:schemeClr val="bg1"/>
                 </a:solidFill>
               </a14:hiddenFill>
             </a:ext>
             <a:ext uri="{AF507438-7753-43e0-B8FC-AC1667EBCBE1}">
-              <a14:hiddenEffects xmlns:a14="http://schemas.microsoft.com/office/drawing/2010/main" xmlns="">
+              <a14:hiddenEffects xmlns="" xmlns:a14="http://schemas.microsoft.com/office/drawing/2010/main">
                 <a:effectLst>
                   <a:outerShdw blurRad="63500" dist="35921" dir="2700000" algn="ctr" rotWithShape="0">
                     <a:schemeClr val="bg2"/>
@@ -36935,14 +37358,14 @@
           <a:effectLst/>
           <a:extLst>
             <a:ext uri="{909E8E84-426E-40dd-AFC4-6F175D3DCCD1}">
-              <a14:hiddenFill xmlns:a14="http://schemas.microsoft.com/office/drawing/2010/main" xmlns="">
+              <a14:hiddenFill xmlns="" xmlns:a14="http://schemas.microsoft.com/office/drawing/2010/main">
                 <a:solidFill>
                   <a:schemeClr val="bg1"/>
                 </a:solidFill>
               </a14:hiddenFill>
             </a:ext>
             <a:ext uri="{AF507438-7753-43e0-B8FC-AC1667EBCBE1}">
-              <a14:hiddenEffects xmlns:a14="http://schemas.microsoft.com/office/drawing/2010/main" xmlns="">
+              <a14:hiddenEffects xmlns="" xmlns:a14="http://schemas.microsoft.com/office/drawing/2010/main">
                 <a:effectLst>
                   <a:outerShdw blurRad="63500" dist="35921" dir="2700000" algn="ctr" rotWithShape="0">
                     <a:schemeClr val="bg2"/>
@@ -36989,10 +37412,40 @@
           </a:p>
         </p:txBody>
       </p:sp>
+      <p:sp>
+        <p:nvSpPr>
+          <p:cNvPr id="41" name="Номер слайда 5"/>
+          <p:cNvSpPr>
+            <a:spLocks noGrp="1"/>
+          </p:cNvSpPr>
+          <p:nvPr>
+            <p:ph type="sldNum" sz="quarter" idx="12"/>
+          </p:nvPr>
+        </p:nvSpPr>
+        <p:spPr>
+          <a:xfrm>
+            <a:off x="10776031" y="6190938"/>
+            <a:ext cx="594673" cy="479419"/>
+          </a:xfrm>
+        </p:spPr>
+        <p:txBody>
+          <a:bodyPr/>
+          <a:lstStyle/>
+          <a:p>
+            <a:pPr algn="ctr"/>
+            <a:fld id="{1397BFD8-F312-4EF2-A268-44FB4BDDBBB0}" type="slidenum">
+              <a:rPr lang="ru-RU" smtClean="0"/>
+              <a:pPr algn="ctr"/>
+              <a:t>7</a:t>
+            </a:fld>
+            <a:endParaRPr lang="ru-RU" dirty="0"/>
+          </a:p>
+        </p:txBody>
+      </p:sp>
     </p:spTree>
     <p:extLst>
       <p:ext uri="{BB962C8B-B14F-4D97-AF65-F5344CB8AC3E}">
-        <p14:creationId xmlns:p14="http://schemas.microsoft.com/office/powerpoint/2010/main" val="1519743362"/>
+        <p14:creationId xmlns:p14="http://schemas.microsoft.com/office/powerpoint/2010/main" xmlns="" val="1519743362"/>
       </p:ext>
     </p:extLst>
   </p:cSld>
@@ -37098,14 +37551,7 @@
                 <a:latin typeface="Courier New"/>
                 <a:cs typeface="Courier New"/>
               </a:rPr>
-              <a:t>/</a:t>
-            </a:r>
-            <a:r>
-              <a:rPr lang="en-US" dirty="0" smtClean="0">
-                <a:latin typeface="Courier New"/>
-                <a:cs typeface="Courier New"/>
-              </a:rPr>
-              <a:t>home/</a:t>
+              <a:t>/home/</a:t>
             </a:r>
             <a:r>
               <a:rPr lang="en-US" dirty="0" err="1" smtClean="0">
@@ -37157,14 +37603,7 @@
                 <a:latin typeface="Courier New"/>
                 <a:cs typeface="Courier New"/>
               </a:rPr>
-              <a:t>../</a:t>
-            </a:r>
-            <a:r>
-              <a:rPr lang="en-US" dirty="0" smtClean="0">
-                <a:latin typeface="Courier New"/>
-                <a:cs typeface="Courier New"/>
-              </a:rPr>
-              <a:t>home/</a:t>
+              <a:t>../home/</a:t>
             </a:r>
             <a:r>
               <a:rPr lang="en-US" dirty="0" err="1" smtClean="0">
@@ -37250,10 +37689,6 @@
               </a:rPr>
               <a:t>/</a:t>
             </a:r>
-            <a:endParaRPr lang="en-US" sz="1600" dirty="0">
-              <a:latin typeface="Courier New"/>
-              <a:cs typeface="Courier New"/>
-            </a:endParaRPr>
           </a:p>
         </p:txBody>
       </p:sp>
@@ -37286,10 +37721,6 @@
               </a:rPr>
               <a:t>bin/</a:t>
             </a:r>
-            <a:endParaRPr lang="en-US" sz="1600" dirty="0">
-              <a:latin typeface="Courier New"/>
-              <a:cs typeface="Courier New"/>
-            </a:endParaRPr>
           </a:p>
         </p:txBody>
       </p:sp>
@@ -37329,10 +37760,6 @@
               </a:rPr>
               <a:t>/</a:t>
             </a:r>
-            <a:endParaRPr lang="en-US" sz="1600" dirty="0">
-              <a:latin typeface="Courier New"/>
-              <a:cs typeface="Courier New"/>
-            </a:endParaRPr>
           </a:p>
         </p:txBody>
       </p:sp>
@@ -37372,10 +37799,6 @@
               </a:rPr>
               <a:t>/</a:t>
             </a:r>
-            <a:endParaRPr lang="en-US" sz="1600" dirty="0">
-              <a:latin typeface="Courier New"/>
-              <a:cs typeface="Courier New"/>
-            </a:endParaRPr>
           </a:p>
         </p:txBody>
       </p:sp>
@@ -37408,10 +37831,6 @@
               </a:rPr>
               <a:t>home/</a:t>
             </a:r>
-            <a:endParaRPr lang="en-US" sz="1600" dirty="0">
-              <a:latin typeface="Courier New"/>
-              <a:cs typeface="Courier New"/>
-            </a:endParaRPr>
           </a:p>
         </p:txBody>
       </p:sp>
@@ -37442,14 +37861,7 @@
                 <a:latin typeface="Courier New"/>
                 <a:cs typeface="Courier New"/>
               </a:rPr>
-              <a:t>u</a:t>
-            </a:r>
-            <a:r>
-              <a:rPr lang="en-US" sz="1600" dirty="0" err="1">
-                <a:latin typeface="Courier New"/>
-                <a:cs typeface="Courier New"/>
-              </a:rPr>
-              <a:t>sr</a:t>
+              <a:t>usr</a:t>
             </a:r>
             <a:r>
               <a:rPr lang="en-US" sz="1600" dirty="0">
@@ -37458,10 +37870,6 @@
               </a:rPr>
               <a:t>/</a:t>
             </a:r>
-            <a:endParaRPr lang="en-US" sz="1600" dirty="0">
-              <a:latin typeface="Courier New"/>
-              <a:cs typeface="Courier New"/>
-            </a:endParaRPr>
           </a:p>
         </p:txBody>
       </p:sp>
@@ -37494,10 +37902,6 @@
               </a:rPr>
               <a:t>bash</a:t>
             </a:r>
-            <a:endParaRPr lang="en-US" sz="1600" dirty="0">
-              <a:latin typeface="Courier New"/>
-              <a:cs typeface="Courier New"/>
-            </a:endParaRPr>
           </a:p>
         </p:txBody>
       </p:sp>
@@ -37530,10 +37934,6 @@
               </a:rPr>
               <a:t>tty1</a:t>
             </a:r>
-            <a:endParaRPr lang="en-US" sz="1600" dirty="0">
-              <a:latin typeface="Courier New"/>
-              <a:cs typeface="Courier New"/>
-            </a:endParaRPr>
           </a:p>
         </p:txBody>
       </p:sp>
@@ -37566,10 +37966,6 @@
               </a:rPr>
               <a:t>group</a:t>
             </a:r>
-            <a:endParaRPr lang="en-US" sz="1600" dirty="0">
-              <a:latin typeface="Courier New"/>
-              <a:cs typeface="Courier New"/>
-            </a:endParaRPr>
           </a:p>
         </p:txBody>
       </p:sp>
@@ -37733,6 +38129,70 @@
               </a:rPr>
               <a:t>include/</a:t>
             </a:r>
+          </a:p>
+        </p:txBody>
+      </p:sp>
+      <p:sp>
+        <p:nvSpPr>
+          <p:cNvPr id="128" name="TextBox 127"/>
+          <p:cNvSpPr txBox="1"/>
+          <p:nvPr/>
+        </p:nvSpPr>
+        <p:spPr>
+          <a:xfrm>
+            <a:off x="9625052" y="4648200"/>
+            <a:ext cx="677189" cy="338554"/>
+          </a:xfrm>
+          <a:prstGeom prst="rect">
+            <a:avLst/>
+          </a:prstGeom>
+          <a:noFill/>
+        </p:spPr>
+        <p:txBody>
+          <a:bodyPr wrap="none" rtlCol="0">
+            <a:spAutoFit/>
+          </a:bodyPr>
+          <a:lstStyle/>
+          <a:p>
+            <a:r>
+              <a:rPr lang="en-US" sz="1600" dirty="0">
+                <a:latin typeface="Courier New"/>
+                <a:cs typeface="Courier New"/>
+              </a:rPr>
+              <a:t>bin/</a:t>
+            </a:r>
+          </a:p>
+        </p:txBody>
+      </p:sp>
+      <p:sp>
+        <p:nvSpPr>
+          <p:cNvPr id="129" name="TextBox 128"/>
+          <p:cNvSpPr txBox="1"/>
+          <p:nvPr/>
+        </p:nvSpPr>
+        <p:spPr>
+          <a:xfrm>
+            <a:off x="7482841" y="5486400"/>
+            <a:ext cx="1046581" cy="338554"/>
+          </a:xfrm>
+          <a:prstGeom prst="rect">
+            <a:avLst/>
+          </a:prstGeom>
+          <a:noFill/>
+        </p:spPr>
+        <p:txBody>
+          <a:bodyPr wrap="none" rtlCol="0">
+            <a:spAutoFit/>
+          </a:bodyPr>
+          <a:lstStyle/>
+          <a:p>
+            <a:r>
+              <a:rPr lang="en-US" sz="1600" dirty="0" err="1">
+                <a:latin typeface="Courier New"/>
+                <a:cs typeface="Courier New"/>
+              </a:rPr>
+              <a:t>stdio.h</a:t>
+            </a:r>
             <a:endParaRPr lang="en-US" sz="1600" dirty="0">
               <a:latin typeface="Courier New"/>
               <a:cs typeface="Courier New"/>
@@ -37742,14 +38202,14 @@
       </p:sp>
       <p:sp>
         <p:nvSpPr>
-          <p:cNvPr id="128" name="TextBox 127"/>
+          <p:cNvPr id="130" name="TextBox 129"/>
           <p:cNvSpPr txBox="1"/>
           <p:nvPr/>
         </p:nvSpPr>
         <p:spPr>
           <a:xfrm>
-            <a:off x="9625052" y="4648200"/>
-            <a:ext cx="677189" cy="338554"/>
+            <a:off x="9686616" y="5486400"/>
+            <a:ext cx="554058" cy="338554"/>
           </a:xfrm>
           <a:prstGeom prst="rect">
             <a:avLst/>
@@ -37767,25 +38227,21 @@
                 <a:latin typeface="Courier New"/>
                 <a:cs typeface="Courier New"/>
               </a:rPr>
-              <a:t>bin/</a:t>
-            </a:r>
-            <a:endParaRPr lang="en-US" sz="1600" dirty="0">
-              <a:latin typeface="Courier New"/>
-              <a:cs typeface="Courier New"/>
-            </a:endParaRPr>
-          </a:p>
-        </p:txBody>
-      </p:sp>
-      <p:sp>
-        <p:nvSpPr>
-          <p:cNvPr id="129" name="TextBox 128"/>
+              <a:t>vim</a:t>
+            </a:r>
+          </a:p>
+        </p:txBody>
+      </p:sp>
+      <p:sp>
+        <p:nvSpPr>
+          <p:cNvPr id="131" name="TextBox 130"/>
           <p:cNvSpPr txBox="1"/>
           <p:nvPr/>
         </p:nvSpPr>
         <p:spPr>
           <a:xfrm>
-            <a:off x="7482841" y="5486400"/>
-            <a:ext cx="1046581" cy="338554"/>
+            <a:off x="8719702" y="5486400"/>
+            <a:ext cx="677189" cy="338554"/>
           </a:xfrm>
           <a:prstGeom prst="rect">
             <a:avLst/>
@@ -37799,88 +38255,12 @@
           <a:lstStyle/>
           <a:p>
             <a:r>
-              <a:rPr lang="en-US" sz="1600" dirty="0" err="1">
-                <a:latin typeface="Courier New"/>
-                <a:cs typeface="Courier New"/>
-              </a:rPr>
-              <a:t>stdio.h</a:t>
-            </a:r>
-            <a:endParaRPr lang="en-US" sz="1600" dirty="0">
-              <a:latin typeface="Courier New"/>
-              <a:cs typeface="Courier New"/>
-            </a:endParaRPr>
-          </a:p>
-        </p:txBody>
-      </p:sp>
-      <p:sp>
-        <p:nvSpPr>
-          <p:cNvPr id="130" name="TextBox 129"/>
-          <p:cNvSpPr txBox="1"/>
-          <p:nvPr/>
-        </p:nvSpPr>
-        <p:spPr>
-          <a:xfrm>
-            <a:off x="9686616" y="5486400"/>
-            <a:ext cx="554058" cy="338554"/>
-          </a:xfrm>
-          <a:prstGeom prst="rect">
-            <a:avLst/>
-          </a:prstGeom>
-          <a:noFill/>
-        </p:spPr>
-        <p:txBody>
-          <a:bodyPr wrap="none" rtlCol="0">
-            <a:spAutoFit/>
-          </a:bodyPr>
-          <a:lstStyle/>
-          <a:p>
-            <a:r>
               <a:rPr lang="en-US" sz="1600" dirty="0">
                 <a:latin typeface="Courier New"/>
                 <a:cs typeface="Courier New"/>
               </a:rPr>
-              <a:t>vim</a:t>
-            </a:r>
-            <a:endParaRPr lang="en-US" sz="1600" dirty="0">
-              <a:latin typeface="Courier New"/>
-              <a:cs typeface="Courier New"/>
-            </a:endParaRPr>
-          </a:p>
-        </p:txBody>
-      </p:sp>
-      <p:sp>
-        <p:nvSpPr>
-          <p:cNvPr id="131" name="TextBox 130"/>
-          <p:cNvSpPr txBox="1"/>
-          <p:nvPr/>
-        </p:nvSpPr>
-        <p:spPr>
-          <a:xfrm>
-            <a:off x="8719702" y="5486400"/>
-            <a:ext cx="677189" cy="338554"/>
-          </a:xfrm>
-          <a:prstGeom prst="rect">
-            <a:avLst/>
-          </a:prstGeom>
-          <a:noFill/>
-        </p:spPr>
-        <p:txBody>
-          <a:bodyPr wrap="none" rtlCol="0">
-            <a:spAutoFit/>
-          </a:bodyPr>
-          <a:lstStyle/>
-          <a:p>
-            <a:r>
-              <a:rPr lang="en-US" sz="1600" dirty="0">
-                <a:latin typeface="Courier New"/>
-                <a:cs typeface="Courier New"/>
-              </a:rPr>
               <a:t>sys/</a:t>
             </a:r>
-            <a:endParaRPr lang="en-US" sz="1600" dirty="0">
-              <a:latin typeface="Courier New"/>
-              <a:cs typeface="Courier New"/>
-            </a:endParaRPr>
           </a:p>
         </p:txBody>
       </p:sp>
@@ -37950,14 +38330,14 @@
           <a:effectLst/>
           <a:extLst>
             <a:ext uri="{909E8E84-426E-40dd-AFC4-6F175D3DCCD1}">
-              <a14:hiddenFill xmlns:a14="http://schemas.microsoft.com/office/drawing/2010/main" xmlns="">
+              <a14:hiddenFill xmlns="" xmlns:a14="http://schemas.microsoft.com/office/drawing/2010/main">
                 <a:solidFill>
                   <a:schemeClr val="bg1"/>
                 </a:solidFill>
               </a14:hiddenFill>
             </a:ext>
             <a:ext uri="{AF507438-7753-43e0-B8FC-AC1667EBCBE1}">
-              <a14:hiddenEffects xmlns:a14="http://schemas.microsoft.com/office/drawing/2010/main" xmlns="">
+              <a14:hiddenEffects xmlns="" xmlns:a14="http://schemas.microsoft.com/office/drawing/2010/main">
                 <a:effectLst>
                   <a:outerShdw blurRad="63500" dist="35921" dir="2700000" algn="ctr" rotWithShape="0">
                     <a:schemeClr val="bg2"/>
@@ -37998,14 +38378,14 @@
           <a:effectLst/>
           <a:extLst>
             <a:ext uri="{909E8E84-426E-40dd-AFC4-6F175D3DCCD1}">
-              <a14:hiddenFill xmlns:a14="http://schemas.microsoft.com/office/drawing/2010/main" xmlns="">
+              <a14:hiddenFill xmlns="" xmlns:a14="http://schemas.microsoft.com/office/drawing/2010/main">
                 <a:solidFill>
                   <a:schemeClr val="bg1"/>
                 </a:solidFill>
               </a14:hiddenFill>
             </a:ext>
             <a:ext uri="{AF507438-7753-43e0-B8FC-AC1667EBCBE1}">
-              <a14:hiddenEffects xmlns:a14="http://schemas.microsoft.com/office/drawing/2010/main" xmlns="">
+              <a14:hiddenEffects xmlns="" xmlns:a14="http://schemas.microsoft.com/office/drawing/2010/main">
                 <a:effectLst>
                   <a:outerShdw blurRad="63500" dist="35921" dir="2700000" algn="ctr" rotWithShape="0">
                     <a:schemeClr val="bg2"/>
@@ -38046,14 +38426,14 @@
           <a:effectLst/>
           <a:extLst>
             <a:ext uri="{909E8E84-426E-40dd-AFC4-6F175D3DCCD1}">
-              <a14:hiddenFill xmlns:a14="http://schemas.microsoft.com/office/drawing/2010/main" xmlns="">
+              <a14:hiddenFill xmlns="" xmlns:a14="http://schemas.microsoft.com/office/drawing/2010/main">
                 <a:solidFill>
                   <a:schemeClr val="bg1"/>
                 </a:solidFill>
               </a14:hiddenFill>
             </a:ext>
             <a:ext uri="{AF507438-7753-43e0-B8FC-AC1667EBCBE1}">
-              <a14:hiddenEffects xmlns:a14="http://schemas.microsoft.com/office/drawing/2010/main" xmlns="">
+              <a14:hiddenEffects xmlns="" xmlns:a14="http://schemas.microsoft.com/office/drawing/2010/main">
                 <a:effectLst>
                   <a:outerShdw blurRad="63500" dist="35921" dir="2700000" algn="ctr" rotWithShape="0">
                     <a:schemeClr val="bg2"/>
@@ -38094,14 +38474,14 @@
           <a:effectLst/>
           <a:extLst>
             <a:ext uri="{909E8E84-426E-40dd-AFC4-6F175D3DCCD1}">
-              <a14:hiddenFill xmlns:a14="http://schemas.microsoft.com/office/drawing/2010/main" xmlns="">
+              <a14:hiddenFill xmlns="" xmlns:a14="http://schemas.microsoft.com/office/drawing/2010/main">
                 <a:solidFill>
                   <a:schemeClr val="bg1"/>
                 </a:solidFill>
               </a14:hiddenFill>
             </a:ext>
             <a:ext uri="{AF507438-7753-43e0-B8FC-AC1667EBCBE1}">
-              <a14:hiddenEffects xmlns:a14="http://schemas.microsoft.com/office/drawing/2010/main" xmlns="">
+              <a14:hiddenEffects xmlns="" xmlns:a14="http://schemas.microsoft.com/office/drawing/2010/main">
                 <a:effectLst>
                   <a:outerShdw blurRad="63500" dist="35921" dir="2700000" algn="ctr" rotWithShape="0">
                     <a:schemeClr val="bg2"/>
@@ -38142,14 +38522,14 @@
           <a:effectLst/>
           <a:extLst>
             <a:ext uri="{909E8E84-426E-40dd-AFC4-6F175D3DCCD1}">
-              <a14:hiddenFill xmlns:a14="http://schemas.microsoft.com/office/drawing/2010/main" xmlns="">
+              <a14:hiddenFill xmlns="" xmlns:a14="http://schemas.microsoft.com/office/drawing/2010/main">
                 <a:solidFill>
                   <a:schemeClr val="bg1"/>
                 </a:solidFill>
               </a14:hiddenFill>
             </a:ext>
             <a:ext uri="{AF507438-7753-43e0-B8FC-AC1667EBCBE1}">
-              <a14:hiddenEffects xmlns:a14="http://schemas.microsoft.com/office/drawing/2010/main" xmlns="">
+              <a14:hiddenEffects xmlns="" xmlns:a14="http://schemas.microsoft.com/office/drawing/2010/main">
                 <a:effectLst>
                   <a:outerShdw blurRad="63500" dist="35921" dir="2700000" algn="ctr" rotWithShape="0">
                     <a:schemeClr val="bg2"/>
@@ -38190,14 +38570,14 @@
           <a:effectLst/>
           <a:extLst>
             <a:ext uri="{909E8E84-426E-40dd-AFC4-6F175D3DCCD1}">
-              <a14:hiddenFill xmlns:a14="http://schemas.microsoft.com/office/drawing/2010/main" xmlns="">
+              <a14:hiddenFill xmlns="" xmlns:a14="http://schemas.microsoft.com/office/drawing/2010/main">
                 <a:solidFill>
                   <a:schemeClr val="bg1"/>
                 </a:solidFill>
               </a14:hiddenFill>
             </a:ext>
             <a:ext uri="{AF507438-7753-43e0-B8FC-AC1667EBCBE1}">
-              <a14:hiddenEffects xmlns:a14="http://schemas.microsoft.com/office/drawing/2010/main" xmlns="">
+              <a14:hiddenEffects xmlns="" xmlns:a14="http://schemas.microsoft.com/office/drawing/2010/main">
                 <a:effectLst>
                   <a:outerShdw blurRad="63500" dist="35921" dir="2700000" algn="ctr" rotWithShape="0">
                     <a:schemeClr val="bg2"/>
@@ -38238,14 +38618,14 @@
           <a:effectLst/>
           <a:extLst>
             <a:ext uri="{909E8E84-426E-40dd-AFC4-6F175D3DCCD1}">
-              <a14:hiddenFill xmlns:a14="http://schemas.microsoft.com/office/drawing/2010/main" xmlns="">
+              <a14:hiddenFill xmlns="" xmlns:a14="http://schemas.microsoft.com/office/drawing/2010/main">
                 <a:solidFill>
                   <a:schemeClr val="bg1"/>
                 </a:solidFill>
               </a14:hiddenFill>
             </a:ext>
             <a:ext uri="{AF507438-7753-43e0-B8FC-AC1667EBCBE1}">
-              <a14:hiddenEffects xmlns:a14="http://schemas.microsoft.com/office/drawing/2010/main" xmlns="">
+              <a14:hiddenEffects xmlns="" xmlns:a14="http://schemas.microsoft.com/office/drawing/2010/main">
                 <a:effectLst>
                   <a:outerShdw blurRad="63500" dist="35921" dir="2700000" algn="ctr" rotWithShape="0">
                     <a:schemeClr val="bg2"/>
@@ -38285,14 +38665,14 @@
           <a:effectLst/>
           <a:extLst>
             <a:ext uri="{909E8E84-426E-40dd-AFC4-6F175D3DCCD1}">
-              <a14:hiddenFill xmlns:a14="http://schemas.microsoft.com/office/drawing/2010/main" xmlns="">
+              <a14:hiddenFill xmlns="" xmlns:a14="http://schemas.microsoft.com/office/drawing/2010/main">
                 <a:solidFill>
                   <a:schemeClr val="bg1"/>
                 </a:solidFill>
               </a14:hiddenFill>
             </a:ext>
             <a:ext uri="{AF507438-7753-43e0-B8FC-AC1667EBCBE1}">
-              <a14:hiddenEffects xmlns:a14="http://schemas.microsoft.com/office/drawing/2010/main" xmlns="">
+              <a14:hiddenEffects xmlns="" xmlns:a14="http://schemas.microsoft.com/office/drawing/2010/main">
                 <a:effectLst>
                   <a:outerShdw blurRad="63500" dist="35921" dir="2700000" algn="ctr" rotWithShape="0">
                     <a:schemeClr val="bg2"/>
@@ -38333,14 +38713,14 @@
           <a:effectLst/>
           <a:extLst>
             <a:ext uri="{909E8E84-426E-40dd-AFC4-6F175D3DCCD1}">
-              <a14:hiddenFill xmlns:a14="http://schemas.microsoft.com/office/drawing/2010/main" xmlns="">
+              <a14:hiddenFill xmlns="" xmlns:a14="http://schemas.microsoft.com/office/drawing/2010/main">
                 <a:solidFill>
                   <a:schemeClr val="bg1"/>
                 </a:solidFill>
               </a14:hiddenFill>
             </a:ext>
             <a:ext uri="{AF507438-7753-43e0-B8FC-AC1667EBCBE1}">
-              <a14:hiddenEffects xmlns:a14="http://schemas.microsoft.com/office/drawing/2010/main" xmlns="">
+              <a14:hiddenEffects xmlns="" xmlns:a14="http://schemas.microsoft.com/office/drawing/2010/main">
                 <a:effectLst>
                   <a:outerShdw blurRad="63500" dist="35921" dir="2700000" algn="ctr" rotWithShape="0">
                     <a:schemeClr val="bg2"/>
@@ -38381,14 +38761,14 @@
           <a:effectLst/>
           <a:extLst>
             <a:ext uri="{909E8E84-426E-40dd-AFC4-6F175D3DCCD1}">
-              <a14:hiddenFill xmlns:a14="http://schemas.microsoft.com/office/drawing/2010/main" xmlns="">
+              <a14:hiddenFill xmlns="" xmlns:a14="http://schemas.microsoft.com/office/drawing/2010/main">
                 <a:solidFill>
                   <a:schemeClr val="bg1"/>
                 </a:solidFill>
               </a14:hiddenFill>
             </a:ext>
             <a:ext uri="{AF507438-7753-43e0-B8FC-AC1667EBCBE1}">
-              <a14:hiddenEffects xmlns:a14="http://schemas.microsoft.com/office/drawing/2010/main" xmlns="">
+              <a14:hiddenEffects xmlns="" xmlns:a14="http://schemas.microsoft.com/office/drawing/2010/main">
                 <a:effectLst>
                   <a:outerShdw blurRad="63500" dist="35921" dir="2700000" algn="ctr" rotWithShape="0">
                     <a:schemeClr val="bg2"/>
@@ -38429,14 +38809,14 @@
           <a:effectLst/>
           <a:extLst>
             <a:ext uri="{909E8E84-426E-40dd-AFC4-6F175D3DCCD1}">
-              <a14:hiddenFill xmlns:a14="http://schemas.microsoft.com/office/drawing/2010/main" xmlns="">
+              <a14:hiddenFill xmlns="" xmlns:a14="http://schemas.microsoft.com/office/drawing/2010/main">
                 <a:solidFill>
                   <a:schemeClr val="bg1"/>
                 </a:solidFill>
               </a14:hiddenFill>
             </a:ext>
             <a:ext uri="{AF507438-7753-43e0-B8FC-AC1667EBCBE1}">
-              <a14:hiddenEffects xmlns:a14="http://schemas.microsoft.com/office/drawing/2010/main" xmlns="">
+              <a14:hiddenEffects xmlns="" xmlns:a14="http://schemas.microsoft.com/office/drawing/2010/main">
                 <a:effectLst>
                   <a:outerShdw blurRad="63500" dist="35921" dir="2700000" algn="ctr" rotWithShape="0">
                     <a:schemeClr val="bg2"/>
@@ -38477,14 +38857,14 @@
           <a:effectLst/>
           <a:extLst>
             <a:ext uri="{909E8E84-426E-40dd-AFC4-6F175D3DCCD1}">
-              <a14:hiddenFill xmlns:a14="http://schemas.microsoft.com/office/drawing/2010/main" xmlns="">
+              <a14:hiddenFill xmlns="" xmlns:a14="http://schemas.microsoft.com/office/drawing/2010/main">
                 <a:solidFill>
                   <a:schemeClr val="bg1"/>
                 </a:solidFill>
               </a14:hiddenFill>
             </a:ext>
             <a:ext uri="{AF507438-7753-43e0-B8FC-AC1667EBCBE1}">
-              <a14:hiddenEffects xmlns:a14="http://schemas.microsoft.com/office/drawing/2010/main" xmlns="">
+              <a14:hiddenEffects xmlns="" xmlns:a14="http://schemas.microsoft.com/office/drawing/2010/main">
                 <a:effectLst>
                   <a:outerShdw blurRad="63500" dist="35921" dir="2700000" algn="ctr" rotWithShape="0">
                     <a:schemeClr val="bg2"/>
@@ -38525,14 +38905,14 @@
           <a:effectLst/>
           <a:extLst>
             <a:ext uri="{909E8E84-426E-40dd-AFC4-6F175D3DCCD1}">
-              <a14:hiddenFill xmlns:a14="http://schemas.microsoft.com/office/drawing/2010/main" xmlns="">
+              <a14:hiddenFill xmlns="" xmlns:a14="http://schemas.microsoft.com/office/drawing/2010/main">
                 <a:solidFill>
                   <a:schemeClr val="bg1"/>
                 </a:solidFill>
               </a14:hiddenFill>
             </a:ext>
             <a:ext uri="{AF507438-7753-43e0-B8FC-AC1667EBCBE1}">
-              <a14:hiddenEffects xmlns:a14="http://schemas.microsoft.com/office/drawing/2010/main" xmlns="">
+              <a14:hiddenEffects xmlns="" xmlns:a14="http://schemas.microsoft.com/office/drawing/2010/main">
                 <a:effectLst>
                   <a:outerShdw blurRad="63500" dist="35921" dir="2700000" algn="ctr" rotWithShape="0">
                     <a:schemeClr val="bg2"/>
@@ -38573,14 +38953,14 @@
           <a:effectLst/>
           <a:extLst>
             <a:ext uri="{909E8E84-426E-40dd-AFC4-6F175D3DCCD1}">
-              <a14:hiddenFill xmlns:a14="http://schemas.microsoft.com/office/drawing/2010/main" xmlns="">
+              <a14:hiddenFill xmlns="" xmlns:a14="http://schemas.microsoft.com/office/drawing/2010/main">
                 <a:solidFill>
                   <a:schemeClr val="bg1"/>
                 </a:solidFill>
               </a14:hiddenFill>
             </a:ext>
             <a:ext uri="{AF507438-7753-43e0-B8FC-AC1667EBCBE1}">
-              <a14:hiddenEffects xmlns:a14="http://schemas.microsoft.com/office/drawing/2010/main" xmlns="">
+              <a14:hiddenEffects xmlns="" xmlns:a14="http://schemas.microsoft.com/office/drawing/2010/main">
                 <a:effectLst>
                   <a:outerShdw blurRad="63500" dist="35921" dir="2700000" algn="ctr" rotWithShape="0">
                     <a:schemeClr val="bg2"/>
@@ -38621,14 +39001,14 @@
           <a:effectLst/>
           <a:extLst>
             <a:ext uri="{909E8E84-426E-40dd-AFC4-6F175D3DCCD1}">
-              <a14:hiddenFill xmlns:a14="http://schemas.microsoft.com/office/drawing/2010/main" xmlns="">
+              <a14:hiddenFill xmlns="" xmlns:a14="http://schemas.microsoft.com/office/drawing/2010/main">
                 <a:solidFill>
                   <a:schemeClr val="bg1"/>
                 </a:solidFill>
               </a14:hiddenFill>
             </a:ext>
             <a:ext uri="{AF507438-7753-43e0-B8FC-AC1667EBCBE1}">
-              <a14:hiddenEffects xmlns:a14="http://schemas.microsoft.com/office/drawing/2010/main" xmlns="">
+              <a14:hiddenEffects xmlns="" xmlns:a14="http://schemas.microsoft.com/office/drawing/2010/main">
                 <a:effectLst>
                   <a:outerShdw blurRad="63500" dist="35921" dir="2700000" algn="ctr" rotWithShape="0">
                     <a:schemeClr val="bg2"/>
@@ -38669,14 +39049,14 @@
           <a:effectLst/>
           <a:extLst>
             <a:ext uri="{909E8E84-426E-40dd-AFC4-6F175D3DCCD1}">
-              <a14:hiddenFill xmlns:a14="http://schemas.microsoft.com/office/drawing/2010/main" xmlns="">
+              <a14:hiddenFill xmlns="" xmlns:a14="http://schemas.microsoft.com/office/drawing/2010/main">
                 <a:solidFill>
                   <a:schemeClr val="bg1"/>
                 </a:solidFill>
               </a14:hiddenFill>
             </a:ext>
             <a:ext uri="{AF507438-7753-43e0-B8FC-AC1667EBCBE1}">
-              <a14:hiddenEffects xmlns:a14="http://schemas.microsoft.com/office/drawing/2010/main" xmlns="">
+              <a14:hiddenEffects xmlns="" xmlns:a14="http://schemas.microsoft.com/office/drawing/2010/main">
                 <a:effectLst>
                   <a:outerShdw blurRad="63500" dist="35921" dir="2700000" algn="ctr" rotWithShape="0">
                     <a:schemeClr val="bg2"/>
@@ -38717,14 +39097,14 @@
           <a:effectLst/>
           <a:extLst>
             <a:ext uri="{909E8E84-426E-40dd-AFC4-6F175D3DCCD1}">
-              <a14:hiddenFill xmlns:a14="http://schemas.microsoft.com/office/drawing/2010/main" xmlns="">
+              <a14:hiddenFill xmlns="" xmlns:a14="http://schemas.microsoft.com/office/drawing/2010/main">
                 <a:solidFill>
                   <a:schemeClr val="bg1"/>
                 </a:solidFill>
               </a14:hiddenFill>
             </a:ext>
             <a:ext uri="{AF507438-7753-43e0-B8FC-AC1667EBCBE1}">
-              <a14:hiddenEffects xmlns:a14="http://schemas.microsoft.com/office/drawing/2010/main" xmlns="">
+              <a14:hiddenEffects xmlns="" xmlns:a14="http://schemas.microsoft.com/office/drawing/2010/main">
                 <a:effectLst>
                   <a:outerShdw blurRad="63500" dist="35921" dir="2700000" algn="ctr" rotWithShape="0">
                     <a:schemeClr val="bg2"/>
@@ -38765,14 +39145,14 @@
           <a:effectLst/>
           <a:extLst>
             <a:ext uri="{909E8E84-426E-40dd-AFC4-6F175D3DCCD1}">
-              <a14:hiddenFill xmlns:a14="http://schemas.microsoft.com/office/drawing/2010/main" xmlns="">
+              <a14:hiddenFill xmlns="" xmlns:a14="http://schemas.microsoft.com/office/drawing/2010/main">
                 <a:solidFill>
                   <a:schemeClr val="bg1"/>
                 </a:solidFill>
               </a14:hiddenFill>
             </a:ext>
             <a:ext uri="{AF507438-7753-43e0-B8FC-AC1667EBCBE1}">
-              <a14:hiddenEffects xmlns:a14="http://schemas.microsoft.com/office/drawing/2010/main" xmlns="">
+              <a14:hiddenEffects xmlns="" xmlns:a14="http://schemas.microsoft.com/office/drawing/2010/main">
                 <a:effectLst>
                   <a:outerShdw blurRad="63500" dist="35921" dir="2700000" algn="ctr" rotWithShape="0">
                     <a:schemeClr val="bg2"/>
@@ -38906,10 +39286,40 @@
           </a:p>
         </p:txBody>
       </p:sp>
+      <p:sp>
+        <p:nvSpPr>
+          <p:cNvPr id="42" name="Номер слайда 5"/>
+          <p:cNvSpPr>
+            <a:spLocks noGrp="1"/>
+          </p:cNvSpPr>
+          <p:nvPr>
+            <p:ph type="sldNum" sz="quarter" idx="12"/>
+          </p:nvPr>
+        </p:nvSpPr>
+        <p:spPr>
+          <a:xfrm>
+            <a:off x="10776031" y="6190938"/>
+            <a:ext cx="594673" cy="479419"/>
+          </a:xfrm>
+        </p:spPr>
+        <p:txBody>
+          <a:bodyPr/>
+          <a:lstStyle/>
+          <a:p>
+            <a:pPr algn="ctr"/>
+            <a:fld id="{1397BFD8-F312-4EF2-A268-44FB4BDDBBB0}" type="slidenum">
+              <a:rPr lang="ru-RU" smtClean="0"/>
+              <a:pPr algn="ctr"/>
+              <a:t>8</a:t>
+            </a:fld>
+            <a:endParaRPr lang="ru-RU" dirty="0"/>
+          </a:p>
+        </p:txBody>
+      </p:sp>
     </p:spTree>
     <p:extLst>
       <p:ext uri="{BB962C8B-B14F-4D97-AF65-F5344CB8AC3E}">
-        <p14:creationId xmlns:p14="http://schemas.microsoft.com/office/powerpoint/2010/main" val="2465080947"/>
+        <p14:creationId xmlns:p14="http://schemas.microsoft.com/office/powerpoint/2010/main" xmlns="" val="2465080947"/>
       </p:ext>
     </p:extLst>
   </p:cSld>
@@ -39422,7 +39832,7 @@
     </p:spTree>
     <p:extLst>
       <p:ext uri="{BB962C8B-B14F-4D97-AF65-F5344CB8AC3E}">
-        <p14:creationId xmlns:p14="http://schemas.microsoft.com/office/powerpoint/2010/main" val="4244158895"/>
+        <p14:creationId xmlns:p14="http://schemas.microsoft.com/office/powerpoint/2010/main" xmlns="" val="4244158895"/>
       </p:ext>
     </p:extLst>
   </p:cSld>
@@ -39707,7 +40117,7 @@
   <a:extraClrSchemeLst/>
   <a:extLst>
     <a:ext uri="{05A4C25C-085E-4340-85A3-A5531E510DB2}">
-      <thm15:themeFamily xmlns:thm15="http://schemas.microsoft.com/office/thememl/2012/main" name="Office Theme" id="{62F939B6-93AF-4DB8-9C6B-D6C7DFDC589F}" vid="{4A3C46E8-61CC-4603-A589-7422A47A8E4A}"/>
+      <thm15:themeFamily xmlns:thm15="http://schemas.microsoft.com/office/thememl/2012/main" xmlns="" name="Office Theme" id="{62F939B6-93AF-4DB8-9C6B-D6C7DFDC589F}" vid="{4A3C46E8-61CC-4603-A589-7422A47A8E4A}"/>
     </a:ext>
   </a:extLst>
 </a:theme>
@@ -39968,7 +40378,7 @@
   <a:extraClrSchemeLst/>
   <a:extLst>
     <a:ext uri="{05A4C25C-085E-4340-85A3-A5531E510DB2}">
-      <thm15:themeFamily xmlns:thm15="http://schemas.microsoft.com/office/thememl/2012/main" name="Office Theme" id="{62F939B6-93AF-4DB8-9C6B-D6C7DFDC589F}" vid="{4A3C46E8-61CC-4603-A589-7422A47A8E4A}"/>
+      <thm15:themeFamily xmlns:thm15="http://schemas.microsoft.com/office/thememl/2012/main" xmlns="" name="Office Theme" id="{62F939B6-93AF-4DB8-9C6B-D6C7DFDC589F}" vid="{4A3C46E8-61CC-4603-A589-7422A47A8E4A}"/>
     </a:ext>
   </a:extLst>
 </a:theme>
@@ -40229,7 +40639,7 @@
   <a:extraClrSchemeLst/>
   <a:extLst>
     <a:ext uri="{05A4C25C-085E-4340-85A3-A5531E510DB2}">
-      <thm15:themeFamily xmlns:thm15="http://schemas.microsoft.com/office/thememl/2012/main" name="Office Theme" id="{62F939B6-93AF-4DB8-9C6B-D6C7DFDC589F}" vid="{4A3C46E8-61CC-4603-A589-7422A47A8E4A}"/>
+      <thm15:themeFamily xmlns:thm15="http://schemas.microsoft.com/office/thememl/2012/main" xmlns="" name="Office Theme" id="{62F939B6-93AF-4DB8-9C6B-D6C7DFDC589F}" vid="{4A3C46E8-61CC-4603-A589-7422A47A8E4A}"/>
     </a:ext>
   </a:extLst>
 </a:theme>
